--- a/doc/中期答辩.pptx
+++ b/doc/中期答辩.pptx
@@ -5,7 +5,7 @@
     <p:sldMasterId id="2147483648" r:id="rId1"/>
   </p:sldMasterIdLst>
   <p:notesMasterIdLst>
-    <p:notesMasterId r:id="rId19"/>
+    <p:notesMasterId r:id="rId21"/>
   </p:notesMasterIdLst>
   <p:sldIdLst>
     <p:sldId id="256" r:id="rId2"/>
@@ -13,18 +13,20 @@
     <p:sldId id="259" r:id="rId4"/>
     <p:sldId id="273" r:id="rId5"/>
     <p:sldId id="260" r:id="rId6"/>
-    <p:sldId id="261" r:id="rId7"/>
-    <p:sldId id="262" r:id="rId8"/>
-    <p:sldId id="263" r:id="rId9"/>
-    <p:sldId id="264" r:id="rId10"/>
-    <p:sldId id="265" r:id="rId11"/>
-    <p:sldId id="266" r:id="rId12"/>
-    <p:sldId id="267" r:id="rId13"/>
-    <p:sldId id="268" r:id="rId14"/>
-    <p:sldId id="269" r:id="rId15"/>
-    <p:sldId id="270" r:id="rId16"/>
-    <p:sldId id="271" r:id="rId17"/>
-    <p:sldId id="272" r:id="rId18"/>
+    <p:sldId id="276" r:id="rId7"/>
+    <p:sldId id="275" r:id="rId8"/>
+    <p:sldId id="261" r:id="rId9"/>
+    <p:sldId id="262" r:id="rId10"/>
+    <p:sldId id="263" r:id="rId11"/>
+    <p:sldId id="277" r:id="rId12"/>
+    <p:sldId id="278" r:id="rId13"/>
+    <p:sldId id="265" r:id="rId14"/>
+    <p:sldId id="264" r:id="rId15"/>
+    <p:sldId id="266" r:id="rId16"/>
+    <p:sldId id="267" r:id="rId17"/>
+    <p:sldId id="270" r:id="rId18"/>
+    <p:sldId id="271" r:id="rId19"/>
+    <p:sldId id="272" r:id="rId20"/>
   </p:sldIdLst>
   <p:sldSz cx="12192000" cy="6858000"/>
   <p:notesSz cx="6858000" cy="9144000"/>
@@ -519,80 +521,7 @@
           <a:bodyPr/>
           <a:lstStyle/>
           <a:p>
-            <a:r>
-              <a:rPr kumimoji="1" lang="zh-CN" altLang="en-US" sz="1800" dirty="0"/>
-              <a:t>所以根据毕设内容，我将毕设任务分为三个方面：</a:t>
-            </a:r>
-            <a:endParaRPr kumimoji="1" lang="en-US" altLang="zh-CN" sz="1800" dirty="0"/>
-          </a:p>
-          <a:p>
-            <a:endParaRPr kumimoji="1" lang="en-US" altLang="zh-CN" sz="1800" dirty="0"/>
-          </a:p>
-          <a:p>
-            <a:endParaRPr kumimoji="1" lang="en-US" altLang="zh-CN" sz="1800" dirty="0"/>
-          </a:p>
-          <a:p>
-            <a:r>
-              <a:rPr kumimoji="1" lang="zh-CN" altLang="en-US" sz="1800" dirty="0"/>
-              <a:t>我的任务大概是这样几个方面：</a:t>
-            </a:r>
-            <a:endParaRPr kumimoji="1" lang="en-US" altLang="zh-CN" sz="1800" dirty="0"/>
-          </a:p>
-          <a:p>
-            <a:r>
-              <a:rPr kumimoji="1" lang="en-US" altLang="zh-CN" sz="1800" dirty="0"/>
-              <a:t>1</a:t>
-            </a:r>
-            <a:r>
-              <a:rPr kumimoji="1" lang="zh-CN" altLang="en-US" sz="1800" dirty="0"/>
-              <a:t>）对</a:t>
-            </a:r>
-            <a:r>
-              <a:rPr kumimoji="1" lang="en-US" altLang="zh-CN" sz="1800" dirty="0"/>
-              <a:t>S</a:t>
-            </a:r>
-            <a:r>
-              <a:rPr kumimoji="1" lang="zh-CN" altLang="en-US" sz="1800" dirty="0"/>
-              <a:t>盒的每个密码学性质和原理进行学习，初步确定对哪些性质进行检测。</a:t>
-            </a:r>
-            <a:endParaRPr kumimoji="1" lang="en-US" altLang="zh-CN" sz="1800" dirty="0"/>
-          </a:p>
-          <a:p>
-            <a:r>
-              <a:rPr kumimoji="1" lang="en-US" altLang="zh-CN" sz="1800" dirty="0"/>
-              <a:t>2</a:t>
-            </a:r>
-            <a:r>
-              <a:rPr kumimoji="1" lang="zh-CN" altLang="en-US" sz="1800" dirty="0"/>
-              <a:t>）搜集已有的</a:t>
-            </a:r>
-            <a:r>
-              <a:rPr kumimoji="1" lang="en-US" altLang="zh-CN" sz="1800" dirty="0"/>
-              <a:t>S</a:t>
-            </a:r>
-            <a:r>
-              <a:rPr kumimoji="1" lang="zh-CN" altLang="en-US" sz="1800" dirty="0"/>
-              <a:t>盒性质检测方法。对于</a:t>
-            </a:r>
-            <a:r>
-              <a:rPr kumimoji="1" lang="en-US" altLang="zh-CN" sz="1800" dirty="0"/>
-              <a:t>S</a:t>
-            </a:r>
-            <a:r>
-              <a:rPr kumimoji="1" lang="zh-CN" altLang="en-US" sz="1800" dirty="0"/>
-              <a:t>盒检测平台，可以借鉴设计方法，考察现有平台的不足；对于性质检测的改进算法，可以收集并比较出最佳算法，然后尝试代码实现</a:t>
-            </a:r>
-            <a:endParaRPr kumimoji="1" lang="en-US" altLang="zh-CN" sz="1800" dirty="0"/>
-          </a:p>
-          <a:p>
-            <a:r>
-              <a:rPr kumimoji="1" lang="en-US" altLang="zh-CN" sz="1800" dirty="0"/>
-              <a:t>3</a:t>
-            </a:r>
-            <a:r>
-              <a:rPr kumimoji="1" lang="zh-CN" altLang="en-US" sz="1800" dirty="0"/>
-              <a:t>）</a:t>
-            </a:r>
+            <a:endParaRPr kumimoji="1" lang="zh-CN" altLang="en-US" sz="1800" dirty="0"/>
           </a:p>
         </p:txBody>
       </p:sp>
@@ -623,6 +552,174 @@
     <p:extLst>
       <p:ext uri="{BB962C8B-B14F-4D97-AF65-F5344CB8AC3E}">
         <p14:creationId xmlns:p14="http://schemas.microsoft.com/office/powerpoint/2010/main" val="236594371"/>
+      </p:ext>
+    </p:extLst>
+  </p:cSld>
+  <p:clrMapOvr>
+    <a:masterClrMapping/>
+  </p:clrMapOvr>
+</p:notes>
+</file>
+
+<file path=ppt/notesSlides/notesSlide10.xml><?xml version="1.0" encoding="utf-8"?>
+<p:notes xmlns:a="http://schemas.openxmlformats.org/drawingml/2006/main" xmlns:r="http://schemas.openxmlformats.org/officeDocument/2006/relationships" xmlns:p="http://schemas.openxmlformats.org/presentationml/2006/main">
+  <p:cSld>
+    <p:spTree>
+      <p:nvGrpSpPr>
+        <p:cNvPr id="1" name=""/>
+        <p:cNvGrpSpPr/>
+        <p:nvPr/>
+      </p:nvGrpSpPr>
+      <p:grpSpPr>
+        <a:xfrm>
+          <a:off x="0" y="0"/>
+          <a:ext cx="0" cy="0"/>
+          <a:chOff x="0" y="0"/>
+          <a:chExt cx="0" cy="0"/>
+        </a:xfrm>
+      </p:grpSpPr>
+      <p:sp>
+        <p:nvSpPr>
+          <p:cNvPr id="2" name="幻灯片图像占位符 1"/>
+          <p:cNvSpPr>
+            <a:spLocks noGrp="1" noRot="1" noChangeAspect="1"/>
+          </p:cNvSpPr>
+          <p:nvPr>
+            <p:ph type="sldImg"/>
+          </p:nvPr>
+        </p:nvSpPr>
+        <p:spPr/>
+      </p:sp>
+      <p:sp>
+        <p:nvSpPr>
+          <p:cNvPr id="3" name="备注占位符 2"/>
+          <p:cNvSpPr>
+            <a:spLocks noGrp="1"/>
+          </p:cNvSpPr>
+          <p:nvPr>
+            <p:ph type="body" idx="1"/>
+          </p:nvPr>
+        </p:nvSpPr>
+        <p:spPr/>
+        <p:txBody>
+          <a:bodyPr/>
+          <a:lstStyle/>
+          <a:p>
+            <a:endParaRPr kumimoji="1" lang="zh-CN" altLang="en-US" dirty="0"/>
+          </a:p>
+        </p:txBody>
+      </p:sp>
+      <p:sp>
+        <p:nvSpPr>
+          <p:cNvPr id="4" name="灯片编号占位符 3"/>
+          <p:cNvSpPr>
+            <a:spLocks noGrp="1"/>
+          </p:cNvSpPr>
+          <p:nvPr>
+            <p:ph type="sldNum" sz="quarter" idx="5"/>
+          </p:nvPr>
+        </p:nvSpPr>
+        <p:spPr/>
+        <p:txBody>
+          <a:bodyPr/>
+          <a:lstStyle/>
+          <a:p>
+            <a:fld id="{41464DB0-CCE3-4363-801A-A01AADC6398D}" type="slidenum">
+              <a:rPr lang="zh-CN" altLang="en-US" smtClean="0"/>
+              <a:t>16</a:t>
+            </a:fld>
+            <a:endParaRPr lang="zh-CN" altLang="en-US"/>
+          </a:p>
+        </p:txBody>
+      </p:sp>
+    </p:spTree>
+    <p:extLst>
+      <p:ext uri="{BB962C8B-B14F-4D97-AF65-F5344CB8AC3E}">
+        <p14:creationId xmlns:p14="http://schemas.microsoft.com/office/powerpoint/2010/main" val="3758506366"/>
+      </p:ext>
+    </p:extLst>
+  </p:cSld>
+  <p:clrMapOvr>
+    <a:masterClrMapping/>
+  </p:clrMapOvr>
+</p:notes>
+</file>
+
+<file path=ppt/notesSlides/notesSlide11.xml><?xml version="1.0" encoding="utf-8"?>
+<p:notes xmlns:a="http://schemas.openxmlformats.org/drawingml/2006/main" xmlns:r="http://schemas.openxmlformats.org/officeDocument/2006/relationships" xmlns:p="http://schemas.openxmlformats.org/presentationml/2006/main">
+  <p:cSld>
+    <p:spTree>
+      <p:nvGrpSpPr>
+        <p:cNvPr id="1" name=""/>
+        <p:cNvGrpSpPr/>
+        <p:nvPr/>
+      </p:nvGrpSpPr>
+      <p:grpSpPr>
+        <a:xfrm>
+          <a:off x="0" y="0"/>
+          <a:ext cx="0" cy="0"/>
+          <a:chOff x="0" y="0"/>
+          <a:chExt cx="0" cy="0"/>
+        </a:xfrm>
+      </p:grpSpPr>
+      <p:sp>
+        <p:nvSpPr>
+          <p:cNvPr id="2" name="幻灯片图像占位符 1"/>
+          <p:cNvSpPr>
+            <a:spLocks noGrp="1" noRot="1" noChangeAspect="1"/>
+          </p:cNvSpPr>
+          <p:nvPr>
+            <p:ph type="sldImg"/>
+          </p:nvPr>
+        </p:nvSpPr>
+        <p:spPr/>
+      </p:sp>
+      <p:sp>
+        <p:nvSpPr>
+          <p:cNvPr id="3" name="备注占位符 2"/>
+          <p:cNvSpPr>
+            <a:spLocks noGrp="1"/>
+          </p:cNvSpPr>
+          <p:nvPr>
+            <p:ph type="body" idx="1"/>
+          </p:nvPr>
+        </p:nvSpPr>
+        <p:spPr/>
+        <p:txBody>
+          <a:bodyPr/>
+          <a:lstStyle/>
+          <a:p>
+            <a:endParaRPr kumimoji="1" lang="zh-CN" altLang="en-US" dirty="0"/>
+          </a:p>
+        </p:txBody>
+      </p:sp>
+      <p:sp>
+        <p:nvSpPr>
+          <p:cNvPr id="4" name="灯片编号占位符 3"/>
+          <p:cNvSpPr>
+            <a:spLocks noGrp="1"/>
+          </p:cNvSpPr>
+          <p:nvPr>
+            <p:ph type="sldNum" sz="quarter" idx="5"/>
+          </p:nvPr>
+        </p:nvSpPr>
+        <p:spPr/>
+        <p:txBody>
+          <a:bodyPr/>
+          <a:lstStyle/>
+          <a:p>
+            <a:fld id="{41464DB0-CCE3-4363-801A-A01AADC6398D}" type="slidenum">
+              <a:rPr lang="zh-CN" altLang="en-US" smtClean="0"/>
+              <a:t>18</a:t>
+            </a:fld>
+            <a:endParaRPr lang="zh-CN" altLang="en-US"/>
+          </a:p>
+        </p:txBody>
+      </p:sp>
+    </p:spTree>
+    <p:extLst>
+      <p:ext uri="{BB962C8B-B14F-4D97-AF65-F5344CB8AC3E}">
+        <p14:creationId xmlns:p14="http://schemas.microsoft.com/office/powerpoint/2010/main" val="983912298"/>
       </p:ext>
     </p:extLst>
   </p:cSld>
@@ -676,7 +773,10 @@
           <a:bodyPr/>
           <a:lstStyle/>
           <a:p>
-            <a:endParaRPr kumimoji="1" lang="zh-CN" altLang="en-US" dirty="0"/>
+            <a:r>
+              <a:rPr kumimoji="1" lang="zh-CN" altLang="en-US" sz="2400" dirty="0"/>
+              <a:t>任务一：</a:t>
+            </a:r>
           </a:p>
         </p:txBody>
       </p:sp>
@@ -760,7 +860,10 @@
           <a:bodyPr/>
           <a:lstStyle/>
           <a:p>
-            <a:endParaRPr kumimoji="1" lang="zh-CN" altLang="en-US" dirty="0"/>
+            <a:r>
+              <a:rPr kumimoji="1" lang="zh-CN" altLang="en-US" sz="2400" dirty="0"/>
+              <a:t>任务一：</a:t>
+            </a:r>
           </a:p>
         </p:txBody>
       </p:sp>
@@ -781,7 +884,7 @@
           <a:p>
             <a:fld id="{41464DB0-CCE3-4363-801A-A01AADC6398D}" type="slidenum">
               <a:rPr lang="zh-CN" altLang="en-US" smtClean="0"/>
-              <a:t>7</a:t>
+              <a:t>6</a:t>
             </a:fld>
             <a:endParaRPr lang="zh-CN" altLang="en-US"/>
           </a:p>
@@ -790,7 +893,7 @@
     </p:spTree>
     <p:extLst>
       <p:ext uri="{BB962C8B-B14F-4D97-AF65-F5344CB8AC3E}">
-        <p14:creationId xmlns:p14="http://schemas.microsoft.com/office/powerpoint/2010/main" val="1599691835"/>
+        <p14:creationId xmlns:p14="http://schemas.microsoft.com/office/powerpoint/2010/main" val="1069282549"/>
       </p:ext>
     </p:extLst>
   </p:cSld>
@@ -844,7 +947,10 @@
           <a:bodyPr/>
           <a:lstStyle/>
           <a:p>
-            <a:endParaRPr kumimoji="1" lang="zh-CN" altLang="en-US" dirty="0"/>
+            <a:r>
+              <a:rPr kumimoji="1" lang="zh-CN" altLang="en-US" sz="2400" dirty="0"/>
+              <a:t>任务一：</a:t>
+            </a:r>
           </a:p>
         </p:txBody>
       </p:sp>
@@ -865,7 +971,343 @@
           <a:p>
             <a:fld id="{41464DB0-CCE3-4363-801A-A01AADC6398D}" type="slidenum">
               <a:rPr lang="zh-CN" altLang="en-US" smtClean="0"/>
+              <a:t>7</a:t>
+            </a:fld>
+            <a:endParaRPr lang="zh-CN" altLang="en-US"/>
+          </a:p>
+        </p:txBody>
+      </p:sp>
+    </p:spTree>
+    <p:extLst>
+      <p:ext uri="{BB962C8B-B14F-4D97-AF65-F5344CB8AC3E}">
+        <p14:creationId xmlns:p14="http://schemas.microsoft.com/office/powerpoint/2010/main" val="2084023078"/>
+      </p:ext>
+    </p:extLst>
+  </p:cSld>
+  <p:clrMapOvr>
+    <a:masterClrMapping/>
+  </p:clrMapOvr>
+</p:notes>
+</file>
+
+<file path=ppt/notesSlides/notesSlide5.xml><?xml version="1.0" encoding="utf-8"?>
+<p:notes xmlns:a="http://schemas.openxmlformats.org/drawingml/2006/main" xmlns:r="http://schemas.openxmlformats.org/officeDocument/2006/relationships" xmlns:p="http://schemas.openxmlformats.org/presentationml/2006/main">
+  <p:cSld>
+    <p:spTree>
+      <p:nvGrpSpPr>
+        <p:cNvPr id="1" name=""/>
+        <p:cNvGrpSpPr/>
+        <p:nvPr/>
+      </p:nvGrpSpPr>
+      <p:grpSpPr>
+        <a:xfrm>
+          <a:off x="0" y="0"/>
+          <a:ext cx="0" cy="0"/>
+          <a:chOff x="0" y="0"/>
+          <a:chExt cx="0" cy="0"/>
+        </a:xfrm>
+      </p:grpSpPr>
+      <p:sp>
+        <p:nvSpPr>
+          <p:cNvPr id="2" name="幻灯片图像占位符 1"/>
+          <p:cNvSpPr>
+            <a:spLocks noGrp="1" noRot="1" noChangeAspect="1"/>
+          </p:cNvSpPr>
+          <p:nvPr>
+            <p:ph type="sldImg"/>
+          </p:nvPr>
+        </p:nvSpPr>
+        <p:spPr/>
+      </p:sp>
+      <p:sp>
+        <p:nvSpPr>
+          <p:cNvPr id="3" name="备注占位符 2"/>
+          <p:cNvSpPr>
+            <a:spLocks noGrp="1"/>
+          </p:cNvSpPr>
+          <p:nvPr>
+            <p:ph type="body" idx="1"/>
+          </p:nvPr>
+        </p:nvSpPr>
+        <p:spPr/>
+        <p:txBody>
+          <a:bodyPr/>
+          <a:lstStyle/>
+          <a:p>
+            <a:endParaRPr kumimoji="1" lang="zh-CN" altLang="en-US" dirty="0"/>
+          </a:p>
+        </p:txBody>
+      </p:sp>
+      <p:sp>
+        <p:nvSpPr>
+          <p:cNvPr id="4" name="灯片编号占位符 3"/>
+          <p:cNvSpPr>
+            <a:spLocks noGrp="1"/>
+          </p:cNvSpPr>
+          <p:nvPr>
+            <p:ph type="sldNum" sz="quarter" idx="5"/>
+          </p:nvPr>
+        </p:nvSpPr>
+        <p:spPr/>
+        <p:txBody>
+          <a:bodyPr/>
+          <a:lstStyle/>
+          <a:p>
+            <a:fld id="{41464DB0-CCE3-4363-801A-A01AADC6398D}" type="slidenum">
+              <a:rPr lang="zh-CN" altLang="en-US" smtClean="0"/>
               <a:t>9</a:t>
+            </a:fld>
+            <a:endParaRPr lang="zh-CN" altLang="en-US"/>
+          </a:p>
+        </p:txBody>
+      </p:sp>
+    </p:spTree>
+    <p:extLst>
+      <p:ext uri="{BB962C8B-B14F-4D97-AF65-F5344CB8AC3E}">
+        <p14:creationId xmlns:p14="http://schemas.microsoft.com/office/powerpoint/2010/main" val="1599691835"/>
+      </p:ext>
+    </p:extLst>
+  </p:cSld>
+  <p:clrMapOvr>
+    <a:masterClrMapping/>
+  </p:clrMapOvr>
+</p:notes>
+</file>
+
+<file path=ppt/notesSlides/notesSlide6.xml><?xml version="1.0" encoding="utf-8"?>
+<p:notes xmlns:a="http://schemas.openxmlformats.org/drawingml/2006/main" xmlns:r="http://schemas.openxmlformats.org/officeDocument/2006/relationships" xmlns:p="http://schemas.openxmlformats.org/presentationml/2006/main">
+  <p:cSld>
+    <p:spTree>
+      <p:nvGrpSpPr>
+        <p:cNvPr id="1" name=""/>
+        <p:cNvGrpSpPr/>
+        <p:nvPr/>
+      </p:nvGrpSpPr>
+      <p:grpSpPr>
+        <a:xfrm>
+          <a:off x="0" y="0"/>
+          <a:ext cx="0" cy="0"/>
+          <a:chOff x="0" y="0"/>
+          <a:chExt cx="0" cy="0"/>
+        </a:xfrm>
+      </p:grpSpPr>
+      <p:sp>
+        <p:nvSpPr>
+          <p:cNvPr id="2" name="幻灯片图像占位符 1"/>
+          <p:cNvSpPr>
+            <a:spLocks noGrp="1" noRot="1" noChangeAspect="1"/>
+          </p:cNvSpPr>
+          <p:nvPr>
+            <p:ph type="sldImg"/>
+          </p:nvPr>
+        </p:nvSpPr>
+        <p:spPr/>
+      </p:sp>
+      <p:sp>
+        <p:nvSpPr>
+          <p:cNvPr id="3" name="备注占位符 2"/>
+          <p:cNvSpPr>
+            <a:spLocks noGrp="1"/>
+          </p:cNvSpPr>
+          <p:nvPr>
+            <p:ph type="body" idx="1"/>
+          </p:nvPr>
+        </p:nvSpPr>
+        <p:spPr/>
+        <p:txBody>
+          <a:bodyPr/>
+          <a:lstStyle/>
+          <a:p>
+            <a:endParaRPr kumimoji="1" lang="zh-CN" altLang="en-US" dirty="0"/>
+          </a:p>
+        </p:txBody>
+      </p:sp>
+      <p:sp>
+        <p:nvSpPr>
+          <p:cNvPr id="4" name="灯片编号占位符 3"/>
+          <p:cNvSpPr>
+            <a:spLocks noGrp="1"/>
+          </p:cNvSpPr>
+          <p:nvPr>
+            <p:ph type="sldNum" sz="quarter" idx="5"/>
+          </p:nvPr>
+        </p:nvSpPr>
+        <p:spPr/>
+        <p:txBody>
+          <a:bodyPr/>
+          <a:lstStyle/>
+          <a:p>
+            <a:fld id="{41464DB0-CCE3-4363-801A-A01AADC6398D}" type="slidenum">
+              <a:rPr lang="zh-CN" altLang="en-US" smtClean="0"/>
+              <a:t>11</a:t>
+            </a:fld>
+            <a:endParaRPr lang="zh-CN" altLang="en-US"/>
+          </a:p>
+        </p:txBody>
+      </p:sp>
+    </p:spTree>
+    <p:extLst>
+      <p:ext uri="{BB962C8B-B14F-4D97-AF65-F5344CB8AC3E}">
+        <p14:creationId xmlns:p14="http://schemas.microsoft.com/office/powerpoint/2010/main" val="457696441"/>
+      </p:ext>
+    </p:extLst>
+  </p:cSld>
+  <p:clrMapOvr>
+    <a:masterClrMapping/>
+  </p:clrMapOvr>
+</p:notes>
+</file>
+
+<file path=ppt/notesSlides/notesSlide7.xml><?xml version="1.0" encoding="utf-8"?>
+<p:notes xmlns:a="http://schemas.openxmlformats.org/drawingml/2006/main" xmlns:r="http://schemas.openxmlformats.org/officeDocument/2006/relationships" xmlns:p="http://schemas.openxmlformats.org/presentationml/2006/main">
+  <p:cSld>
+    <p:spTree>
+      <p:nvGrpSpPr>
+        <p:cNvPr id="1" name=""/>
+        <p:cNvGrpSpPr/>
+        <p:nvPr/>
+      </p:nvGrpSpPr>
+      <p:grpSpPr>
+        <a:xfrm>
+          <a:off x="0" y="0"/>
+          <a:ext cx="0" cy="0"/>
+          <a:chOff x="0" y="0"/>
+          <a:chExt cx="0" cy="0"/>
+        </a:xfrm>
+      </p:grpSpPr>
+      <p:sp>
+        <p:nvSpPr>
+          <p:cNvPr id="2" name="幻灯片图像占位符 1"/>
+          <p:cNvSpPr>
+            <a:spLocks noGrp="1" noRot="1" noChangeAspect="1"/>
+          </p:cNvSpPr>
+          <p:nvPr>
+            <p:ph type="sldImg"/>
+          </p:nvPr>
+        </p:nvSpPr>
+        <p:spPr/>
+      </p:sp>
+      <p:sp>
+        <p:nvSpPr>
+          <p:cNvPr id="3" name="备注占位符 2"/>
+          <p:cNvSpPr>
+            <a:spLocks noGrp="1"/>
+          </p:cNvSpPr>
+          <p:nvPr>
+            <p:ph type="body" idx="1"/>
+          </p:nvPr>
+        </p:nvSpPr>
+        <p:spPr/>
+        <p:txBody>
+          <a:bodyPr/>
+          <a:lstStyle/>
+          <a:p>
+            <a:endParaRPr kumimoji="1" lang="zh-CN" altLang="en-US" dirty="0"/>
+          </a:p>
+        </p:txBody>
+      </p:sp>
+      <p:sp>
+        <p:nvSpPr>
+          <p:cNvPr id="4" name="灯片编号占位符 3"/>
+          <p:cNvSpPr>
+            <a:spLocks noGrp="1"/>
+          </p:cNvSpPr>
+          <p:nvPr>
+            <p:ph type="sldNum" sz="quarter" idx="5"/>
+          </p:nvPr>
+        </p:nvSpPr>
+        <p:spPr/>
+        <p:txBody>
+          <a:bodyPr/>
+          <a:lstStyle/>
+          <a:p>
+            <a:fld id="{41464DB0-CCE3-4363-801A-A01AADC6398D}" type="slidenum">
+              <a:rPr lang="zh-CN" altLang="en-US" smtClean="0"/>
+              <a:t>12</a:t>
+            </a:fld>
+            <a:endParaRPr lang="zh-CN" altLang="en-US"/>
+          </a:p>
+        </p:txBody>
+      </p:sp>
+    </p:spTree>
+    <p:extLst>
+      <p:ext uri="{BB962C8B-B14F-4D97-AF65-F5344CB8AC3E}">
+        <p14:creationId xmlns:p14="http://schemas.microsoft.com/office/powerpoint/2010/main" val="1053593121"/>
+      </p:ext>
+    </p:extLst>
+  </p:cSld>
+  <p:clrMapOvr>
+    <a:masterClrMapping/>
+  </p:clrMapOvr>
+</p:notes>
+</file>
+
+<file path=ppt/notesSlides/notesSlide8.xml><?xml version="1.0" encoding="utf-8"?>
+<p:notes xmlns:a="http://schemas.openxmlformats.org/drawingml/2006/main" xmlns:r="http://schemas.openxmlformats.org/officeDocument/2006/relationships" xmlns:p="http://schemas.openxmlformats.org/presentationml/2006/main">
+  <p:cSld>
+    <p:spTree>
+      <p:nvGrpSpPr>
+        <p:cNvPr id="1" name=""/>
+        <p:cNvGrpSpPr/>
+        <p:nvPr/>
+      </p:nvGrpSpPr>
+      <p:grpSpPr>
+        <a:xfrm>
+          <a:off x="0" y="0"/>
+          <a:ext cx="0" cy="0"/>
+          <a:chOff x="0" y="0"/>
+          <a:chExt cx="0" cy="0"/>
+        </a:xfrm>
+      </p:grpSpPr>
+      <p:sp>
+        <p:nvSpPr>
+          <p:cNvPr id="2" name="幻灯片图像占位符 1"/>
+          <p:cNvSpPr>
+            <a:spLocks noGrp="1" noRot="1" noChangeAspect="1"/>
+          </p:cNvSpPr>
+          <p:nvPr>
+            <p:ph type="sldImg"/>
+          </p:nvPr>
+        </p:nvSpPr>
+        <p:spPr/>
+      </p:sp>
+      <p:sp>
+        <p:nvSpPr>
+          <p:cNvPr id="3" name="备注占位符 2"/>
+          <p:cNvSpPr>
+            <a:spLocks noGrp="1"/>
+          </p:cNvSpPr>
+          <p:nvPr>
+            <p:ph type="body" idx="1"/>
+          </p:nvPr>
+        </p:nvSpPr>
+        <p:spPr/>
+        <p:txBody>
+          <a:bodyPr/>
+          <a:lstStyle/>
+          <a:p>
+            <a:endParaRPr kumimoji="1" lang="zh-CN" altLang="en-US" dirty="0"/>
+          </a:p>
+        </p:txBody>
+      </p:sp>
+      <p:sp>
+        <p:nvSpPr>
+          <p:cNvPr id="4" name="灯片编号占位符 3"/>
+          <p:cNvSpPr>
+            <a:spLocks noGrp="1"/>
+          </p:cNvSpPr>
+          <p:nvPr>
+            <p:ph type="sldNum" sz="quarter" idx="5"/>
+          </p:nvPr>
+        </p:nvSpPr>
+        <p:spPr/>
+        <p:txBody>
+          <a:bodyPr/>
+          <a:lstStyle/>
+          <a:p>
+            <a:fld id="{41464DB0-CCE3-4363-801A-A01AADC6398D}" type="slidenum">
+              <a:rPr lang="zh-CN" altLang="en-US" smtClean="0"/>
+              <a:t>14</a:t>
             </a:fld>
             <a:endParaRPr lang="zh-CN" altLang="en-US"/>
           </a:p>
@@ -875,6 +1317,90 @@
     <p:extLst>
       <p:ext uri="{BB962C8B-B14F-4D97-AF65-F5344CB8AC3E}">
         <p14:creationId xmlns:p14="http://schemas.microsoft.com/office/powerpoint/2010/main" val="2729808220"/>
+      </p:ext>
+    </p:extLst>
+  </p:cSld>
+  <p:clrMapOvr>
+    <a:masterClrMapping/>
+  </p:clrMapOvr>
+</p:notes>
+</file>
+
+<file path=ppt/notesSlides/notesSlide9.xml><?xml version="1.0" encoding="utf-8"?>
+<p:notes xmlns:a="http://schemas.openxmlformats.org/drawingml/2006/main" xmlns:r="http://schemas.openxmlformats.org/officeDocument/2006/relationships" xmlns:p="http://schemas.openxmlformats.org/presentationml/2006/main">
+  <p:cSld>
+    <p:spTree>
+      <p:nvGrpSpPr>
+        <p:cNvPr id="1" name=""/>
+        <p:cNvGrpSpPr/>
+        <p:nvPr/>
+      </p:nvGrpSpPr>
+      <p:grpSpPr>
+        <a:xfrm>
+          <a:off x="0" y="0"/>
+          <a:ext cx="0" cy="0"/>
+          <a:chOff x="0" y="0"/>
+          <a:chExt cx="0" cy="0"/>
+        </a:xfrm>
+      </p:grpSpPr>
+      <p:sp>
+        <p:nvSpPr>
+          <p:cNvPr id="2" name="幻灯片图像占位符 1"/>
+          <p:cNvSpPr>
+            <a:spLocks noGrp="1" noRot="1" noChangeAspect="1"/>
+          </p:cNvSpPr>
+          <p:nvPr>
+            <p:ph type="sldImg"/>
+          </p:nvPr>
+        </p:nvSpPr>
+        <p:spPr/>
+      </p:sp>
+      <p:sp>
+        <p:nvSpPr>
+          <p:cNvPr id="3" name="备注占位符 2"/>
+          <p:cNvSpPr>
+            <a:spLocks noGrp="1"/>
+          </p:cNvSpPr>
+          <p:nvPr>
+            <p:ph type="body" idx="1"/>
+          </p:nvPr>
+        </p:nvSpPr>
+        <p:spPr/>
+        <p:txBody>
+          <a:bodyPr/>
+          <a:lstStyle/>
+          <a:p>
+            <a:endParaRPr kumimoji="1" lang="zh-CN" altLang="en-US" dirty="0"/>
+          </a:p>
+        </p:txBody>
+      </p:sp>
+      <p:sp>
+        <p:nvSpPr>
+          <p:cNvPr id="4" name="灯片编号占位符 3"/>
+          <p:cNvSpPr>
+            <a:spLocks noGrp="1"/>
+          </p:cNvSpPr>
+          <p:nvPr>
+            <p:ph type="sldNum" sz="quarter" idx="5"/>
+          </p:nvPr>
+        </p:nvSpPr>
+        <p:spPr/>
+        <p:txBody>
+          <a:bodyPr/>
+          <a:lstStyle/>
+          <a:p>
+            <a:fld id="{41464DB0-CCE3-4363-801A-A01AADC6398D}" type="slidenum">
+              <a:rPr lang="zh-CN" altLang="en-US" smtClean="0"/>
+              <a:t>15</a:t>
+            </a:fld>
+            <a:endParaRPr lang="zh-CN" altLang="en-US"/>
+          </a:p>
+        </p:txBody>
+      </p:sp>
+    </p:spTree>
+    <p:extLst>
+      <p:ext uri="{BB962C8B-B14F-4D97-AF65-F5344CB8AC3E}">
+        <p14:creationId xmlns:p14="http://schemas.microsoft.com/office/powerpoint/2010/main" val="1420751598"/>
       </p:ext>
     </p:extLst>
   </p:cSld>
@@ -1958,8 +2484,8 @@
         </p:nvSpPr>
         <p:spPr>
           <a:xfrm>
-            <a:off x="-62754" y="1846729"/>
-            <a:ext cx="12317505" cy="1217065"/>
+            <a:off x="0" y="1846729"/>
+            <a:ext cx="12254751" cy="1217065"/>
           </a:xfrm>
           <a:prstGeom prst="rect">
             <a:avLst/>
@@ -2087,6 +2613,1244 @@
 </file>
 
 <file path=ppt/slides/slide10.xml><?xml version="1.0" encoding="utf-8"?>
+<p:sld xmlns:a="http://schemas.openxmlformats.org/drawingml/2006/main" xmlns:r="http://schemas.openxmlformats.org/officeDocument/2006/relationships" xmlns:p="http://schemas.openxmlformats.org/presentationml/2006/main">
+  <p:cSld>
+    <p:spTree>
+      <p:nvGrpSpPr>
+        <p:cNvPr id="1" name=""/>
+        <p:cNvGrpSpPr/>
+        <p:nvPr/>
+      </p:nvGrpSpPr>
+      <p:grpSpPr>
+        <a:xfrm>
+          <a:off x="0" y="0"/>
+          <a:ext cx="0" cy="0"/>
+          <a:chOff x="0" y="0"/>
+          <a:chExt cx="0" cy="0"/>
+        </a:xfrm>
+      </p:grpSpPr>
+      <p:sp>
+        <p:nvSpPr>
+          <p:cNvPr id="1048620" name="文本框 10"/>
+          <p:cNvSpPr txBox="1"/>
+          <p:nvPr/>
+        </p:nvSpPr>
+        <p:spPr>
+          <a:xfrm>
+            <a:off x="695324" y="287665"/>
+            <a:ext cx="10801351" cy="523220"/>
+          </a:xfrm>
+          <a:prstGeom prst="rect">
+            <a:avLst/>
+          </a:prstGeom>
+          <a:noFill/>
+        </p:spPr>
+        <p:txBody>
+          <a:bodyPr wrap="square" rtlCol="0">
+            <a:spAutoFit/>
+          </a:bodyPr>
+          <a:lstStyle/>
+          <a:p>
+            <a:r>
+              <a:rPr kumimoji="1" lang="zh-CN" altLang="en-US" sz="2800" b="1" dirty="0"/>
+              <a:t>对现有的</a:t>
+            </a:r>
+            <a:r>
+              <a:rPr kumimoji="1" lang="en-US" altLang="zh-CN" sz="2800" b="1" dirty="0"/>
+              <a:t>S</a:t>
+            </a:r>
+            <a:r>
+              <a:rPr kumimoji="1" lang="zh-CN" altLang="en-US" sz="2800" b="1" dirty="0"/>
+              <a:t>盒检测平台进行分析</a:t>
+            </a:r>
+            <a:r>
+              <a:rPr lang="zh-CN" altLang="en-US" sz="2800" b="1" dirty="0">
+                <a:solidFill>
+                  <a:schemeClr val="tx1"/>
+                </a:solidFill>
+                <a:latin typeface="微软雅黑" panose="020B0503020204020204" pitchFamily="34" charset="-122"/>
+                <a:sym typeface="+mn-ea"/>
+              </a:rPr>
+              <a:t>：</a:t>
+            </a:r>
+          </a:p>
+        </p:txBody>
+      </p:sp>
+      <p:sp>
+        <p:nvSpPr>
+          <p:cNvPr id="1048621" name="灯片编号占位符 3"/>
+          <p:cNvSpPr>
+            <a:spLocks noGrp="1"/>
+          </p:cNvSpPr>
+          <p:nvPr>
+            <p:ph type="sldNum" sz="quarter" idx="12"/>
+          </p:nvPr>
+        </p:nvSpPr>
+        <p:spPr/>
+        <p:txBody>
+          <a:bodyPr/>
+          <a:lstStyle/>
+          <a:p>
+            <a:fld id="{51D91E7F-84B6-4064-9D4E-CC7D244BCA04}" type="slidenum">
+              <a:rPr lang="zh-CN" altLang="en-US" smtClean="0"/>
+              <a:t>10</a:t>
+            </a:fld>
+            <a:endParaRPr lang="zh-CN" altLang="en-US" dirty="0"/>
+          </a:p>
+        </p:txBody>
+      </p:sp>
+      <p:pic>
+        <p:nvPicPr>
+          <p:cNvPr id="5" name="图片 4">
+            <a:extLst>
+              <a:ext uri="{FF2B5EF4-FFF2-40B4-BE49-F238E27FC236}">
+                <a16:creationId xmlns:a16="http://schemas.microsoft.com/office/drawing/2014/main" id="{3E810347-AB00-9B4A-B2A7-02B0FFF88798}"/>
+              </a:ext>
+            </a:extLst>
+          </p:cNvPr>
+          <p:cNvPicPr>
+            <a:picLocks noChangeAspect="1"/>
+          </p:cNvPicPr>
+          <p:nvPr/>
+        </p:nvPicPr>
+        <p:blipFill>
+          <a:blip r:embed="rId2">
+            <a:extLst>
+              <a:ext uri="{28A0092B-C50C-407E-A947-70E740481C1C}">
+                <a14:useLocalDpi xmlns:a14="http://schemas.microsoft.com/office/drawing/2010/main" val="0"/>
+              </a:ext>
+            </a:extLst>
+          </a:blip>
+          <a:stretch>
+            <a:fillRect/>
+          </a:stretch>
+        </p:blipFill>
+        <p:spPr>
+          <a:xfrm>
+            <a:off x="695324" y="1017361"/>
+            <a:ext cx="10528300" cy="5181600"/>
+          </a:xfrm>
+          <a:prstGeom prst="rect">
+            <a:avLst/>
+          </a:prstGeom>
+        </p:spPr>
+      </p:pic>
+      <p:sp>
+        <p:nvSpPr>
+          <p:cNvPr id="2" name="文本框 1">
+            <a:extLst>
+              <a:ext uri="{FF2B5EF4-FFF2-40B4-BE49-F238E27FC236}">
+                <a16:creationId xmlns:a16="http://schemas.microsoft.com/office/drawing/2014/main" id="{160C0BEB-BE40-A340-886D-1571CDA280CE}"/>
+              </a:ext>
+            </a:extLst>
+          </p:cNvPr>
+          <p:cNvSpPr txBox="1"/>
+          <p:nvPr/>
+        </p:nvSpPr>
+        <p:spPr>
+          <a:xfrm>
+            <a:off x="695324" y="6488668"/>
+            <a:ext cx="7077076" cy="369332"/>
+          </a:xfrm>
+          <a:prstGeom prst="rect">
+            <a:avLst/>
+          </a:prstGeom>
+          <a:noFill/>
+        </p:spPr>
+        <p:txBody>
+          <a:bodyPr wrap="square" rtlCol="0">
+            <a:spAutoFit/>
+          </a:bodyPr>
+          <a:lstStyle/>
+          <a:p>
+            <a:r>
+              <a:rPr lang="en-US" altLang="zh-CN" dirty="0">
+                <a:hlinkClick r:id="rId3"/>
+              </a:rPr>
+              <a:t>https://doi.org/10.13154/tosc.v2019.i1.330-394</a:t>
+            </a:r>
+            <a:endParaRPr kumimoji="1" lang="zh-CN" altLang="en-US" sz="1600" dirty="0"/>
+          </a:p>
+        </p:txBody>
+      </p:sp>
+    </p:spTree>
+  </p:cSld>
+  <p:clrMapOvr>
+    <a:masterClrMapping/>
+  </p:clrMapOvr>
+</p:sld>
+</file>
+
+<file path=ppt/slides/slide11.xml><?xml version="1.0" encoding="utf-8"?>
+<p:sld xmlns:a="http://schemas.openxmlformats.org/drawingml/2006/main" xmlns:r="http://schemas.openxmlformats.org/officeDocument/2006/relationships" xmlns:p="http://schemas.openxmlformats.org/presentationml/2006/main">
+  <p:cSld>
+    <p:spTree>
+      <p:nvGrpSpPr>
+        <p:cNvPr id="1" name=""/>
+        <p:cNvGrpSpPr/>
+        <p:nvPr/>
+      </p:nvGrpSpPr>
+      <p:grpSpPr>
+        <a:xfrm>
+          <a:off x="0" y="0"/>
+          <a:ext cx="0" cy="0"/>
+          <a:chOff x="0" y="0"/>
+          <a:chExt cx="0" cy="0"/>
+        </a:xfrm>
+      </p:grpSpPr>
+      <p:sp>
+        <p:nvSpPr>
+          <p:cNvPr id="1048617" name="文本框 10"/>
+          <p:cNvSpPr txBox="1"/>
+          <p:nvPr/>
+        </p:nvSpPr>
+        <p:spPr>
+          <a:xfrm>
+            <a:off x="695324" y="287665"/>
+            <a:ext cx="10801351" cy="521970"/>
+          </a:xfrm>
+          <a:prstGeom prst="rect">
+            <a:avLst/>
+          </a:prstGeom>
+          <a:noFill/>
+        </p:spPr>
+        <p:txBody>
+          <a:bodyPr wrap="square" rtlCol="0">
+            <a:spAutoFit/>
+          </a:bodyPr>
+          <a:lstStyle/>
+          <a:p>
+            <a:r>
+              <a:rPr lang="zh-CN" altLang="en-US" sz="2800" b="1" dirty="0">
+                <a:latin typeface="微软雅黑" panose="020B0503020204020204" pitchFamily="34" charset="-122"/>
+                <a:sym typeface="+mn-ea"/>
+              </a:rPr>
+              <a:t>任务一：</a:t>
+            </a:r>
+            <a:r>
+              <a:rPr lang="zh-CN" altLang="en-US" sz="2800" dirty="0"/>
+              <a:t>前期对毕设课题的学习和调研</a:t>
+            </a:r>
+            <a:endParaRPr lang="zh-CN" altLang="en-US" sz="2800" b="1" dirty="0">
+              <a:latin typeface="微软雅黑" panose="020B0503020204020204" pitchFamily="34" charset="-122"/>
+            </a:endParaRPr>
+          </a:p>
+        </p:txBody>
+      </p:sp>
+      <p:sp>
+        <p:nvSpPr>
+          <p:cNvPr id="1048618" name="灯片编号占位符 3"/>
+          <p:cNvSpPr>
+            <a:spLocks noGrp="1"/>
+          </p:cNvSpPr>
+          <p:nvPr>
+            <p:ph type="sldNum" sz="quarter" idx="12"/>
+          </p:nvPr>
+        </p:nvSpPr>
+        <p:spPr/>
+        <p:txBody>
+          <a:bodyPr/>
+          <a:lstStyle/>
+          <a:p>
+            <a:fld id="{51D91E7F-84B6-4064-9D4E-CC7D244BCA04}" type="slidenum">
+              <a:rPr lang="zh-CN" altLang="en-US" smtClean="0"/>
+              <a:t>11</a:t>
+            </a:fld>
+            <a:endParaRPr lang="zh-CN" altLang="en-US" dirty="0"/>
+          </a:p>
+        </p:txBody>
+      </p:sp>
+      <p:sp>
+        <p:nvSpPr>
+          <p:cNvPr id="7" name="文本框 6">
+            <a:extLst>
+              <a:ext uri="{FF2B5EF4-FFF2-40B4-BE49-F238E27FC236}">
+                <a16:creationId xmlns:a16="http://schemas.microsoft.com/office/drawing/2014/main" id="{48A5B42D-0A92-444F-8B3C-3EC26B26594F}"/>
+              </a:ext>
+            </a:extLst>
+          </p:cNvPr>
+          <p:cNvSpPr txBox="1"/>
+          <p:nvPr/>
+        </p:nvSpPr>
+        <p:spPr>
+          <a:xfrm>
+            <a:off x="695324" y="1015569"/>
+            <a:ext cx="9662216" cy="3877985"/>
+          </a:xfrm>
+          <a:prstGeom prst="rect">
+            <a:avLst/>
+          </a:prstGeom>
+          <a:noFill/>
+        </p:spPr>
+        <p:txBody>
+          <a:bodyPr wrap="square" rtlCol="0">
+            <a:spAutoFit/>
+          </a:bodyPr>
+          <a:lstStyle/>
+          <a:p>
+            <a:r>
+              <a:rPr kumimoji="1" lang="en-US" altLang="zh-CN" sz="2400" b="1" dirty="0"/>
+              <a:t>1</a:t>
+            </a:r>
+            <a:r>
+              <a:rPr kumimoji="1" lang="zh-CN" altLang="en-US" sz="2400" b="1" dirty="0"/>
+              <a:t>、</a:t>
+            </a:r>
+            <a:r>
+              <a:rPr kumimoji="1" lang="zh-CN" altLang="en-US" sz="2000" b="1" dirty="0"/>
+              <a:t> </a:t>
+            </a:r>
+            <a:r>
+              <a:rPr kumimoji="1" lang="zh-CN" altLang="en-US" sz="2400" b="1" dirty="0"/>
+              <a:t>阅读</a:t>
+            </a:r>
+            <a:r>
+              <a:rPr kumimoji="1" lang="en-US" altLang="zh-CN" sz="2400" b="1" dirty="0"/>
+              <a:t>《</a:t>
+            </a:r>
+            <a:r>
+              <a:rPr kumimoji="1" lang="zh-CN" altLang="en-US" sz="2400" b="1" dirty="0"/>
+              <a:t>分组密码设计和分析</a:t>
+            </a:r>
+            <a:r>
+              <a:rPr kumimoji="1" lang="en-US" altLang="zh-CN" sz="2400" b="1" dirty="0"/>
+              <a:t>》</a:t>
+            </a:r>
+            <a:r>
+              <a:rPr kumimoji="1" lang="zh-CN" altLang="en-US" sz="2400" b="1" dirty="0"/>
+              <a:t>和一些论文</a:t>
+            </a:r>
+            <a:endParaRPr kumimoji="1" lang="en-US" altLang="zh-CN" sz="2400" b="1" dirty="0"/>
+          </a:p>
+          <a:p>
+            <a:r>
+              <a:rPr kumimoji="1" lang="zh-CN" altLang="en-US" sz="2000" dirty="0"/>
+              <a:t>    </a:t>
+            </a:r>
+            <a:endParaRPr kumimoji="1" lang="en-US" altLang="zh-CN" dirty="0"/>
+          </a:p>
+          <a:p>
+            <a:r>
+              <a:rPr kumimoji="1" lang="zh-CN" altLang="en-US" dirty="0"/>
+              <a:t>    </a:t>
+            </a:r>
+            <a:r>
+              <a:rPr lang="zh-CN" altLang="en-US" dirty="0"/>
+              <a:t>了解了</a:t>
+            </a:r>
+            <a:r>
+              <a:rPr lang="en-US" altLang="zh-CN" dirty="0"/>
+              <a:t>S</a:t>
+            </a:r>
+            <a:r>
+              <a:rPr lang="zh-CN" altLang="en-US" dirty="0"/>
+              <a:t>盒的设计原理和性质检测方式。</a:t>
+            </a:r>
+            <a:endParaRPr lang="en-US" altLang="zh-CN" dirty="0"/>
+          </a:p>
+          <a:p>
+            <a:endParaRPr lang="en-US" altLang="zh-CN" sz="2000" dirty="0"/>
+          </a:p>
+          <a:p>
+            <a:r>
+              <a:rPr kumimoji="1" lang="en-US" altLang="zh-CN" sz="2400" b="1" dirty="0"/>
+              <a:t>2</a:t>
+            </a:r>
+            <a:r>
+              <a:rPr kumimoji="1" lang="zh-CN" altLang="en-US" sz="2400" b="1" dirty="0"/>
+              <a:t>、 对现有的</a:t>
+            </a:r>
+            <a:r>
+              <a:rPr kumimoji="1" lang="en-US" altLang="zh-CN" sz="2400" b="1" dirty="0"/>
+              <a:t>S</a:t>
+            </a:r>
+            <a:r>
+              <a:rPr kumimoji="1" lang="zh-CN" altLang="en-US" sz="2400" b="1" dirty="0"/>
+              <a:t>盒检测平台进行分析</a:t>
+            </a:r>
+          </a:p>
+          <a:p>
+            <a:r>
+              <a:rPr lang="zh-CN" altLang="en-US" dirty="0"/>
+              <a:t>   </a:t>
+            </a:r>
+            <a:endParaRPr lang="en-US" altLang="zh-CN" dirty="0"/>
+          </a:p>
+          <a:p>
+            <a:r>
+              <a:rPr lang="zh-CN" altLang="en-US" dirty="0"/>
+              <a:t>    总结为下表所示。</a:t>
+            </a:r>
+            <a:endParaRPr lang="en-US" altLang="zh-CN" dirty="0"/>
+          </a:p>
+          <a:p>
+            <a:endParaRPr kumimoji="1" lang="en-US" altLang="zh-CN" dirty="0"/>
+          </a:p>
+          <a:p>
+            <a:r>
+              <a:rPr kumimoji="1" lang="en-US" altLang="zh-CN" sz="2400" b="1" dirty="0"/>
+              <a:t>3</a:t>
+            </a:r>
+            <a:r>
+              <a:rPr kumimoji="1" lang="zh-CN" altLang="en-US" sz="2400" b="1" dirty="0"/>
+              <a:t>、确定大致思路</a:t>
+            </a:r>
+            <a:endParaRPr kumimoji="1" lang="en-US" altLang="zh-CN" sz="2400" b="1" dirty="0"/>
+          </a:p>
+          <a:p>
+            <a:endParaRPr kumimoji="1" lang="en-US" altLang="zh-CN" sz="2400" b="1" dirty="0"/>
+          </a:p>
+          <a:p>
+            <a:endParaRPr lang="en-US" altLang="zh-CN" dirty="0"/>
+          </a:p>
+          <a:p>
+            <a:r>
+              <a:rPr kumimoji="1" lang="zh-CN" altLang="en-US" dirty="0"/>
+              <a:t>     </a:t>
+            </a:r>
+            <a:endParaRPr kumimoji="1" lang="en-US" altLang="zh-CN" dirty="0"/>
+          </a:p>
+        </p:txBody>
+      </p:sp>
+      <p:sp>
+        <p:nvSpPr>
+          <p:cNvPr id="20" name="文本框 19">
+            <a:extLst>
+              <a:ext uri="{FF2B5EF4-FFF2-40B4-BE49-F238E27FC236}">
+                <a16:creationId xmlns:a16="http://schemas.microsoft.com/office/drawing/2014/main" id="{74104994-97DE-864D-BD43-5CCD163B6B42}"/>
+              </a:ext>
+            </a:extLst>
+          </p:cNvPr>
+          <p:cNvSpPr txBox="1"/>
+          <p:nvPr/>
+        </p:nvSpPr>
+        <p:spPr>
+          <a:xfrm>
+            <a:off x="1144179" y="4499176"/>
+            <a:ext cx="7089912" cy="369332"/>
+          </a:xfrm>
+          <a:prstGeom prst="rect">
+            <a:avLst/>
+          </a:prstGeom>
+          <a:noFill/>
+        </p:spPr>
+        <p:txBody>
+          <a:bodyPr wrap="square" rtlCol="0">
+            <a:spAutoFit/>
+          </a:bodyPr>
+          <a:lstStyle/>
+          <a:p>
+            <a:r>
+              <a:rPr kumimoji="1" lang="zh-CN" altLang="en-US" dirty="0"/>
+              <a:t>制作一个用户友好，检测性质覆盖全面，效率较高的实用软件。</a:t>
+            </a:r>
+          </a:p>
+        </p:txBody>
+      </p:sp>
+      <p:sp>
+        <p:nvSpPr>
+          <p:cNvPr id="24" name="矩形 23">
+            <a:extLst>
+              <a:ext uri="{FF2B5EF4-FFF2-40B4-BE49-F238E27FC236}">
+                <a16:creationId xmlns:a16="http://schemas.microsoft.com/office/drawing/2014/main" id="{93253FF6-D351-4942-BEA9-D53382222814}"/>
+              </a:ext>
+            </a:extLst>
+          </p:cNvPr>
+          <p:cNvSpPr/>
+          <p:nvPr/>
+        </p:nvSpPr>
+        <p:spPr>
+          <a:xfrm>
+            <a:off x="695325" y="4579892"/>
+            <a:ext cx="233083" cy="207900"/>
+          </a:xfrm>
+          <a:prstGeom prst="rect">
+            <a:avLst/>
+          </a:prstGeom>
+        </p:spPr>
+        <p:style>
+          <a:lnRef idx="2">
+            <a:schemeClr val="accent1">
+              <a:shade val="50000"/>
+            </a:schemeClr>
+          </a:lnRef>
+          <a:fillRef idx="1">
+            <a:schemeClr val="accent1"/>
+          </a:fillRef>
+          <a:effectRef idx="0">
+            <a:schemeClr val="accent1"/>
+          </a:effectRef>
+          <a:fontRef idx="minor">
+            <a:schemeClr val="lt1"/>
+          </a:fontRef>
+        </p:style>
+        <p:txBody>
+          <a:bodyPr rtlCol="0" anchor="ctr"/>
+          <a:lstStyle/>
+          <a:p>
+            <a:pPr algn="ctr"/>
+            <a:endParaRPr kumimoji="1" lang="zh-CN" altLang="en-US" dirty="0"/>
+          </a:p>
+        </p:txBody>
+      </p:sp>
+      <p:sp>
+        <p:nvSpPr>
+          <p:cNvPr id="25" name="矩形 24">
+            <a:extLst>
+              <a:ext uri="{FF2B5EF4-FFF2-40B4-BE49-F238E27FC236}">
+                <a16:creationId xmlns:a16="http://schemas.microsoft.com/office/drawing/2014/main" id="{D6B6BB4D-694D-2A43-B424-28109A8D3EBF}"/>
+              </a:ext>
+            </a:extLst>
+          </p:cNvPr>
+          <p:cNvSpPr/>
+          <p:nvPr/>
+        </p:nvSpPr>
+        <p:spPr>
+          <a:xfrm>
+            <a:off x="695324" y="5712186"/>
+            <a:ext cx="233083" cy="207900"/>
+          </a:xfrm>
+          <a:prstGeom prst="rect">
+            <a:avLst/>
+          </a:prstGeom>
+        </p:spPr>
+        <p:style>
+          <a:lnRef idx="2">
+            <a:schemeClr val="accent1">
+              <a:shade val="50000"/>
+            </a:schemeClr>
+          </a:lnRef>
+          <a:fillRef idx="1">
+            <a:schemeClr val="accent1"/>
+          </a:fillRef>
+          <a:effectRef idx="0">
+            <a:schemeClr val="accent1"/>
+          </a:effectRef>
+          <a:fontRef idx="minor">
+            <a:schemeClr val="lt1"/>
+          </a:fontRef>
+        </p:style>
+        <p:txBody>
+          <a:bodyPr rtlCol="0" anchor="ctr"/>
+          <a:lstStyle/>
+          <a:p>
+            <a:pPr algn="ctr"/>
+            <a:endParaRPr kumimoji="1" lang="zh-CN" altLang="en-US" dirty="0"/>
+          </a:p>
+        </p:txBody>
+      </p:sp>
+      <p:pic>
+        <p:nvPicPr>
+          <p:cNvPr id="18" name="图片 17">
+            <a:extLst>
+              <a:ext uri="{FF2B5EF4-FFF2-40B4-BE49-F238E27FC236}">
+                <a16:creationId xmlns:a16="http://schemas.microsoft.com/office/drawing/2014/main" id="{95C62B4C-D8A9-5140-90E8-1080C9DB938D}"/>
+              </a:ext>
+            </a:extLst>
+          </p:cNvPr>
+          <p:cNvPicPr>
+            <a:picLocks noChangeAspect="1"/>
+          </p:cNvPicPr>
+          <p:nvPr/>
+        </p:nvPicPr>
+        <p:blipFill>
+          <a:blip r:embed="rId3">
+            <a:extLst>
+              <a:ext uri="{28A0092B-C50C-407E-A947-70E740481C1C}">
+                <a14:useLocalDpi xmlns:a14="http://schemas.microsoft.com/office/drawing/2010/main" val="0"/>
+              </a:ext>
+            </a:extLst>
+          </a:blip>
+          <a:stretch>
+            <a:fillRect/>
+          </a:stretch>
+        </p:blipFill>
+        <p:spPr>
+          <a:xfrm>
+            <a:off x="1144179" y="5504986"/>
+            <a:ext cx="4953000" cy="622300"/>
+          </a:xfrm>
+          <a:prstGeom prst="rect">
+            <a:avLst/>
+          </a:prstGeom>
+        </p:spPr>
+      </p:pic>
+    </p:spTree>
+    <p:extLst>
+      <p:ext uri="{BB962C8B-B14F-4D97-AF65-F5344CB8AC3E}">
+        <p14:creationId xmlns:p14="http://schemas.microsoft.com/office/powerpoint/2010/main" val="1901066871"/>
+      </p:ext>
+    </p:extLst>
+  </p:cSld>
+  <p:clrMapOvr>
+    <a:masterClrMapping/>
+  </p:clrMapOvr>
+</p:sld>
+</file>
+
+<file path=ppt/slides/slide12.xml><?xml version="1.0" encoding="utf-8"?>
+<p:sld xmlns:a="http://schemas.openxmlformats.org/drawingml/2006/main" xmlns:r="http://schemas.openxmlformats.org/officeDocument/2006/relationships" xmlns:p="http://schemas.openxmlformats.org/presentationml/2006/main">
+  <p:cSld>
+    <p:spTree>
+      <p:nvGrpSpPr>
+        <p:cNvPr id="1" name=""/>
+        <p:cNvGrpSpPr/>
+        <p:nvPr/>
+      </p:nvGrpSpPr>
+      <p:grpSpPr>
+        <a:xfrm>
+          <a:off x="0" y="0"/>
+          <a:ext cx="0" cy="0"/>
+          <a:chOff x="0" y="0"/>
+          <a:chExt cx="0" cy="0"/>
+        </a:xfrm>
+      </p:grpSpPr>
+      <p:sp>
+        <p:nvSpPr>
+          <p:cNvPr id="1048617" name="文本框 10"/>
+          <p:cNvSpPr txBox="1"/>
+          <p:nvPr/>
+        </p:nvSpPr>
+        <p:spPr>
+          <a:xfrm>
+            <a:off x="695324" y="287665"/>
+            <a:ext cx="10801351" cy="521970"/>
+          </a:xfrm>
+          <a:prstGeom prst="rect">
+            <a:avLst/>
+          </a:prstGeom>
+          <a:noFill/>
+        </p:spPr>
+        <p:txBody>
+          <a:bodyPr wrap="square" rtlCol="0">
+            <a:spAutoFit/>
+          </a:bodyPr>
+          <a:lstStyle/>
+          <a:p>
+            <a:r>
+              <a:rPr lang="zh-CN" altLang="en-US" sz="2800" b="1" dirty="0">
+                <a:latin typeface="微软雅黑" panose="020B0503020204020204" pitchFamily="34" charset="-122"/>
+                <a:sym typeface="+mn-ea"/>
+              </a:rPr>
+              <a:t>任务一：</a:t>
+            </a:r>
+            <a:r>
+              <a:rPr lang="zh-CN" altLang="en-US" sz="2800" dirty="0"/>
+              <a:t>前期学习和调研</a:t>
+            </a:r>
+            <a:endParaRPr lang="zh-CN" altLang="en-US" sz="2800" b="1" dirty="0">
+              <a:latin typeface="微软雅黑" panose="020B0503020204020204" pitchFamily="34" charset="-122"/>
+            </a:endParaRPr>
+          </a:p>
+        </p:txBody>
+      </p:sp>
+      <p:sp>
+        <p:nvSpPr>
+          <p:cNvPr id="1048618" name="灯片编号占位符 3"/>
+          <p:cNvSpPr>
+            <a:spLocks noGrp="1"/>
+          </p:cNvSpPr>
+          <p:nvPr>
+            <p:ph type="sldNum" sz="quarter" idx="12"/>
+          </p:nvPr>
+        </p:nvSpPr>
+        <p:spPr/>
+        <p:txBody>
+          <a:bodyPr/>
+          <a:lstStyle/>
+          <a:p>
+            <a:fld id="{51D91E7F-84B6-4064-9D4E-CC7D244BCA04}" type="slidenum">
+              <a:rPr lang="zh-CN" altLang="en-US" smtClean="0"/>
+              <a:t>12</a:t>
+            </a:fld>
+            <a:endParaRPr lang="zh-CN" altLang="en-US" dirty="0"/>
+          </a:p>
+        </p:txBody>
+      </p:sp>
+      <p:sp>
+        <p:nvSpPr>
+          <p:cNvPr id="7" name="文本框 6">
+            <a:extLst>
+              <a:ext uri="{FF2B5EF4-FFF2-40B4-BE49-F238E27FC236}">
+                <a16:creationId xmlns:a16="http://schemas.microsoft.com/office/drawing/2014/main" id="{48A5B42D-0A92-444F-8B3C-3EC26B26594F}"/>
+              </a:ext>
+            </a:extLst>
+          </p:cNvPr>
+          <p:cNvSpPr txBox="1"/>
+          <p:nvPr/>
+        </p:nvSpPr>
+        <p:spPr>
+          <a:xfrm>
+            <a:off x="793749" y="1179443"/>
+            <a:ext cx="9662216" cy="1384995"/>
+          </a:xfrm>
+          <a:prstGeom prst="rect">
+            <a:avLst/>
+          </a:prstGeom>
+          <a:noFill/>
+        </p:spPr>
+        <p:txBody>
+          <a:bodyPr wrap="square" rtlCol="0">
+            <a:spAutoFit/>
+          </a:bodyPr>
+          <a:lstStyle/>
+          <a:p>
+            <a:endParaRPr kumimoji="1" lang="en-US" altLang="zh-CN" sz="2400" b="1" dirty="0"/>
+          </a:p>
+          <a:p>
+            <a:endParaRPr kumimoji="1" lang="en-US" altLang="zh-CN" sz="2400" b="1" dirty="0"/>
+          </a:p>
+          <a:p>
+            <a:endParaRPr lang="en-US" altLang="zh-CN" dirty="0"/>
+          </a:p>
+          <a:p>
+            <a:r>
+              <a:rPr kumimoji="1" lang="zh-CN" altLang="en-US" dirty="0"/>
+              <a:t>     </a:t>
+            </a:r>
+            <a:endParaRPr kumimoji="1" lang="en-US" altLang="zh-CN" dirty="0"/>
+          </a:p>
+        </p:txBody>
+      </p:sp>
+      <p:sp>
+        <p:nvSpPr>
+          <p:cNvPr id="5" name="矩形 4">
+            <a:extLst>
+              <a:ext uri="{FF2B5EF4-FFF2-40B4-BE49-F238E27FC236}">
+                <a16:creationId xmlns:a16="http://schemas.microsoft.com/office/drawing/2014/main" id="{04738E65-C95F-2D4E-8FB9-B374F2FA64C4}"/>
+              </a:ext>
+            </a:extLst>
+          </p:cNvPr>
+          <p:cNvSpPr/>
+          <p:nvPr/>
+        </p:nvSpPr>
+        <p:spPr>
+          <a:xfrm>
+            <a:off x="793749" y="1321982"/>
+            <a:ext cx="2266121" cy="530087"/>
+          </a:xfrm>
+          <a:prstGeom prst="rect">
+            <a:avLst/>
+          </a:prstGeom>
+        </p:spPr>
+        <p:style>
+          <a:lnRef idx="2">
+            <a:schemeClr val="accent1">
+              <a:shade val="50000"/>
+            </a:schemeClr>
+          </a:lnRef>
+          <a:fillRef idx="1">
+            <a:schemeClr val="accent1"/>
+          </a:fillRef>
+          <a:effectRef idx="0">
+            <a:schemeClr val="accent1"/>
+          </a:effectRef>
+          <a:fontRef idx="minor">
+            <a:schemeClr val="lt1"/>
+          </a:fontRef>
+        </p:style>
+        <p:txBody>
+          <a:bodyPr rtlCol="0" anchor="ctr"/>
+          <a:lstStyle/>
+          <a:p>
+            <a:pPr algn="ctr"/>
+            <a:r>
+              <a:rPr kumimoji="1" lang="zh-CN" altLang="en-US" dirty="0"/>
+              <a:t>布尔函数</a:t>
+            </a:r>
+          </a:p>
+        </p:txBody>
+      </p:sp>
+      <p:sp>
+        <p:nvSpPr>
+          <p:cNvPr id="6" name="矩形 5">
+            <a:extLst>
+              <a:ext uri="{FF2B5EF4-FFF2-40B4-BE49-F238E27FC236}">
+                <a16:creationId xmlns:a16="http://schemas.microsoft.com/office/drawing/2014/main" id="{1A4E4E39-CB4A-D74F-8A49-BA586F6F7B51}"/>
+              </a:ext>
+            </a:extLst>
+          </p:cNvPr>
+          <p:cNvSpPr/>
+          <p:nvPr/>
+        </p:nvSpPr>
+        <p:spPr>
+          <a:xfrm>
+            <a:off x="7154792" y="1321981"/>
+            <a:ext cx="2266121" cy="530087"/>
+          </a:xfrm>
+          <a:prstGeom prst="rect">
+            <a:avLst/>
+          </a:prstGeom>
+        </p:spPr>
+        <p:style>
+          <a:lnRef idx="2">
+            <a:schemeClr val="accent1">
+              <a:shade val="50000"/>
+            </a:schemeClr>
+          </a:lnRef>
+          <a:fillRef idx="1">
+            <a:schemeClr val="accent1"/>
+          </a:fillRef>
+          <a:effectRef idx="0">
+            <a:schemeClr val="accent1"/>
+          </a:effectRef>
+          <a:fontRef idx="minor">
+            <a:schemeClr val="lt1"/>
+          </a:fontRef>
+        </p:style>
+        <p:txBody>
+          <a:bodyPr rtlCol="0" anchor="ctr"/>
+          <a:lstStyle/>
+          <a:p>
+            <a:pPr algn="ctr"/>
+            <a:r>
+              <a:rPr kumimoji="1" lang="en-US" altLang="zh-CN" dirty="0"/>
+              <a:t>S</a:t>
+            </a:r>
+            <a:r>
+              <a:rPr kumimoji="1" lang="zh-CN" altLang="en-US" dirty="0"/>
+              <a:t>盒</a:t>
+            </a:r>
+          </a:p>
+        </p:txBody>
+      </p:sp>
+      <p:sp>
+        <p:nvSpPr>
+          <p:cNvPr id="8" name="文本框 7">
+            <a:extLst>
+              <a:ext uri="{FF2B5EF4-FFF2-40B4-BE49-F238E27FC236}">
+                <a16:creationId xmlns:a16="http://schemas.microsoft.com/office/drawing/2014/main" id="{12227FEB-7D64-FA4E-B435-FF0E989583DD}"/>
+              </a:ext>
+            </a:extLst>
+          </p:cNvPr>
+          <p:cNvSpPr txBox="1"/>
+          <p:nvPr/>
+        </p:nvSpPr>
+        <p:spPr>
+          <a:xfrm>
+            <a:off x="3283755" y="1259278"/>
+            <a:ext cx="3647152" cy="369332"/>
+          </a:xfrm>
+          <a:prstGeom prst="rect">
+            <a:avLst/>
+          </a:prstGeom>
+          <a:noFill/>
+        </p:spPr>
+        <p:txBody>
+          <a:bodyPr wrap="square" rtlCol="0">
+            <a:spAutoFit/>
+          </a:bodyPr>
+          <a:lstStyle/>
+          <a:p>
+            <a:pPr algn="ctr"/>
+            <a:r>
+              <a:rPr kumimoji="1" lang="zh-CN" altLang="en-US" dirty="0"/>
+              <a:t>坐标函数</a:t>
+            </a:r>
+          </a:p>
+        </p:txBody>
+      </p:sp>
+      <p:sp>
+        <p:nvSpPr>
+          <p:cNvPr id="9" name="文本框 8">
+            <a:extLst>
+              <a:ext uri="{FF2B5EF4-FFF2-40B4-BE49-F238E27FC236}">
+                <a16:creationId xmlns:a16="http://schemas.microsoft.com/office/drawing/2014/main" id="{6B1BC05A-5788-7149-AA36-A64E1F4AB802}"/>
+              </a:ext>
+            </a:extLst>
+          </p:cNvPr>
+          <p:cNvSpPr txBox="1"/>
+          <p:nvPr/>
+        </p:nvSpPr>
+        <p:spPr>
+          <a:xfrm>
+            <a:off x="3283755" y="1834311"/>
+            <a:ext cx="3647152" cy="369332"/>
+          </a:xfrm>
+          <a:prstGeom prst="rect">
+            <a:avLst/>
+          </a:prstGeom>
+          <a:noFill/>
+        </p:spPr>
+        <p:txBody>
+          <a:bodyPr wrap="square" rtlCol="0">
+            <a:spAutoFit/>
+          </a:bodyPr>
+          <a:lstStyle/>
+          <a:p>
+            <a:pPr algn="ctr"/>
+            <a:r>
+              <a:rPr kumimoji="1" lang="zh-CN" altLang="en-US" dirty="0"/>
+              <a:t>坐标函数非零线性组合</a:t>
+            </a:r>
+          </a:p>
+        </p:txBody>
+      </p:sp>
+      <p:sp>
+        <p:nvSpPr>
+          <p:cNvPr id="10" name="左右箭头 9">
+            <a:extLst>
+              <a:ext uri="{FF2B5EF4-FFF2-40B4-BE49-F238E27FC236}">
+                <a16:creationId xmlns:a16="http://schemas.microsoft.com/office/drawing/2014/main" id="{6CEAA815-5738-DB44-8F82-0269CEE92570}"/>
+              </a:ext>
+            </a:extLst>
+          </p:cNvPr>
+          <p:cNvSpPr/>
+          <p:nvPr/>
+        </p:nvSpPr>
+        <p:spPr>
+          <a:xfrm>
+            <a:off x="3283755" y="1523561"/>
+            <a:ext cx="3647152" cy="207900"/>
+          </a:xfrm>
+          <a:prstGeom prst="leftRightArrow">
+            <a:avLst/>
+          </a:prstGeom>
+        </p:spPr>
+        <p:style>
+          <a:lnRef idx="2">
+            <a:schemeClr val="accent1">
+              <a:shade val="50000"/>
+            </a:schemeClr>
+          </a:lnRef>
+          <a:fillRef idx="1">
+            <a:schemeClr val="accent1"/>
+          </a:fillRef>
+          <a:effectRef idx="0">
+            <a:schemeClr val="accent1"/>
+          </a:effectRef>
+          <a:fontRef idx="minor">
+            <a:schemeClr val="lt1"/>
+          </a:fontRef>
+        </p:style>
+        <p:txBody>
+          <a:bodyPr rtlCol="0" anchor="ctr"/>
+          <a:lstStyle/>
+          <a:p>
+            <a:pPr algn="ctr"/>
+            <a:endParaRPr kumimoji="1" lang="zh-CN" altLang="en-US"/>
+          </a:p>
+        </p:txBody>
+      </p:sp>
+      <p:pic>
+        <p:nvPicPr>
+          <p:cNvPr id="3" name="图片 2">
+            <a:extLst>
+              <a:ext uri="{FF2B5EF4-FFF2-40B4-BE49-F238E27FC236}">
+                <a16:creationId xmlns:a16="http://schemas.microsoft.com/office/drawing/2014/main" id="{8AFB84B1-2309-124B-8ADA-208A1F1BF616}"/>
+              </a:ext>
+            </a:extLst>
+          </p:cNvPr>
+          <p:cNvPicPr>
+            <a:picLocks noChangeAspect="1"/>
+          </p:cNvPicPr>
+          <p:nvPr/>
+        </p:nvPicPr>
+        <p:blipFill>
+          <a:blip r:embed="rId3">
+            <a:extLst>
+              <a:ext uri="{28A0092B-C50C-407E-A947-70E740481C1C}">
+                <a14:useLocalDpi xmlns:a14="http://schemas.microsoft.com/office/drawing/2010/main" val="0"/>
+              </a:ext>
+            </a:extLst>
+          </a:blip>
+          <a:stretch>
+            <a:fillRect/>
+          </a:stretch>
+        </p:blipFill>
+        <p:spPr>
+          <a:xfrm>
+            <a:off x="632513" y="3055086"/>
+            <a:ext cx="8788400" cy="1104900"/>
+          </a:xfrm>
+          <a:prstGeom prst="rect">
+            <a:avLst/>
+          </a:prstGeom>
+        </p:spPr>
+      </p:pic>
+      <p:sp>
+        <p:nvSpPr>
+          <p:cNvPr id="4" name="文本框 3">
+            <a:extLst>
+              <a:ext uri="{FF2B5EF4-FFF2-40B4-BE49-F238E27FC236}">
+                <a16:creationId xmlns:a16="http://schemas.microsoft.com/office/drawing/2014/main" id="{153E2CF2-7202-4749-BED7-160879C8BE01}"/>
+              </a:ext>
+            </a:extLst>
+          </p:cNvPr>
+          <p:cNvSpPr txBox="1"/>
+          <p:nvPr/>
+        </p:nvSpPr>
+        <p:spPr>
+          <a:xfrm>
+            <a:off x="1112108" y="2706977"/>
+            <a:ext cx="8788400" cy="369332"/>
+          </a:xfrm>
+          <a:prstGeom prst="rect">
+            <a:avLst/>
+          </a:prstGeom>
+          <a:noFill/>
+        </p:spPr>
+        <p:txBody>
+          <a:bodyPr wrap="square" rtlCol="0">
+            <a:spAutoFit/>
+          </a:bodyPr>
+          <a:lstStyle/>
+          <a:p>
+            <a:r>
+              <a:rPr kumimoji="1" lang="zh-CN" altLang="en-US" dirty="0"/>
+              <a:t>例如：对</a:t>
+            </a:r>
+            <a:r>
+              <a:rPr kumimoji="1" lang="en-US" altLang="zh-CN" dirty="0"/>
+              <a:t>S</a:t>
+            </a:r>
+            <a:r>
+              <a:rPr kumimoji="1" lang="zh-CN" altLang="en-US" dirty="0"/>
+              <a:t>盒的平衡性的检测</a:t>
+            </a:r>
+          </a:p>
+        </p:txBody>
+      </p:sp>
+      <p:sp>
+        <p:nvSpPr>
+          <p:cNvPr id="11" name="矩形 10">
+            <a:extLst>
+              <a:ext uri="{FF2B5EF4-FFF2-40B4-BE49-F238E27FC236}">
+                <a16:creationId xmlns:a16="http://schemas.microsoft.com/office/drawing/2014/main" id="{BAB0EE08-2A1C-7B47-97C1-D17E5C19CFD9}"/>
+              </a:ext>
+            </a:extLst>
+          </p:cNvPr>
+          <p:cNvSpPr/>
+          <p:nvPr/>
+        </p:nvSpPr>
+        <p:spPr>
+          <a:xfrm>
+            <a:off x="914400" y="4856205"/>
+            <a:ext cx="2145470" cy="556054"/>
+          </a:xfrm>
+          <a:prstGeom prst="rect">
+            <a:avLst/>
+          </a:prstGeom>
+        </p:spPr>
+        <p:style>
+          <a:lnRef idx="2">
+            <a:schemeClr val="accent1">
+              <a:shade val="50000"/>
+            </a:schemeClr>
+          </a:lnRef>
+          <a:fillRef idx="1">
+            <a:schemeClr val="accent1"/>
+          </a:fillRef>
+          <a:effectRef idx="0">
+            <a:schemeClr val="accent1"/>
+          </a:effectRef>
+          <a:fontRef idx="minor">
+            <a:schemeClr val="lt1"/>
+          </a:fontRef>
+        </p:style>
+        <p:txBody>
+          <a:bodyPr rtlCol="0" anchor="ctr"/>
+          <a:lstStyle/>
+          <a:p>
+            <a:pPr algn="ctr"/>
+            <a:r>
+              <a:rPr kumimoji="1" lang="en-US" altLang="zh-CN" dirty="0" err="1"/>
+              <a:t>Is_BF_balanced</a:t>
+            </a:r>
+            <a:endParaRPr kumimoji="1" lang="zh-CN" altLang="en-US" dirty="0"/>
+          </a:p>
+        </p:txBody>
+      </p:sp>
+      <p:sp>
+        <p:nvSpPr>
+          <p:cNvPr id="14" name="左右箭头 13">
+            <a:extLst>
+              <a:ext uri="{FF2B5EF4-FFF2-40B4-BE49-F238E27FC236}">
+                <a16:creationId xmlns:a16="http://schemas.microsoft.com/office/drawing/2014/main" id="{1B537B9F-A703-9440-8FFC-CA1559DD99C0}"/>
+              </a:ext>
+            </a:extLst>
+          </p:cNvPr>
+          <p:cNvSpPr/>
+          <p:nvPr/>
+        </p:nvSpPr>
+        <p:spPr>
+          <a:xfrm>
+            <a:off x="3203137" y="5030282"/>
+            <a:ext cx="3647152" cy="207900"/>
+          </a:xfrm>
+          <a:prstGeom prst="leftRightArrow">
+            <a:avLst/>
+          </a:prstGeom>
+        </p:spPr>
+        <p:style>
+          <a:lnRef idx="2">
+            <a:schemeClr val="accent1">
+              <a:shade val="50000"/>
+            </a:schemeClr>
+          </a:lnRef>
+          <a:fillRef idx="1">
+            <a:schemeClr val="accent1"/>
+          </a:fillRef>
+          <a:effectRef idx="0">
+            <a:schemeClr val="accent1"/>
+          </a:effectRef>
+          <a:fontRef idx="minor">
+            <a:schemeClr val="lt1"/>
+          </a:fontRef>
+        </p:style>
+        <p:txBody>
+          <a:bodyPr rtlCol="0" anchor="ctr"/>
+          <a:lstStyle/>
+          <a:p>
+            <a:pPr algn="ctr"/>
+            <a:endParaRPr kumimoji="1" lang="zh-CN" altLang="en-US"/>
+          </a:p>
+        </p:txBody>
+      </p:sp>
+      <p:sp>
+        <p:nvSpPr>
+          <p:cNvPr id="15" name="矩形 14">
+            <a:extLst>
+              <a:ext uri="{FF2B5EF4-FFF2-40B4-BE49-F238E27FC236}">
+                <a16:creationId xmlns:a16="http://schemas.microsoft.com/office/drawing/2014/main" id="{72D155C9-8090-0144-8E9C-B4901B494706}"/>
+              </a:ext>
+            </a:extLst>
+          </p:cNvPr>
+          <p:cNvSpPr/>
+          <p:nvPr/>
+        </p:nvSpPr>
+        <p:spPr>
+          <a:xfrm>
+            <a:off x="7154791" y="4832916"/>
+            <a:ext cx="2359912" cy="579343"/>
+          </a:xfrm>
+          <a:prstGeom prst="rect">
+            <a:avLst/>
+          </a:prstGeom>
+        </p:spPr>
+        <p:style>
+          <a:lnRef idx="2">
+            <a:schemeClr val="accent1">
+              <a:shade val="50000"/>
+            </a:schemeClr>
+          </a:lnRef>
+          <a:fillRef idx="1">
+            <a:schemeClr val="accent1"/>
+          </a:fillRef>
+          <a:effectRef idx="0">
+            <a:schemeClr val="accent1"/>
+          </a:effectRef>
+          <a:fontRef idx="minor">
+            <a:schemeClr val="lt1"/>
+          </a:fontRef>
+        </p:style>
+        <p:txBody>
+          <a:bodyPr rtlCol="0" anchor="ctr"/>
+          <a:lstStyle/>
+          <a:p>
+            <a:pPr algn="ctr"/>
+            <a:r>
+              <a:rPr kumimoji="1" lang="en-US" altLang="zh-CN" dirty="0" err="1"/>
+              <a:t>Is_Sbox_balanced</a:t>
+            </a:r>
+            <a:endParaRPr kumimoji="1" lang="zh-CN" altLang="en-US" dirty="0"/>
+          </a:p>
+        </p:txBody>
+      </p:sp>
+      <p:sp>
+        <p:nvSpPr>
+          <p:cNvPr id="12" name="矩形 11">
+            <a:extLst>
+              <a:ext uri="{FF2B5EF4-FFF2-40B4-BE49-F238E27FC236}">
+                <a16:creationId xmlns:a16="http://schemas.microsoft.com/office/drawing/2014/main" id="{624AD3B5-6E2C-9541-87EB-0DD3E4C1EFDB}"/>
+              </a:ext>
+            </a:extLst>
+          </p:cNvPr>
+          <p:cNvSpPr/>
+          <p:nvPr/>
+        </p:nvSpPr>
+        <p:spPr>
+          <a:xfrm flipH="1">
+            <a:off x="3171514" y="4648250"/>
+            <a:ext cx="3831026" cy="369332"/>
+          </a:xfrm>
+          <a:prstGeom prst="rect">
+            <a:avLst/>
+          </a:prstGeom>
+        </p:spPr>
+        <p:txBody>
+          <a:bodyPr wrap="square">
+            <a:spAutoFit/>
+          </a:bodyPr>
+          <a:lstStyle/>
+          <a:p>
+            <a:pPr algn="ctr"/>
+            <a:r>
+              <a:rPr lang="zh-CN" altLang="en-US" dirty="0"/>
+              <a:t>get_coordinate_function</a:t>
+            </a:r>
+            <a:r>
+              <a:rPr lang="en-US" altLang="zh-CN" dirty="0"/>
+              <a:t>()</a:t>
+            </a:r>
+            <a:endParaRPr lang="zh-CN" altLang="en-US" dirty="0"/>
+          </a:p>
+        </p:txBody>
+      </p:sp>
+      <p:sp>
+        <p:nvSpPr>
+          <p:cNvPr id="13" name="文本框 12">
+            <a:extLst>
+              <a:ext uri="{FF2B5EF4-FFF2-40B4-BE49-F238E27FC236}">
+                <a16:creationId xmlns:a16="http://schemas.microsoft.com/office/drawing/2014/main" id="{D1FD2B09-AB47-AF4E-86DC-CE1526A3D79C}"/>
+              </a:ext>
+            </a:extLst>
+          </p:cNvPr>
+          <p:cNvSpPr txBox="1"/>
+          <p:nvPr/>
+        </p:nvSpPr>
+        <p:spPr>
+          <a:xfrm>
+            <a:off x="3171514" y="5238182"/>
+            <a:ext cx="3678775" cy="369332"/>
+          </a:xfrm>
+          <a:prstGeom prst="rect">
+            <a:avLst/>
+          </a:prstGeom>
+          <a:noFill/>
+        </p:spPr>
+        <p:txBody>
+          <a:bodyPr wrap="square" rtlCol="0">
+            <a:spAutoFit/>
+          </a:bodyPr>
+          <a:lstStyle/>
+          <a:p>
+            <a:pPr algn="ctr"/>
+            <a:r>
+              <a:rPr lang="en-US" altLang="zh-CN" dirty="0" err="1"/>
+              <a:t>get_bf_lc</a:t>
+            </a:r>
+            <a:r>
+              <a:rPr lang="en-US" altLang="zh-CN" dirty="0"/>
+              <a:t>()</a:t>
+            </a:r>
+          </a:p>
+        </p:txBody>
+      </p:sp>
+    </p:spTree>
+    <p:extLst>
+      <p:ext uri="{BB962C8B-B14F-4D97-AF65-F5344CB8AC3E}">
+        <p14:creationId xmlns:p14="http://schemas.microsoft.com/office/powerpoint/2010/main" val="422203548"/>
+      </p:ext>
+    </p:extLst>
+  </p:cSld>
+  <p:clrMapOvr>
+    <a:masterClrMapping/>
+  </p:clrMapOvr>
+</p:sld>
+</file>
+
+<file path=ppt/slides/slide13.xml><?xml version="1.0" encoding="utf-8"?>
 <p:sld xmlns:a="http://schemas.openxmlformats.org/drawingml/2006/main" xmlns:r="http://schemas.openxmlformats.org/officeDocument/2006/relationships" xmlns:p="http://schemas.openxmlformats.org/presentationml/2006/main">
   <p:cSld>
     <p:spTree>
@@ -2151,7 +3915,7 @@
           <a:p>
             <a:fld id="{51D91E7F-84B6-4064-9D4E-CC7D244BCA04}" type="slidenum">
               <a:rPr lang="zh-CN" altLang="en-US" smtClean="0"/>
-              <a:t>10</a:t>
+              <a:t>13</a:t>
             </a:fld>
             <a:endParaRPr lang="zh-CN" altLang="en-US" dirty="0"/>
           </a:p>
@@ -2166,7 +3930,7 @@
         <p:spPr>
           <a:xfrm>
             <a:off x="593725" y="950595"/>
-            <a:ext cx="11044555" cy="447040"/>
+            <a:ext cx="11044555" cy="461665"/>
           </a:xfrm>
           <a:prstGeom prst="rect">
             <a:avLst/>
@@ -2178,27 +3942,11 @@
           </a:bodyPr>
           <a:lstStyle/>
           <a:p>
-            <a:pPr algn="l">
-              <a:buClrTx/>
-              <a:buSzTx/>
-              <a:buFontTx/>
-            </a:pPr>
-            <a:r>
-              <a:rPr lang="zh-CN" altLang="en-US" sz="2400" dirty="0">
-                <a:latin typeface="+mn-ea"/>
-              </a:rPr>
-              <a:t>通过查阅资料，</a:t>
-            </a:r>
-            <a:r>
-              <a:rPr lang="en-US" altLang="zh-CN" sz="2400" dirty="0">
-                <a:latin typeface="+mn-ea"/>
-              </a:rPr>
-              <a:t>*****</a:t>
-            </a:r>
-            <a:endParaRPr lang="zh-CN" sz="2400" dirty="0">
-              <a:solidFill>
-                <a:schemeClr val="tx1"/>
-              </a:solidFill>
+            <a:r>
+              <a:rPr lang="zh-CN" altLang="en-US" sz="2400" dirty="0"/>
+              <a:t>：收集现有的密码学性质检测方法，进行代码实现，最终完成软件。</a:t>
+            </a:r>
+            <a:endParaRPr lang="zh-CN" altLang="zh-CN" sz="2400" dirty="0">
               <a:latin typeface="+mn-ea"/>
             </a:endParaRPr>
           </a:p>
@@ -3451,7 +5199,7 @@
         </p:nvGrpSpPr>
         <p:grpSpPr>
           <a:xfrm>
-            <a:off x="4780924" y="3847984"/>
+            <a:off x="4769704" y="3860446"/>
             <a:ext cx="316637" cy="290560"/>
             <a:chOff x="-849313" y="269875"/>
             <a:chExt cx="269875" cy="247650"/>
@@ -5097,7 +6845,328 @@
 </p:sld>
 </file>
 
-<file path=ppt/slides/slide11.xml><?xml version="1.0" encoding="utf-8"?>
+<file path=ppt/slides/slide14.xml><?xml version="1.0" encoding="utf-8"?>
+<p:sld xmlns:a="http://schemas.openxmlformats.org/drawingml/2006/main" xmlns:r="http://schemas.openxmlformats.org/officeDocument/2006/relationships" xmlns:p="http://schemas.openxmlformats.org/presentationml/2006/main">
+  <p:cSld>
+    <p:spTree>
+      <p:nvGrpSpPr>
+        <p:cNvPr id="1" name=""/>
+        <p:cNvGrpSpPr/>
+        <p:nvPr/>
+      </p:nvGrpSpPr>
+      <p:grpSpPr>
+        <a:xfrm>
+          <a:off x="0" y="0"/>
+          <a:ext cx="0" cy="0"/>
+          <a:chOff x="0" y="0"/>
+          <a:chExt cx="0" cy="0"/>
+        </a:xfrm>
+      </p:grpSpPr>
+      <p:pic>
+        <p:nvPicPr>
+          <p:cNvPr id="7" name="图片 6">
+            <a:extLst>
+              <a:ext uri="{FF2B5EF4-FFF2-40B4-BE49-F238E27FC236}">
+                <a16:creationId xmlns:a16="http://schemas.microsoft.com/office/drawing/2014/main" id="{661CB78D-28EB-C648-9ADF-B3A5C6D55B05}"/>
+              </a:ext>
+            </a:extLst>
+          </p:cNvPr>
+          <p:cNvPicPr>
+            <a:picLocks noChangeAspect="1"/>
+          </p:cNvPicPr>
+          <p:nvPr/>
+        </p:nvPicPr>
+        <p:blipFill rotWithShape="1">
+          <a:blip r:embed="rId3">
+            <a:extLst>
+              <a:ext uri="{28A0092B-C50C-407E-A947-70E740481C1C}">
+                <a14:useLocalDpi xmlns:a14="http://schemas.microsoft.com/office/drawing/2010/main" val="0"/>
+              </a:ext>
+            </a:extLst>
+          </a:blip>
+          <a:srcRect t="-1" b="-9756"/>
+          <a:stretch/>
+        </p:blipFill>
+        <p:spPr>
+          <a:xfrm>
+            <a:off x="3048000" y="-12357"/>
+            <a:ext cx="9144000" cy="6858000"/>
+          </a:xfrm>
+          <a:prstGeom prst="rect">
+            <a:avLst/>
+          </a:prstGeom>
+        </p:spPr>
+      </p:pic>
+      <p:pic>
+        <p:nvPicPr>
+          <p:cNvPr id="5" name="图片 4">
+            <a:extLst>
+              <a:ext uri="{FF2B5EF4-FFF2-40B4-BE49-F238E27FC236}">
+                <a16:creationId xmlns:a16="http://schemas.microsoft.com/office/drawing/2014/main" id="{4BDFDCEF-5EDD-794D-A5F9-9A21B04F7A46}"/>
+              </a:ext>
+            </a:extLst>
+          </p:cNvPr>
+          <p:cNvPicPr>
+            <a:picLocks noChangeAspect="1"/>
+          </p:cNvPicPr>
+          <p:nvPr/>
+        </p:nvPicPr>
+        <p:blipFill>
+          <a:blip r:embed="rId3">
+            <a:extLst>
+              <a:ext uri="{28A0092B-C50C-407E-A947-70E740481C1C}">
+                <a14:useLocalDpi xmlns:a14="http://schemas.microsoft.com/office/drawing/2010/main" val="0"/>
+              </a:ext>
+            </a:extLst>
+          </a:blip>
+          <a:stretch>
+            <a:fillRect/>
+          </a:stretch>
+        </p:blipFill>
+        <p:spPr>
+          <a:xfrm>
+            <a:off x="0" y="0"/>
+            <a:ext cx="9144000" cy="6858000"/>
+          </a:xfrm>
+          <a:prstGeom prst="rect">
+            <a:avLst/>
+          </a:prstGeom>
+        </p:spPr>
+      </p:pic>
+      <p:sp>
+        <p:nvSpPr>
+          <p:cNvPr id="1048624" name="文本框 10"/>
+          <p:cNvSpPr txBox="1"/>
+          <p:nvPr/>
+        </p:nvSpPr>
+        <p:spPr>
+          <a:xfrm>
+            <a:off x="314324" y="1019185"/>
+            <a:ext cx="10801351" cy="521970"/>
+          </a:xfrm>
+          <a:prstGeom prst="rect">
+            <a:avLst/>
+          </a:prstGeom>
+          <a:noFill/>
+        </p:spPr>
+        <p:txBody>
+          <a:bodyPr wrap="square" rtlCol="0">
+            <a:spAutoFit/>
+          </a:bodyPr>
+          <a:lstStyle/>
+          <a:p>
+            <a:r>
+              <a:rPr lang="zh-CN" sz="2800" b="1" dirty="0">
+                <a:latin typeface="微软雅黑" panose="020B0503020204020204" pitchFamily="34" charset="-122"/>
+                <a:sym typeface="+mn-ea"/>
+              </a:rPr>
+              <a:t>任务</a:t>
+            </a:r>
+            <a:r>
+              <a:rPr lang="zh-CN" altLang="en-US" sz="2800" b="1" dirty="0">
+                <a:latin typeface="微软雅黑" panose="020B0503020204020204" pitchFamily="34" charset="-122"/>
+                <a:sym typeface="+mn-ea"/>
+              </a:rPr>
+              <a:t>二</a:t>
+            </a:r>
+            <a:r>
+              <a:rPr lang="zh-CN" sz="2800" b="1" dirty="0">
+                <a:latin typeface="微软雅黑" panose="020B0503020204020204" pitchFamily="34" charset="-122"/>
+                <a:sym typeface="+mn-ea"/>
+              </a:rPr>
+              <a:t>完成情况</a:t>
+            </a:r>
+            <a:r>
+              <a:rPr lang="zh-CN" altLang="en-US" sz="2800" b="1" dirty="0">
+                <a:latin typeface="微软雅黑" panose="020B0503020204020204" pitchFamily="34" charset="-122"/>
+                <a:sym typeface="+mn-ea"/>
+              </a:rPr>
+              <a:t>：</a:t>
+            </a:r>
+            <a:endParaRPr lang="zh-CN" altLang="en-US" sz="2800" b="1" dirty="0">
+              <a:latin typeface="微软雅黑" panose="020B0503020204020204" pitchFamily="34" charset="-122"/>
+            </a:endParaRPr>
+          </a:p>
+        </p:txBody>
+      </p:sp>
+      <p:sp>
+        <p:nvSpPr>
+          <p:cNvPr id="1048625" name="灯片编号占位符 3"/>
+          <p:cNvSpPr>
+            <a:spLocks noGrp="1"/>
+          </p:cNvSpPr>
+          <p:nvPr>
+            <p:ph type="sldNum" sz="quarter" idx="12"/>
+          </p:nvPr>
+        </p:nvSpPr>
+        <p:spPr/>
+        <p:txBody>
+          <a:bodyPr/>
+          <a:lstStyle/>
+          <a:p>
+            <a:fld id="{51D91E7F-84B6-4064-9D4E-CC7D244BCA04}" type="slidenum">
+              <a:rPr lang="zh-CN" altLang="en-US" smtClean="0"/>
+              <a:t>14</a:t>
+            </a:fld>
+            <a:endParaRPr lang="zh-CN" altLang="en-US" dirty="0"/>
+          </a:p>
+        </p:txBody>
+      </p:sp>
+      <p:sp>
+        <p:nvSpPr>
+          <p:cNvPr id="2" name="文本框 1">
+            <a:extLst>
+              <a:ext uri="{FF2B5EF4-FFF2-40B4-BE49-F238E27FC236}">
+                <a16:creationId xmlns:a16="http://schemas.microsoft.com/office/drawing/2014/main" id="{5EA2F00B-5AB8-454E-BA68-33EB629FBC89}"/>
+              </a:ext>
+            </a:extLst>
+          </p:cNvPr>
+          <p:cNvSpPr txBox="1"/>
+          <p:nvPr/>
+        </p:nvSpPr>
+        <p:spPr>
+          <a:xfrm>
+            <a:off x="314324" y="1666030"/>
+            <a:ext cx="5110292" cy="646331"/>
+          </a:xfrm>
+          <a:prstGeom prst="rect">
+            <a:avLst/>
+          </a:prstGeom>
+          <a:noFill/>
+        </p:spPr>
+        <p:txBody>
+          <a:bodyPr wrap="square" rtlCol="0">
+            <a:spAutoFit/>
+          </a:bodyPr>
+          <a:lstStyle/>
+          <a:p>
+            <a:r>
+              <a:rPr kumimoji="1" lang="zh-CN" altLang="en-US" dirty="0"/>
+              <a:t>例如论文：布尔函数代数次数的计算方法，给出：</a:t>
+            </a:r>
+          </a:p>
+          <a:p>
+            <a:endParaRPr kumimoji="1" lang="zh-CN" altLang="en-US" dirty="0"/>
+          </a:p>
+        </p:txBody>
+      </p:sp>
+      <p:pic>
+        <p:nvPicPr>
+          <p:cNvPr id="4" name="图片 3">
+            <a:extLst>
+              <a:ext uri="{FF2B5EF4-FFF2-40B4-BE49-F238E27FC236}">
+                <a16:creationId xmlns:a16="http://schemas.microsoft.com/office/drawing/2014/main" id="{36E8BD70-2983-1044-BB7B-E5B187756BD9}"/>
+              </a:ext>
+            </a:extLst>
+          </p:cNvPr>
+          <p:cNvPicPr>
+            <a:picLocks noChangeAspect="1"/>
+          </p:cNvPicPr>
+          <p:nvPr/>
+        </p:nvPicPr>
+        <p:blipFill>
+          <a:blip r:embed="rId4">
+            <a:extLst>
+              <a:ext uri="{28A0092B-C50C-407E-A947-70E740481C1C}">
+                <a14:useLocalDpi xmlns:a14="http://schemas.microsoft.com/office/drawing/2010/main" val="0"/>
+              </a:ext>
+            </a:extLst>
+          </a:blip>
+          <a:stretch>
+            <a:fillRect/>
+          </a:stretch>
+        </p:blipFill>
+        <p:spPr>
+          <a:xfrm>
+            <a:off x="314324" y="2220106"/>
+            <a:ext cx="5799359" cy="3780470"/>
+          </a:xfrm>
+          <a:prstGeom prst="rect">
+            <a:avLst/>
+          </a:prstGeom>
+        </p:spPr>
+      </p:pic>
+      <p:pic>
+        <p:nvPicPr>
+          <p:cNvPr id="11" name="图片 10">
+            <a:extLst>
+              <a:ext uri="{FF2B5EF4-FFF2-40B4-BE49-F238E27FC236}">
+                <a16:creationId xmlns:a16="http://schemas.microsoft.com/office/drawing/2014/main" id="{5732361D-916C-4048-A8BF-B76B59237FE4}"/>
+              </a:ext>
+            </a:extLst>
+          </p:cNvPr>
+          <p:cNvPicPr>
+            <a:picLocks noChangeAspect="1"/>
+          </p:cNvPicPr>
+          <p:nvPr/>
+        </p:nvPicPr>
+        <p:blipFill>
+          <a:blip r:embed="rId5">
+            <a:extLst>
+              <a:ext uri="{28A0092B-C50C-407E-A947-70E740481C1C}">
+                <a14:useLocalDpi xmlns:a14="http://schemas.microsoft.com/office/drawing/2010/main" val="0"/>
+              </a:ext>
+            </a:extLst>
+          </a:blip>
+          <a:stretch>
+            <a:fillRect/>
+          </a:stretch>
+        </p:blipFill>
+        <p:spPr>
+          <a:xfrm>
+            <a:off x="6516697" y="4980810"/>
+            <a:ext cx="5675303" cy="903759"/>
+          </a:xfrm>
+          <a:prstGeom prst="rect">
+            <a:avLst/>
+          </a:prstGeom>
+        </p:spPr>
+      </p:pic>
+      <p:pic>
+        <p:nvPicPr>
+          <p:cNvPr id="13" name="图片 12">
+            <a:extLst>
+              <a:ext uri="{FF2B5EF4-FFF2-40B4-BE49-F238E27FC236}">
+                <a16:creationId xmlns:a16="http://schemas.microsoft.com/office/drawing/2014/main" id="{83B9113B-9DF6-2046-8786-1B6BFD4DA992}"/>
+              </a:ext>
+            </a:extLst>
+          </p:cNvPr>
+          <p:cNvPicPr>
+            <a:picLocks noChangeAspect="1"/>
+          </p:cNvPicPr>
+          <p:nvPr/>
+        </p:nvPicPr>
+        <p:blipFill>
+          <a:blip r:embed="rId6">
+            <a:extLst>
+              <a:ext uri="{28A0092B-C50C-407E-A947-70E740481C1C}">
+                <a14:useLocalDpi xmlns:a14="http://schemas.microsoft.com/office/drawing/2010/main" val="0"/>
+              </a:ext>
+            </a:extLst>
+          </a:blip>
+          <a:stretch>
+            <a:fillRect/>
+          </a:stretch>
+        </p:blipFill>
+        <p:spPr>
+          <a:xfrm>
+            <a:off x="6516697" y="2110656"/>
+            <a:ext cx="5675303" cy="2689565"/>
+          </a:xfrm>
+          <a:prstGeom prst="rect">
+            <a:avLst/>
+          </a:prstGeom>
+        </p:spPr>
+      </p:pic>
+    </p:spTree>
+  </p:cSld>
+  <p:clrMapOvr>
+    <a:masterClrMapping/>
+  </p:clrMapOvr>
+</p:sld>
+</file>
+
+<file path=ppt/slides/slide15.xml><?xml version="1.0" encoding="utf-8"?>
 <p:sld xmlns:a="http://schemas.openxmlformats.org/drawingml/2006/main" xmlns:r="http://schemas.openxmlformats.org/officeDocument/2006/relationships" xmlns:p="http://schemas.openxmlformats.org/presentationml/2006/main">
   <p:cSld>
     <p:spTree>
@@ -5180,7 +7249,7 @@
           <a:p>
             <a:fld id="{51D91E7F-84B6-4064-9D4E-CC7D244BCA04}" type="slidenum">
               <a:rPr lang="zh-CN" altLang="en-US" smtClean="0"/>
-              <a:t>11</a:t>
+              <a:t>15</a:t>
             </a:fld>
             <a:endParaRPr lang="zh-CN" altLang="en-US" dirty="0"/>
           </a:p>
@@ -5188,10 +7257,10 @@
       </p:sp>
       <p:pic>
         <p:nvPicPr>
-          <p:cNvPr id="3" name="图片 2">
+          <p:cNvPr id="4" name="图片 3">
             <a:extLst>
               <a:ext uri="{FF2B5EF4-FFF2-40B4-BE49-F238E27FC236}">
-                <a16:creationId xmlns:a16="http://schemas.microsoft.com/office/drawing/2014/main" id="{959F3322-0AD0-054F-A70B-261C3D5B2888}"/>
+                <a16:creationId xmlns:a16="http://schemas.microsoft.com/office/drawing/2014/main" id="{5F774B11-F558-DE41-97E5-2BEFB3386AA0}"/>
               </a:ext>
             </a:extLst>
           </p:cNvPr>
@@ -5201,7 +7270,7 @@
           <p:nvPr/>
         </p:nvPicPr>
         <p:blipFill>
-          <a:blip r:embed="rId2">
+          <a:blip r:embed="rId3">
             <a:extLst>
               <a:ext uri="{28A0092B-C50C-407E-A947-70E740481C1C}">
                 <a14:useLocalDpi xmlns:a14="http://schemas.microsoft.com/office/drawing/2010/main" val="0"/>
@@ -5214,8 +7283,8 @@
         </p:blipFill>
         <p:spPr>
           <a:xfrm>
-            <a:off x="695324" y="838662"/>
-            <a:ext cx="9622156" cy="5749338"/>
+            <a:off x="695324" y="287665"/>
+            <a:ext cx="10462827" cy="6214680"/>
           </a:xfrm>
           <a:prstGeom prst="rect">
             <a:avLst/>
@@ -5230,7 +7299,7 @@
 </p:sld>
 </file>
 
-<file path=ppt/slides/slide12.xml><?xml version="1.0" encoding="utf-8"?>
+<file path=ppt/slides/slide16.xml><?xml version="1.0" encoding="utf-8"?>
 <p:sld xmlns:a="http://schemas.openxmlformats.org/drawingml/2006/main" xmlns:r="http://schemas.openxmlformats.org/officeDocument/2006/relationships" xmlns:p="http://schemas.openxmlformats.org/presentationml/2006/main">
   <p:cSld>
     <p:spTree>
@@ -5299,7 +7368,7 @@
           <a:p>
             <a:fld id="{51D91E7F-84B6-4064-9D4E-CC7D244BCA04}" type="slidenum">
               <a:rPr lang="zh-CN" altLang="en-US" smtClean="0"/>
-              <a:t>12</a:t>
+              <a:t>16</a:t>
             </a:fld>
             <a:endParaRPr lang="zh-CN" altLang="en-US" dirty="0"/>
           </a:p>
@@ -5314,7 +7383,7 @@
         <p:spPr>
           <a:xfrm>
             <a:off x="400050" y="935355"/>
-            <a:ext cx="11563350" cy="830997"/>
+            <a:ext cx="11563350" cy="3720377"/>
           </a:xfrm>
           <a:prstGeom prst="rect">
             <a:avLst/>
@@ -5327,13 +7396,66 @@
           </a:bodyPr>
           <a:lstStyle/>
           <a:p>
-            <a:pPr algn="l"/>
+            <a:r>
+              <a:rPr lang="zh-CN" altLang="en-US" sz="2400" b="1" dirty="0">
+                <a:latin typeface="+mn-ea"/>
+                <a:sym typeface="+mn-ea"/>
+              </a:rPr>
+              <a:t>：</a:t>
+            </a:r>
+            <a:r>
+              <a:rPr lang="zh-CN" altLang="en-US" sz="2400" b="1" dirty="0">
+                <a:solidFill>
+                  <a:schemeClr val="dk1"/>
+                </a:solidFill>
+              </a:rPr>
+              <a:t>完成性能测试，撰写毕业论文</a:t>
+            </a:r>
+            <a:endParaRPr lang="en-US" altLang="zh-CN" sz="2400" dirty="0">
+              <a:latin typeface="+mn-ea"/>
+              <a:sym typeface="+mn-ea"/>
+            </a:endParaRPr>
+          </a:p>
+          <a:p>
+            <a:pPr algn="l">
+              <a:lnSpc>
+                <a:spcPct val="200000"/>
+              </a:lnSpc>
+            </a:pPr>
+            <a:r>
+              <a:rPr lang="en-US" altLang="zh-CN" sz="2400" dirty="0">
+                <a:latin typeface="+mn-ea"/>
+                <a:sym typeface="+mn-ea"/>
+              </a:rPr>
+              <a:t>--</a:t>
+            </a:r>
             <a:r>
               <a:rPr lang="zh-CN" altLang="en-US" sz="2400" dirty="0">
                 <a:latin typeface="+mn-ea"/>
                 <a:sym typeface="+mn-ea"/>
               </a:rPr>
-              <a:t>由于代码尚未编写完成，所以暂时没有进行性能测试。</a:t>
+              <a:t> </a:t>
+            </a:r>
+            <a:r>
+              <a:rPr lang="zh-CN" altLang="en-US" sz="2400" b="1" dirty="0">
+                <a:latin typeface="+mn-ea"/>
+                <a:sym typeface="+mn-ea"/>
+              </a:rPr>
+              <a:t>软件测试：</a:t>
+            </a:r>
+            <a:endParaRPr lang="en-US" altLang="zh-CN" sz="2400" b="1" dirty="0">
+              <a:latin typeface="+mn-ea"/>
+              <a:sym typeface="+mn-ea"/>
+            </a:endParaRPr>
+          </a:p>
+          <a:p>
+            <a:pPr algn="l"/>
+            <a:r>
+              <a:rPr lang="zh-CN" altLang="en-US" sz="2400" dirty="0">
+                <a:latin typeface="+mn-ea"/>
+                <a:sym typeface="+mn-ea"/>
+              </a:rPr>
+              <a:t>   由于代码尚未编写完成，所以暂时没有进行性能测试。</a:t>
             </a:r>
             <a:endParaRPr lang="en-US" altLang="zh-CN" sz="2400" dirty="0">
               <a:latin typeface="+mn-ea"/>
@@ -5342,6 +7464,81 @@
           </a:p>
           <a:p>
             <a:pPr algn="l"/>
+            <a:endParaRPr lang="en-US" altLang="zh-CN" sz="2400" dirty="0">
+              <a:latin typeface="+mn-ea"/>
+              <a:sym typeface="+mn-ea"/>
+            </a:endParaRPr>
+          </a:p>
+          <a:p>
+            <a:pPr algn="l">
+              <a:lnSpc>
+                <a:spcPct val="200000"/>
+              </a:lnSpc>
+            </a:pPr>
+            <a:r>
+              <a:rPr lang="en-US" altLang="zh-CN" sz="2400" b="1" dirty="0">
+                <a:latin typeface="+mn-ea"/>
+                <a:sym typeface="+mn-ea"/>
+              </a:rPr>
+              <a:t>--</a:t>
+            </a:r>
+            <a:r>
+              <a:rPr lang="zh-CN" altLang="en-US" sz="2400" b="1" dirty="0">
+                <a:latin typeface="+mn-ea"/>
+                <a:sym typeface="+mn-ea"/>
+              </a:rPr>
+              <a:t> 毕业论文：</a:t>
+            </a:r>
+            <a:endParaRPr lang="en-US" altLang="zh-CN" sz="2400" b="1" dirty="0">
+              <a:latin typeface="+mn-ea"/>
+              <a:sym typeface="+mn-ea"/>
+            </a:endParaRPr>
+          </a:p>
+          <a:p>
+            <a:pPr>
+              <a:lnSpc>
+                <a:spcPct val="150000"/>
+              </a:lnSpc>
+            </a:pPr>
+            <a:r>
+              <a:rPr lang="zh-CN" altLang="en-US" sz="2400" dirty="0">
+                <a:latin typeface="+mn-ea"/>
+                <a:sym typeface="+mn-ea"/>
+              </a:rPr>
+              <a:t>   在前期的调研中，完成了对发展现状和研究意义这一部分的初稿。</a:t>
+            </a:r>
+            <a:endParaRPr lang="en-US" altLang="zh-CN" sz="2400" dirty="0">
+              <a:latin typeface="+mn-ea"/>
+              <a:sym typeface="+mn-ea"/>
+            </a:endParaRPr>
+          </a:p>
+          <a:p>
+            <a:pPr>
+              <a:lnSpc>
+                <a:spcPct val="150000"/>
+              </a:lnSpc>
+            </a:pPr>
+            <a:r>
+              <a:rPr lang="zh-CN" altLang="en-US" sz="2400" dirty="0">
+                <a:latin typeface="+mn-ea"/>
+                <a:sym typeface="+mn-ea"/>
+              </a:rPr>
+              <a:t>   保留了一点关于</a:t>
+            </a:r>
+            <a:r>
+              <a:rPr lang="en-US" altLang="zh-CN" sz="2400" dirty="0">
+                <a:latin typeface="+mn-ea"/>
+                <a:sym typeface="+mn-ea"/>
+              </a:rPr>
+              <a:t>Notations</a:t>
+            </a:r>
+            <a:r>
+              <a:rPr lang="zh-CN" altLang="en-US" sz="2400" dirty="0">
+                <a:latin typeface="+mn-ea"/>
+                <a:sym typeface="+mn-ea"/>
+              </a:rPr>
+              <a:t>和公式的笔记。</a:t>
+            </a:r>
             <a:endParaRPr lang="zh-CN" sz="2400" dirty="0">
               <a:latin typeface="+mn-ea"/>
             </a:endParaRPr>
@@ -5356,266 +7553,7 @@
 </p:sld>
 </file>
 
-<file path=ppt/slides/slide13.xml><?xml version="1.0" encoding="utf-8"?>
-<p:sld xmlns:a="http://schemas.openxmlformats.org/drawingml/2006/main" xmlns:r="http://schemas.openxmlformats.org/officeDocument/2006/relationships" xmlns:p="http://schemas.openxmlformats.org/presentationml/2006/main">
-  <p:cSld>
-    <p:spTree>
-      <p:nvGrpSpPr>
-        <p:cNvPr id="1" name=""/>
-        <p:cNvGrpSpPr/>
-        <p:nvPr/>
-      </p:nvGrpSpPr>
-      <p:grpSpPr>
-        <a:xfrm>
-          <a:off x="0" y="0"/>
-          <a:ext cx="0" cy="0"/>
-          <a:chOff x="0" y="0"/>
-          <a:chExt cx="0" cy="0"/>
-        </a:xfrm>
-      </p:grpSpPr>
-      <p:sp>
-        <p:nvSpPr>
-          <p:cNvPr id="1048675" name="文本框 10"/>
-          <p:cNvSpPr txBox="1"/>
-          <p:nvPr/>
-        </p:nvSpPr>
-        <p:spPr>
-          <a:xfrm>
-            <a:off x="756919" y="200670"/>
-            <a:ext cx="10801351" cy="521970"/>
-          </a:xfrm>
-          <a:prstGeom prst="rect">
-            <a:avLst/>
-          </a:prstGeom>
-          <a:noFill/>
-        </p:spPr>
-        <p:txBody>
-          <a:bodyPr wrap="square" rtlCol="0">
-            <a:spAutoFit/>
-          </a:bodyPr>
-          <a:lstStyle/>
-          <a:p>
-            <a:r>
-              <a:rPr lang="zh-CN" sz="2800" b="1" dirty="0">
-                <a:latin typeface="微软雅黑" panose="020B0503020204020204" pitchFamily="34" charset="-122"/>
-                <a:sym typeface="+mn-ea"/>
-              </a:rPr>
-              <a:t>任务三完成情况</a:t>
-            </a:r>
-            <a:endParaRPr lang="zh-CN" altLang="en-US" sz="2800" b="1" dirty="0">
-              <a:latin typeface="微软雅黑" panose="020B0503020204020204" pitchFamily="34" charset="-122"/>
-            </a:endParaRPr>
-          </a:p>
-        </p:txBody>
-      </p:sp>
-      <p:sp>
-        <p:nvSpPr>
-          <p:cNvPr id="1048676" name="灯片编号占位符 3"/>
-          <p:cNvSpPr>
-            <a:spLocks noGrp="1"/>
-          </p:cNvSpPr>
-          <p:nvPr>
-            <p:ph type="sldNum" sz="quarter" idx="12"/>
-          </p:nvPr>
-        </p:nvSpPr>
-        <p:spPr/>
-        <p:txBody>
-          <a:bodyPr/>
-          <a:lstStyle/>
-          <a:p>
-            <a:fld id="{51D91E7F-84B6-4064-9D4E-CC7D244BCA04}" type="slidenum">
-              <a:rPr lang="zh-CN" altLang="en-US" smtClean="0"/>
-              <a:t>13</a:t>
-            </a:fld>
-            <a:endParaRPr lang="zh-CN" altLang="en-US" dirty="0"/>
-          </a:p>
-        </p:txBody>
-      </p:sp>
-      <p:sp>
-        <p:nvSpPr>
-          <p:cNvPr id="1048677" name="文本框 7"/>
-          <p:cNvSpPr txBox="1"/>
-          <p:nvPr/>
-        </p:nvSpPr>
-        <p:spPr>
-          <a:xfrm>
-            <a:off x="400050" y="935355"/>
-            <a:ext cx="11563350" cy="461665"/>
-          </a:xfrm>
-          <a:prstGeom prst="rect">
-            <a:avLst/>
-          </a:prstGeom>
-          <a:noFill/>
-        </p:spPr>
-        <p:txBody>
-          <a:bodyPr wrap="square" rtlCol="0" anchor="t">
-            <a:spAutoFit/>
-          </a:bodyPr>
-          <a:lstStyle/>
-          <a:p>
-            <a:pPr algn="l"/>
-            <a:r>
-              <a:rPr lang="zh-CN" altLang="en-US" sz="2400" dirty="0">
-                <a:latin typeface="+mn-ea"/>
-                <a:sym typeface="+mn-ea"/>
-              </a:rPr>
-              <a:t>同上</a:t>
-            </a:r>
-            <a:endParaRPr lang="zh-CN" sz="2400" dirty="0">
-              <a:latin typeface="+mn-ea"/>
-            </a:endParaRPr>
-          </a:p>
-        </p:txBody>
-      </p:sp>
-    </p:spTree>
-  </p:cSld>
-  <p:clrMapOvr>
-    <a:masterClrMapping/>
-  </p:clrMapOvr>
-</p:sld>
-</file>
-
-<file path=ppt/slides/slide14.xml><?xml version="1.0" encoding="utf-8"?>
-<p:sld xmlns:a="http://schemas.openxmlformats.org/drawingml/2006/main" xmlns:r="http://schemas.openxmlformats.org/officeDocument/2006/relationships" xmlns:p="http://schemas.openxmlformats.org/presentationml/2006/main">
-  <p:cSld>
-    <p:spTree>
-      <p:nvGrpSpPr>
-        <p:cNvPr id="1" name=""/>
-        <p:cNvGrpSpPr/>
-        <p:nvPr/>
-      </p:nvGrpSpPr>
-      <p:grpSpPr>
-        <a:xfrm>
-          <a:off x="0" y="0"/>
-          <a:ext cx="0" cy="0"/>
-          <a:chOff x="0" y="0"/>
-          <a:chExt cx="0" cy="0"/>
-        </a:xfrm>
-      </p:grpSpPr>
-      <p:sp>
-        <p:nvSpPr>
-          <p:cNvPr id="1048701" name="文本框 10"/>
-          <p:cNvSpPr txBox="1"/>
-          <p:nvPr/>
-        </p:nvSpPr>
-        <p:spPr>
-          <a:xfrm>
-            <a:off x="756919" y="200670"/>
-            <a:ext cx="10801351" cy="521970"/>
-          </a:xfrm>
-          <a:prstGeom prst="rect">
-            <a:avLst/>
-          </a:prstGeom>
-          <a:noFill/>
-        </p:spPr>
-        <p:txBody>
-          <a:bodyPr wrap="square" rtlCol="0">
-            <a:spAutoFit/>
-          </a:bodyPr>
-          <a:lstStyle/>
-          <a:p>
-            <a:r>
-              <a:rPr lang="zh-CN" sz="2800" b="1" dirty="0">
-                <a:latin typeface="微软雅黑" panose="020B0503020204020204" pitchFamily="34" charset="-122"/>
-                <a:sym typeface="+mn-ea"/>
-              </a:rPr>
-              <a:t>任务三完成情况</a:t>
-            </a:r>
-            <a:endParaRPr lang="zh-CN" altLang="en-US" sz="2800" b="1" dirty="0">
-              <a:latin typeface="微软雅黑" panose="020B0503020204020204" pitchFamily="34" charset="-122"/>
-            </a:endParaRPr>
-          </a:p>
-        </p:txBody>
-      </p:sp>
-      <p:sp>
-        <p:nvSpPr>
-          <p:cNvPr id="1048702" name="灯片编号占位符 3"/>
-          <p:cNvSpPr>
-            <a:spLocks noGrp="1"/>
-          </p:cNvSpPr>
-          <p:nvPr>
-            <p:ph type="sldNum" sz="quarter" idx="12"/>
-          </p:nvPr>
-        </p:nvSpPr>
-        <p:spPr/>
-        <p:txBody>
-          <a:bodyPr/>
-          <a:lstStyle/>
-          <a:p>
-            <a:fld id="{51D91E7F-84B6-4064-9D4E-CC7D244BCA04}" type="slidenum">
-              <a:rPr lang="zh-CN" altLang="en-US" smtClean="0"/>
-              <a:t>14</a:t>
-            </a:fld>
-            <a:endParaRPr lang="zh-CN" altLang="en-US" dirty="0"/>
-          </a:p>
-        </p:txBody>
-      </p:sp>
-      <p:sp>
-        <p:nvSpPr>
-          <p:cNvPr id="1048703" name="文本框 7"/>
-          <p:cNvSpPr txBox="1"/>
-          <p:nvPr/>
-        </p:nvSpPr>
-        <p:spPr>
-          <a:xfrm>
-            <a:off x="400050" y="935355"/>
-            <a:ext cx="11563350" cy="447040"/>
-          </a:xfrm>
-          <a:prstGeom prst="rect">
-            <a:avLst/>
-          </a:prstGeom>
-          <a:noFill/>
-        </p:spPr>
-        <p:txBody>
-          <a:bodyPr wrap="square" rtlCol="0" anchor="t">
-            <a:spAutoFit/>
-          </a:bodyPr>
-          <a:lstStyle/>
-          <a:p>
-            <a:pPr algn="l"/>
-            <a:r>
-              <a:rPr lang="zh-CN" altLang="en-US" sz="2400" dirty="0">
-                <a:latin typeface="+mn-ea"/>
-                <a:sym typeface="+mn-ea"/>
-              </a:rPr>
-              <a:t>一句话说明即可</a:t>
-            </a:r>
-            <a:r>
-              <a:rPr lang="en-US" altLang="zh-CN" sz="2400" dirty="0">
-                <a:latin typeface="+mn-ea"/>
-                <a:sym typeface="+mn-ea"/>
-              </a:rPr>
-              <a:t>(</a:t>
-            </a:r>
-            <a:r>
-              <a:rPr lang="zh-CN" altLang="zh-CN" sz="2400" dirty="0">
-                <a:latin typeface="+mn-ea"/>
-                <a:sym typeface="+mn-ea"/>
-              </a:rPr>
-              <a:t>附图</a:t>
-            </a:r>
-            <a:r>
-              <a:rPr lang="en-US" altLang="zh-CN" sz="2400" dirty="0">
-                <a:latin typeface="+mn-ea"/>
-                <a:sym typeface="+mn-ea"/>
-              </a:rPr>
-              <a:t>)</a:t>
-            </a:r>
-            <a:endParaRPr lang="zh-CN" sz="2400" dirty="0">
-              <a:latin typeface="+mn-ea"/>
-            </a:endParaRPr>
-          </a:p>
-        </p:txBody>
-      </p:sp>
-    </p:spTree>
-  </p:cSld>
-  <p:clrMapOvr>
-    <a:masterClrMapping/>
-  </p:clrMapOvr>
-</p:sld>
-</file>
-
-<file path=ppt/slides/slide15.xml><?xml version="1.0" encoding="utf-8"?>
+<file path=ppt/slides/slide17.xml><?xml version="1.0" encoding="utf-8"?>
 <p:sld xmlns:a="http://schemas.openxmlformats.org/drawingml/2006/main" xmlns:r="http://schemas.openxmlformats.org/officeDocument/2006/relationships" xmlns:p="http://schemas.openxmlformats.org/presentationml/2006/main">
   <p:cSld>
     <p:spTree>
@@ -6200,7 +8138,7 @@
 </p:sld>
 </file>
 
-<file path=ppt/slides/slide16.xml><?xml version="1.0" encoding="utf-8"?>
+<file path=ppt/slides/slide18.xml><?xml version="1.0" encoding="utf-8"?>
 <p:sld xmlns:a="http://schemas.openxmlformats.org/drawingml/2006/main" xmlns:r="http://schemas.openxmlformats.org/officeDocument/2006/relationships" xmlns:p="http://schemas.openxmlformats.org/presentationml/2006/main">
   <p:cSld>
     <p:spTree>
@@ -6265,647 +8203,57 @@
           <a:p>
             <a:fld id="{51D91E7F-84B6-4064-9D4E-CC7D244BCA04}" type="slidenum">
               <a:rPr lang="zh-CN" altLang="en-US" smtClean="0"/>
-              <a:t>16</a:t>
+              <a:t>18</a:t>
             </a:fld>
             <a:endParaRPr lang="zh-CN" altLang="en-US" dirty="0"/>
           </a:p>
         </p:txBody>
       </p:sp>
-      <p:sp>
-        <p:nvSpPr>
-          <p:cNvPr id="1048711" name="矩形 4"/>
-          <p:cNvSpPr/>
+      <p:pic>
+        <p:nvPicPr>
+          <p:cNvPr id="9" name="图片 8">
+            <a:extLst>
+              <a:ext uri="{FF2B5EF4-FFF2-40B4-BE49-F238E27FC236}">
+                <a16:creationId xmlns:a16="http://schemas.microsoft.com/office/drawing/2014/main" id="{33A1B845-C820-B34B-8E47-AFE697E1B2D8}"/>
+              </a:ext>
+            </a:extLst>
+          </p:cNvPr>
+          <p:cNvPicPr>
+            <a:picLocks noChangeAspect="1"/>
+          </p:cNvPicPr>
           <p:nvPr/>
-        </p:nvSpPr>
+        </p:nvPicPr>
+        <p:blipFill>
+          <a:blip r:embed="rId3">
+            <a:extLst>
+              <a:ext uri="{28A0092B-C50C-407E-A947-70E740481C1C}">
+                <a14:useLocalDpi xmlns:a14="http://schemas.microsoft.com/office/drawing/2010/main" val="0"/>
+              </a:ext>
+            </a:extLst>
+          </a:blip>
+          <a:stretch>
+            <a:fillRect/>
+          </a:stretch>
+        </p:blipFill>
         <p:spPr>
           <a:xfrm>
-            <a:off x="790482" y="2730371"/>
-            <a:ext cx="2970063" cy="2225040"/>
+            <a:off x="695324" y="1225274"/>
+            <a:ext cx="10712494" cy="4274378"/>
           </a:xfrm>
           <a:prstGeom prst="rect">
             <a:avLst/>
           </a:prstGeom>
         </p:spPr>
-        <p:txBody>
-          <a:bodyPr wrap="square">
-            <a:spAutoFit/>
-          </a:bodyPr>
-          <a:lstStyle/>
-          <a:p>
-            <a:pPr algn="ctr">
-              <a:lnSpc>
-                <a:spcPct val="150000"/>
-              </a:lnSpc>
-            </a:pPr>
-            <a:r>
-              <a:rPr lang="zh-CN" altLang="en-US" sz="2400" b="1" dirty="0">
-                <a:solidFill>
-                  <a:schemeClr val="bg1"/>
-                </a:solidFill>
-              </a:rPr>
-              <a:t>最近工作和生活都有些懈怠，事情比较多比较杂，搅在一起让人丧失了动力</a:t>
-            </a:r>
-            <a:endParaRPr lang="en-US" altLang="zh-CN" sz="2400" b="1" dirty="0">
-              <a:solidFill>
-                <a:schemeClr val="bg1"/>
-              </a:solidFill>
-            </a:endParaRPr>
-          </a:p>
-        </p:txBody>
-      </p:sp>
-      <p:sp>
-        <p:nvSpPr>
-          <p:cNvPr id="1048712" name="矩形 5"/>
-          <p:cNvSpPr/>
-          <p:nvPr/>
-        </p:nvSpPr>
-        <p:spPr>
-          <a:xfrm>
-            <a:off x="4658548" y="2730371"/>
-            <a:ext cx="2970062" cy="2225040"/>
-          </a:xfrm>
-          <a:prstGeom prst="rect">
-            <a:avLst/>
-          </a:prstGeom>
-        </p:spPr>
-        <p:txBody>
-          <a:bodyPr wrap="square">
-            <a:spAutoFit/>
-          </a:bodyPr>
-          <a:lstStyle/>
-          <a:p>
-            <a:pPr algn="ctr">
-              <a:lnSpc>
-                <a:spcPct val="150000"/>
-              </a:lnSpc>
-            </a:pPr>
-            <a:r>
-              <a:rPr lang="zh-CN" altLang="en-US" sz="2400" b="1" dirty="0">
-                <a:solidFill>
-                  <a:schemeClr val="bg1"/>
-                </a:solidFill>
-              </a:rPr>
-              <a:t>这段时间，追完了一部剧叫琅琊榜，看了几部电影，其中推荐</a:t>
-            </a:r>
-            <a:r>
-              <a:rPr lang="en-US" altLang="zh-CN" sz="2400" b="1" dirty="0">
-                <a:solidFill>
-                  <a:schemeClr val="bg1"/>
-                </a:solidFill>
-              </a:rPr>
-              <a:t>Inside Out</a:t>
-            </a:r>
-          </a:p>
-        </p:txBody>
-      </p:sp>
-      <p:sp>
-        <p:nvSpPr>
-          <p:cNvPr id="1048713" name="矩形 12"/>
-          <p:cNvSpPr/>
-          <p:nvPr/>
-        </p:nvSpPr>
-        <p:spPr>
-          <a:xfrm>
-            <a:off x="4658548" y="1883782"/>
-            <a:ext cx="1897380" cy="510540"/>
-          </a:xfrm>
-          <a:prstGeom prst="rect">
-            <a:avLst/>
-          </a:prstGeom>
-        </p:spPr>
-        <p:txBody>
-          <a:bodyPr wrap="none">
-            <a:spAutoFit/>
-          </a:bodyPr>
-          <a:lstStyle/>
-          <a:p>
-            <a:pPr>
-              <a:lnSpc>
-                <a:spcPct val="150000"/>
-              </a:lnSpc>
-            </a:pPr>
-            <a:r>
-              <a:rPr lang="en-US" altLang="zh-CN" sz="2800" b="1" dirty="0">
-                <a:solidFill>
-                  <a:schemeClr val="bg1"/>
-                </a:solidFill>
-                <a:latin typeface="Times New Roman" panose="02020603050405020304" pitchFamily="18" charset="0"/>
-                <a:cs typeface="Times New Roman" panose="02020603050405020304" pitchFamily="18" charset="0"/>
-              </a:rPr>
-              <a:t>PART TWO</a:t>
-            </a:r>
-          </a:p>
-        </p:txBody>
-      </p:sp>
-      <p:sp>
-        <p:nvSpPr>
-          <p:cNvPr id="1048714" name="矩形 13"/>
-          <p:cNvSpPr/>
-          <p:nvPr/>
-        </p:nvSpPr>
-        <p:spPr>
-          <a:xfrm>
-            <a:off x="8526613" y="1883782"/>
-            <a:ext cx="2214880" cy="510540"/>
-          </a:xfrm>
-          <a:prstGeom prst="rect">
-            <a:avLst/>
-          </a:prstGeom>
-        </p:spPr>
-        <p:txBody>
-          <a:bodyPr wrap="none">
-            <a:spAutoFit/>
-          </a:bodyPr>
-          <a:lstStyle/>
-          <a:p>
-            <a:pPr>
-              <a:lnSpc>
-                <a:spcPct val="150000"/>
-              </a:lnSpc>
-            </a:pPr>
-            <a:r>
-              <a:rPr lang="en-US" altLang="zh-CN" sz="2800" b="1" dirty="0">
-                <a:solidFill>
-                  <a:schemeClr val="bg1"/>
-                </a:solidFill>
-                <a:latin typeface="Times New Roman" panose="02020603050405020304" pitchFamily="18" charset="0"/>
-                <a:cs typeface="Times New Roman" panose="02020603050405020304" pitchFamily="18" charset="0"/>
-              </a:rPr>
-              <a:t>PART THREE</a:t>
-            </a:r>
-          </a:p>
-        </p:txBody>
-      </p:sp>
-      <p:sp>
-        <p:nvSpPr>
-          <p:cNvPr id="1048715" name="矩形 14"/>
-          <p:cNvSpPr/>
-          <p:nvPr/>
-        </p:nvSpPr>
-        <p:spPr>
-          <a:xfrm>
-            <a:off x="8526613" y="2730371"/>
-            <a:ext cx="2970062" cy="2225040"/>
-          </a:xfrm>
-          <a:prstGeom prst="rect">
-            <a:avLst/>
-          </a:prstGeom>
-        </p:spPr>
-        <p:txBody>
-          <a:bodyPr wrap="square">
-            <a:spAutoFit/>
-          </a:bodyPr>
-          <a:lstStyle/>
-          <a:p>
-            <a:pPr algn="ctr">
-              <a:lnSpc>
-                <a:spcPct val="150000"/>
-              </a:lnSpc>
-            </a:pPr>
-            <a:r>
-              <a:rPr lang="zh-CN" altLang="en-US" sz="2400" b="1" dirty="0">
-                <a:solidFill>
-                  <a:schemeClr val="bg1"/>
-                </a:solidFill>
-              </a:rPr>
-              <a:t>看完了关于如何做科学研究的几本书，只是觉得像喝了几碗鸡汤，然并卵罢了</a:t>
-            </a:r>
-            <a:endParaRPr lang="en-US" altLang="zh-CN" sz="2400" b="1" dirty="0">
-              <a:solidFill>
-                <a:schemeClr val="bg1"/>
-              </a:solidFill>
-            </a:endParaRPr>
-          </a:p>
-        </p:txBody>
-      </p:sp>
-      <p:sp>
-        <p:nvSpPr>
-          <p:cNvPr id="1048716" name="矩形 2"/>
-          <p:cNvSpPr/>
-          <p:nvPr/>
-        </p:nvSpPr>
-        <p:spPr>
-          <a:xfrm>
-            <a:off x="1059815" y="1513624"/>
-            <a:ext cx="10801350" cy="3519618"/>
-          </a:xfrm>
-          <a:prstGeom prst="rect">
-            <a:avLst/>
-          </a:prstGeom>
-        </p:spPr>
-        <p:txBody>
-          <a:bodyPr wrap="square">
-            <a:spAutoFit/>
-          </a:bodyPr>
-          <a:lstStyle/>
-          <a:p>
-            <a:pPr indent="0">
-              <a:lnSpc>
-                <a:spcPct val="125000"/>
-              </a:lnSpc>
-              <a:buFont typeface="Wingdings" panose="05000000000000000000" pitchFamily="2" charset="2"/>
-              <a:buNone/>
-            </a:pPr>
-            <a:endParaRPr lang="zh-CN" altLang="en-US" sz="2000" dirty="0">
-              <a:sym typeface="+mn-ea"/>
-            </a:endParaRPr>
-          </a:p>
-          <a:p>
-            <a:pPr marL="285750" indent="-285750">
-              <a:lnSpc>
-                <a:spcPct val="125000"/>
-              </a:lnSpc>
-              <a:buFont typeface="Wingdings" panose="05000000000000000000" pitchFamily="2" charset="2"/>
-              <a:buChar char="n"/>
-            </a:pPr>
-            <a:r>
-              <a:rPr lang="zh-CN" altLang="en-US" sz="2000" dirty="0"/>
-              <a:t>继续加入新的性质计算，增加检测的全面性</a:t>
-            </a:r>
-            <a:r>
-              <a:rPr lang="zh-CN" altLang="en-US" sz="2000" dirty="0">
-                <a:sym typeface="+mn-ea"/>
-              </a:rPr>
-              <a:t>。</a:t>
-            </a:r>
-            <a:endParaRPr lang="en-US" altLang="zh-CN" sz="2000" dirty="0">
-              <a:sym typeface="+mn-ea"/>
-            </a:endParaRPr>
-          </a:p>
-          <a:p>
-            <a:pPr>
-              <a:lnSpc>
-                <a:spcPct val="125000"/>
-              </a:lnSpc>
-            </a:pPr>
-            <a:endParaRPr lang="en-US" altLang="zh-CN" sz="2000" dirty="0">
-              <a:sym typeface="+mn-ea"/>
-            </a:endParaRPr>
-          </a:p>
-          <a:p>
-            <a:pPr marL="285750" indent="-285750">
-              <a:lnSpc>
-                <a:spcPct val="125000"/>
-              </a:lnSpc>
-              <a:buFont typeface="Wingdings" panose="05000000000000000000" pitchFamily="2" charset="2"/>
-              <a:buChar char="n"/>
-            </a:pPr>
-            <a:r>
-              <a:rPr lang="zh-CN" altLang="en-US" sz="2000" dirty="0"/>
-              <a:t>设计用户友好的软件界面</a:t>
-            </a:r>
-            <a:r>
-              <a:rPr lang="zh-CN" altLang="en-US" sz="2000" dirty="0">
-                <a:sym typeface="+mn-ea"/>
-              </a:rPr>
-              <a:t>。</a:t>
-            </a:r>
-            <a:endParaRPr lang="zh-CN" altLang="en-US" dirty="0"/>
-          </a:p>
-          <a:p>
-            <a:pPr indent="0">
-              <a:lnSpc>
-                <a:spcPct val="125000"/>
-              </a:lnSpc>
-              <a:buFont typeface="Wingdings" panose="05000000000000000000" pitchFamily="2" charset="2"/>
-              <a:buNone/>
-            </a:pPr>
-            <a:endParaRPr lang="zh-CN" altLang="en-US" sz="2000" dirty="0">
-              <a:sym typeface="+mn-ea"/>
-            </a:endParaRPr>
-          </a:p>
-          <a:p>
-            <a:pPr marL="285750" indent="-285750">
-              <a:lnSpc>
-                <a:spcPct val="125000"/>
-              </a:lnSpc>
-              <a:buFont typeface="Wingdings" panose="05000000000000000000" pitchFamily="2" charset="2"/>
-              <a:buChar char="n"/>
-            </a:pPr>
-            <a:r>
-              <a:rPr lang="zh-CN" altLang="en-US" sz="2000" dirty="0"/>
-              <a:t>对软件的性能进行测试。</a:t>
-            </a:r>
-          </a:p>
-          <a:p>
-            <a:pPr>
-              <a:lnSpc>
-                <a:spcPct val="125000"/>
-              </a:lnSpc>
-            </a:pPr>
-            <a:endParaRPr lang="zh-CN" altLang="en-US" sz="2000" dirty="0">
-              <a:sym typeface="+mn-ea"/>
-            </a:endParaRPr>
-          </a:p>
-          <a:p>
-            <a:pPr marL="285750" indent="-285750">
-              <a:lnSpc>
-                <a:spcPct val="125000"/>
-              </a:lnSpc>
-              <a:buFont typeface="Wingdings" panose="05000000000000000000" pitchFamily="2" charset="2"/>
-              <a:buChar char="n"/>
-            </a:pPr>
-            <a:r>
-              <a:rPr lang="zh-CN" altLang="en-US" sz="2000" dirty="0">
-                <a:sym typeface="+mn-ea"/>
-              </a:rPr>
-              <a:t>完成毕业论文的撰写。</a:t>
-            </a:r>
-            <a:endParaRPr lang="zh-CN" altLang="en-US" dirty="0"/>
-          </a:p>
-          <a:p>
-            <a:pPr marL="285750" indent="-285750">
-              <a:lnSpc>
-                <a:spcPct val="125000"/>
-              </a:lnSpc>
-              <a:buFont typeface="Wingdings" panose="05000000000000000000" pitchFamily="2" charset="2"/>
-              <a:buChar char="n"/>
-            </a:pPr>
-            <a:endParaRPr lang="zh-CN" altLang="en-US" sz="2000" dirty="0">
-              <a:latin typeface="+mn-ea"/>
-              <a:sym typeface="+mn-ea"/>
-            </a:endParaRPr>
-          </a:p>
-        </p:txBody>
-      </p:sp>
+      </p:pic>
     </p:spTree>
   </p:cSld>
   <p:clrMapOvr>
     <a:masterClrMapping/>
   </p:clrMapOvr>
-  <p:timing>
-    <p:tnLst>
-      <p:par>
-        <p:cTn id="1" dur="indefinite" restart="never" nodeType="tmRoot">
-          <p:childTnLst>
-            <p:seq concurrent="1" nextAc="seek">
-              <p:cTn id="2" dur="indefinite" nodeType="mainSeq">
-                <p:childTnLst>
-                  <p:par>
-                    <p:cTn id="3" fill="hold">
-                      <p:stCondLst>
-                        <p:cond delay="indefinite"/>
-                        <p:cond evt="onBegin" delay="0">
-                          <p:tn val="2"/>
-                        </p:cond>
-                      </p:stCondLst>
-                      <p:childTnLst>
-                        <p:par>
-                          <p:cTn id="4" fill="hold">
-                            <p:stCondLst>
-                              <p:cond delay="0"/>
-                            </p:stCondLst>
-                            <p:childTnLst>
-                              <p:par>
-                                <p:cTn id="5" presetID="22" presetClass="entr" presetSubtype="8" fill="hold" grpId="0" nodeType="withEffect">
-                                  <p:stCondLst>
-                                    <p:cond delay="900"/>
-                                  </p:stCondLst>
-                                  <p:childTnLst>
-                                    <p:set>
-                                      <p:cBhvr>
-                                        <p:cTn id="6" dur="1" fill="hold">
-                                          <p:stCondLst>
-                                            <p:cond delay="0"/>
-                                          </p:stCondLst>
-                                        </p:cTn>
-                                        <p:tgtEl>
-                                          <p:spTgt spid="1048711"/>
-                                        </p:tgtEl>
-                                        <p:attrNameLst>
-                                          <p:attrName>style.visibility</p:attrName>
-                                        </p:attrNameLst>
-                                      </p:cBhvr>
-                                      <p:to>
-                                        <p:strVal val="visible"/>
-                                      </p:to>
-                                    </p:set>
-                                    <p:animEffect transition="in" filter="wipe(left)">
-                                      <p:cBhvr>
-                                        <p:cTn id="7" dur="500"/>
-                                        <p:tgtEl>
-                                          <p:spTgt spid="1048711"/>
-                                        </p:tgtEl>
-                                      </p:cBhvr>
-                                    </p:animEffect>
-                                  </p:childTnLst>
-                                </p:cTn>
-                              </p:par>
-                              <p:par>
-                                <p:cTn id="8" presetID="22" presetClass="entr" presetSubtype="8" fill="hold" grpId="0" nodeType="withEffect">
-                                  <p:stCondLst>
-                                    <p:cond delay="1200"/>
-                                  </p:stCondLst>
-                                  <p:childTnLst>
-                                    <p:set>
-                                      <p:cBhvr>
-                                        <p:cTn id="9" dur="1" fill="hold">
-                                          <p:stCondLst>
-                                            <p:cond delay="0"/>
-                                          </p:stCondLst>
-                                        </p:cTn>
-                                        <p:tgtEl>
-                                          <p:spTgt spid="1048713"/>
-                                        </p:tgtEl>
-                                        <p:attrNameLst>
-                                          <p:attrName>style.visibility</p:attrName>
-                                        </p:attrNameLst>
-                                      </p:cBhvr>
-                                      <p:to>
-                                        <p:strVal val="visible"/>
-                                      </p:to>
-                                    </p:set>
-                                    <p:animEffect transition="in" filter="wipe(left)">
-                                      <p:cBhvr>
-                                        <p:cTn id="10" dur="500"/>
-                                        <p:tgtEl>
-                                          <p:spTgt spid="1048713"/>
-                                        </p:tgtEl>
-                                      </p:cBhvr>
-                                    </p:animEffect>
-                                  </p:childTnLst>
-                                </p:cTn>
-                              </p:par>
-                              <p:par>
-                                <p:cTn id="11" presetID="22" presetClass="entr" presetSubtype="8" fill="hold" grpId="0" nodeType="withEffect">
-                                  <p:stCondLst>
-                                    <p:cond delay="1200"/>
-                                  </p:stCondLst>
-                                  <p:childTnLst>
-                                    <p:set>
-                                      <p:cBhvr>
-                                        <p:cTn id="12" dur="1" fill="hold">
-                                          <p:stCondLst>
-                                            <p:cond delay="0"/>
-                                          </p:stCondLst>
-                                        </p:cTn>
-                                        <p:tgtEl>
-                                          <p:spTgt spid="1048712"/>
-                                        </p:tgtEl>
-                                        <p:attrNameLst>
-                                          <p:attrName>style.visibility</p:attrName>
-                                        </p:attrNameLst>
-                                      </p:cBhvr>
-                                      <p:to>
-                                        <p:strVal val="visible"/>
-                                      </p:to>
-                                    </p:set>
-                                    <p:animEffect transition="in" filter="wipe(left)">
-                                      <p:cBhvr>
-                                        <p:cTn id="13" dur="500"/>
-                                        <p:tgtEl>
-                                          <p:spTgt spid="1048712"/>
-                                        </p:tgtEl>
-                                      </p:cBhvr>
-                                    </p:animEffect>
-                                  </p:childTnLst>
-                                </p:cTn>
-                              </p:par>
-                              <p:par>
-                                <p:cTn id="14" presetID="22" presetClass="entr" presetSubtype="8" fill="hold" grpId="0" nodeType="withEffect">
-                                  <p:stCondLst>
-                                    <p:cond delay="1500"/>
-                                  </p:stCondLst>
-                                  <p:childTnLst>
-                                    <p:set>
-                                      <p:cBhvr>
-                                        <p:cTn id="15" dur="1" fill="hold">
-                                          <p:stCondLst>
-                                            <p:cond delay="0"/>
-                                          </p:stCondLst>
-                                        </p:cTn>
-                                        <p:tgtEl>
-                                          <p:spTgt spid="1048714"/>
-                                        </p:tgtEl>
-                                        <p:attrNameLst>
-                                          <p:attrName>style.visibility</p:attrName>
-                                        </p:attrNameLst>
-                                      </p:cBhvr>
-                                      <p:to>
-                                        <p:strVal val="visible"/>
-                                      </p:to>
-                                    </p:set>
-                                    <p:animEffect transition="in" filter="wipe(left)">
-                                      <p:cBhvr>
-                                        <p:cTn id="16" dur="500"/>
-                                        <p:tgtEl>
-                                          <p:spTgt spid="1048714"/>
-                                        </p:tgtEl>
-                                      </p:cBhvr>
-                                    </p:animEffect>
-                                  </p:childTnLst>
-                                </p:cTn>
-                              </p:par>
-                              <p:par>
-                                <p:cTn id="17" presetID="22" presetClass="entr" presetSubtype="8" fill="hold" grpId="0" nodeType="withEffect">
-                                  <p:stCondLst>
-                                    <p:cond delay="1500"/>
-                                  </p:stCondLst>
-                                  <p:childTnLst>
-                                    <p:set>
-                                      <p:cBhvr>
-                                        <p:cTn id="18" dur="1" fill="hold">
-                                          <p:stCondLst>
-                                            <p:cond delay="0"/>
-                                          </p:stCondLst>
-                                        </p:cTn>
-                                        <p:tgtEl>
-                                          <p:spTgt spid="1048715"/>
-                                        </p:tgtEl>
-                                        <p:attrNameLst>
-                                          <p:attrName>style.visibility</p:attrName>
-                                        </p:attrNameLst>
-                                      </p:cBhvr>
-                                      <p:to>
-                                        <p:strVal val="visible"/>
-                                      </p:to>
-                                    </p:set>
-                                    <p:animEffect transition="in" filter="wipe(left)">
-                                      <p:cBhvr>
-                                        <p:cTn id="19" dur="500"/>
-                                        <p:tgtEl>
-                                          <p:spTgt spid="1048715"/>
-                                        </p:tgtEl>
-                                      </p:cBhvr>
-                                    </p:animEffect>
-                                  </p:childTnLst>
-                                </p:cTn>
-                              </p:par>
-                              <p:par>
-                                <p:cTn id="20" presetID="22" presetClass="entr" presetSubtype="8" fill="hold" grpId="0" nodeType="withEffect">
-                                  <p:stCondLst>
-                                    <p:cond delay="300"/>
-                                  </p:stCondLst>
-                                  <p:childTnLst>
-                                    <p:set>
-                                      <p:cBhvr>
-                                        <p:cTn id="21" dur="1" fill="hold">
-                                          <p:stCondLst>
-                                            <p:cond delay="0"/>
-                                          </p:stCondLst>
-                                        </p:cTn>
-                                        <p:tgtEl>
-                                          <p:spTgt spid="1048716"/>
-                                        </p:tgtEl>
-                                        <p:attrNameLst>
-                                          <p:attrName>style.visibility</p:attrName>
-                                        </p:attrNameLst>
-                                      </p:cBhvr>
-                                      <p:to>
-                                        <p:strVal val="visible"/>
-                                      </p:to>
-                                    </p:set>
-                                    <p:animEffect transition="in" filter="wipe(left)">
-                                      <p:cBhvr>
-                                        <p:cTn id="22" dur="500"/>
-                                        <p:tgtEl>
-                                          <p:spTgt spid="1048716"/>
-                                        </p:tgtEl>
-                                      </p:cBhvr>
-                                    </p:animEffect>
-                                  </p:childTnLst>
-                                </p:cTn>
-                              </p:par>
-                            </p:childTnLst>
-                          </p:cTn>
-                        </p:par>
-                      </p:childTnLst>
-                    </p:cTn>
-                  </p:par>
-                </p:childTnLst>
-              </p:cTn>
-              <p:prevCondLst>
-                <p:cond evt="onPrev" delay="0">
-                  <p:tgtEl>
-                    <p:sldTgt/>
-                  </p:tgtEl>
-                </p:cond>
-              </p:prevCondLst>
-              <p:nextCondLst>
-                <p:cond evt="onNext" delay="0">
-                  <p:tgtEl>
-                    <p:sldTgt/>
-                  </p:tgtEl>
-                </p:cond>
-              </p:nextCondLst>
-            </p:seq>
-          </p:childTnLst>
-        </p:cTn>
-      </p:par>
-    </p:tnLst>
-    <p:bldLst>
-      <p:bldP spid="1048711" grpId="0"/>
-      <p:bldP spid="1048712" grpId="0"/>
-      <p:bldP spid="1048713" grpId="0"/>
-      <p:bldP spid="1048714" grpId="0"/>
-      <p:bldP spid="1048715" grpId="0"/>
-      <p:bldP spid="1048716" grpId="0"/>
-    </p:bldLst>
-  </p:timing>
 </p:sld>
 </file>
 
-<file path=ppt/slides/slide17.xml><?xml version="1.0" encoding="utf-8"?>
+<file path=ppt/slides/slide19.xml><?xml version="1.0" encoding="utf-8"?>
 <p:sld xmlns:a="http://schemas.openxmlformats.org/drawingml/2006/main" xmlns:r="http://schemas.openxmlformats.org/officeDocument/2006/relationships" xmlns:p="http://schemas.openxmlformats.org/presentationml/2006/main">
   <p:cSld>
     <p:spTree>
@@ -8714,7 +10062,7 @@
         <p:spPr>
           <a:xfrm>
             <a:off x="0" y="1964284"/>
-            <a:ext cx="12066494" cy="3046988"/>
+            <a:ext cx="12066494" cy="3600986"/>
           </a:xfrm>
           <a:prstGeom prst="rect">
             <a:avLst/>
@@ -8792,7 +10140,19 @@
             </a:r>
             <a:r>
               <a:rPr lang="zh-CN" altLang="en-US" sz="2400" dirty="0"/>
-              <a:t>非线性度、旋转对称性等多个角度考察</a:t>
+              <a:t>非线性度、旋转对称性、输入输出相关性等多个角度来考察</a:t>
+            </a:r>
+            <a:endParaRPr lang="en-US" altLang="zh-CN" sz="2400" dirty="0"/>
+          </a:p>
+          <a:p>
+            <a:pPr>
+              <a:lnSpc>
+                <a:spcPct val="150000"/>
+              </a:lnSpc>
+            </a:pPr>
+            <a:r>
+              <a:rPr lang="zh-CN" altLang="en-US" sz="2400" dirty="0"/>
+              <a:t>   </a:t>
             </a:r>
             <a:r>
               <a:rPr lang="en-US" altLang="zh-CN" sz="2400" dirty="0"/>
@@ -9145,15 +10505,33 @@
                                   </p:childTnLst>
                                 </p:cTn>
                               </p:par>
+                            </p:childTnLst>
+                          </p:cTn>
+                        </p:par>
+                      </p:childTnLst>
+                    </p:cTn>
+                  </p:par>
+                  <p:par>
+                    <p:cTn id="21" fill="hold">
+                      <p:stCondLst>
+                        <p:cond delay="indefinite"/>
+                      </p:stCondLst>
+                      <p:childTnLst>
+                        <p:par>
+                          <p:cTn id="22" fill="hold">
+                            <p:stCondLst>
+                              <p:cond delay="0"/>
+                            </p:stCondLst>
+                            <p:childTnLst>
                               <p:par>
-                                <p:cTn id="21" presetID="12" presetClass="entr" presetSubtype="4" fill="hold" nodeType="withEffect">
+                                <p:cTn id="23" presetID="12" presetClass="entr" presetSubtype="4" fill="hold" nodeType="clickEffect">
                                   <p:stCondLst>
                                     <p:cond delay="0"/>
                                   </p:stCondLst>
                                   <p:childTnLst>
                                     <p:set>
                                       <p:cBhvr>
-                                        <p:cTn id="22" dur="1" fill="hold">
+                                        <p:cTn id="24" dur="1" fill="hold">
                                           <p:stCondLst>
                                             <p:cond delay="0"/>
                                           </p:stCondLst>
@@ -9175,7 +10553,7 @@
                                     </p:set>
                                     <p:anim calcmode="lin" valueType="num">
                                       <p:cBhvr additive="base">
-                                        <p:cTn id="23" dur="10"/>
+                                        <p:cTn id="25" dur="10"/>
                                         <p:tgtEl>
                                           <p:spTgt spid="9">
                                             <p:txEl>
@@ -9202,11 +10580,81 @@
                                     </p:anim>
                                     <p:animEffect transition="in" filter="wipe(up)">
                                       <p:cBhvr>
-                                        <p:cTn id="24" dur="10"/>
+                                        <p:cTn id="26" dur="10"/>
                                         <p:tgtEl>
                                           <p:spTgt spid="9">
                                             <p:txEl>
                                               <p:pRg st="5" end="5"/>
+                                            </p:txEl>
+                                          </p:spTgt>
+                                        </p:tgtEl>
+                                      </p:cBhvr>
+                                    </p:animEffect>
+                                  </p:childTnLst>
+                                </p:cTn>
+                              </p:par>
+                              <p:par>
+                                <p:cTn id="27" presetID="12" presetClass="entr" presetSubtype="4" fill="hold" nodeType="withEffect">
+                                  <p:stCondLst>
+                                    <p:cond delay="0"/>
+                                  </p:stCondLst>
+                                  <p:childTnLst>
+                                    <p:set>
+                                      <p:cBhvr>
+                                        <p:cTn id="28" dur="1" fill="hold">
+                                          <p:stCondLst>
+                                            <p:cond delay="0"/>
+                                          </p:stCondLst>
+                                        </p:cTn>
+                                        <p:tgtEl>
+                                          <p:spTgt spid="9">
+                                            <p:txEl>
+                                              <p:pRg st="6" end="6"/>
+                                            </p:txEl>
+                                          </p:spTgt>
+                                        </p:tgtEl>
+                                        <p:attrNameLst>
+                                          <p:attrName>style.visibility</p:attrName>
+                                        </p:attrNameLst>
+                                      </p:cBhvr>
+                                      <p:to>
+                                        <p:strVal val="visible"/>
+                                      </p:to>
+                                    </p:set>
+                                    <p:anim calcmode="lin" valueType="num">
+                                      <p:cBhvr additive="base">
+                                        <p:cTn id="29" dur="10"/>
+                                        <p:tgtEl>
+                                          <p:spTgt spid="9">
+                                            <p:txEl>
+                                              <p:pRg st="6" end="6"/>
+                                            </p:txEl>
+                                          </p:spTgt>
+                                        </p:tgtEl>
+                                        <p:attrNameLst>
+                                          <p:attrName>ppt_y</p:attrName>
+                                        </p:attrNameLst>
+                                      </p:cBhvr>
+                                      <p:tavLst>
+                                        <p:tav tm="0">
+                                          <p:val>
+                                            <p:strVal val="#ppt_y+#ppt_h*1.125000"/>
+                                          </p:val>
+                                        </p:tav>
+                                        <p:tav tm="100000">
+                                          <p:val>
+                                            <p:strVal val="#ppt_y"/>
+                                          </p:val>
+                                        </p:tav>
+                                      </p:tavLst>
+                                    </p:anim>
+                                    <p:animEffect transition="in" filter="wipe(up)">
+                                      <p:cBhvr>
+                                        <p:cTn id="30" dur="10"/>
+                                        <p:tgtEl>
+                                          <p:spTgt spid="9">
+                                            <p:txEl>
+                                              <p:pRg st="6" end="6"/>
                                             </p:txEl>
                                           </p:spTgt>
                                         </p:tgtEl>
@@ -9365,14 +10813,631 @@
             </p:custDataLst>
             <p:extLst>
               <p:ext uri="{D42A27DB-BD31-4B8C-83A1-F6EECF244321}">
-                <p14:modId xmlns:p14="http://schemas.microsoft.com/office/powerpoint/2010/main" val="3643455785"/>
+                <p14:modId xmlns:p14="http://schemas.microsoft.com/office/powerpoint/2010/main" val="1639266655"/>
               </p:ext>
             </p:extLst>
           </p:nvPr>
         </p:nvGraphicFramePr>
         <p:xfrm>
           <a:off x="441007" y="968188"/>
-          <a:ext cx="11309985" cy="5479171"/>
+          <a:ext cx="11309985" cy="4782945"/>
+        </p:xfrm>
+        <a:graphic>
+          <a:graphicData uri="http://schemas.openxmlformats.org/drawingml/2006/table">
+            <a:tbl>
+              <a:tblPr firstRow="1" bandRow="1">
+                <a:tableStyleId>{5C22544A-7EE6-4342-B048-85BDC9FD1C3A}</a:tableStyleId>
+              </a:tblPr>
+              <a:tblGrid>
+                <a:gridCol w="4157980">
+                  <a:extLst>
+                    <a:ext uri="{9D8B030D-6E8A-4147-A177-3AD203B41FA5}">
+                      <a16:colId xmlns:a16="http://schemas.microsoft.com/office/drawing/2014/main" val="20000"/>
+                    </a:ext>
+                  </a:extLst>
+                </a:gridCol>
+                <a:gridCol w="5291773">
+                  <a:extLst>
+                    <a:ext uri="{9D8B030D-6E8A-4147-A177-3AD203B41FA5}">
+                      <a16:colId xmlns:a16="http://schemas.microsoft.com/office/drawing/2014/main" val="20001"/>
+                    </a:ext>
+                  </a:extLst>
+                </a:gridCol>
+                <a:gridCol w="1860232">
+                  <a:extLst>
+                    <a:ext uri="{9D8B030D-6E8A-4147-A177-3AD203B41FA5}">
+                      <a16:colId xmlns:a16="http://schemas.microsoft.com/office/drawing/2014/main" val="20002"/>
+                    </a:ext>
+                  </a:extLst>
+                </a:gridCol>
+              </a:tblGrid>
+              <a:tr h="826625">
+                <a:tc>
+                  <a:txBody>
+                    <a:bodyPr/>
+                    <a:lstStyle/>
+                    <a:p>
+                      <a:pPr algn="ctr" fontAlgn="auto">
+                        <a:lnSpc>
+                          <a:spcPct val="125000"/>
+                        </a:lnSpc>
+                        <a:buClrTx/>
+                        <a:buSzTx/>
+                        <a:buFontTx/>
+                        <a:buNone/>
+                      </a:pPr>
+                      <a:r>
+                        <a:rPr lang="en-US" altLang="zh-CN" sz="3600" dirty="0"/>
+                        <a:t> </a:t>
+                      </a:r>
+                      <a:r>
+                        <a:rPr lang="zh-CN" altLang="en-US" sz="3600" dirty="0"/>
+                        <a:t>毕设任务</a:t>
+                      </a:r>
+                    </a:p>
+                  </a:txBody>
+                  <a:tcPr/>
+                </a:tc>
+                <a:tc>
+                  <a:txBody>
+                    <a:bodyPr/>
+                    <a:lstStyle/>
+                    <a:p>
+                      <a:pPr algn="ctr">
+                        <a:lnSpc>
+                          <a:spcPct val="125000"/>
+                        </a:lnSpc>
+                        <a:buClrTx/>
+                        <a:buSzTx/>
+                        <a:buFontTx/>
+                        <a:buNone/>
+                      </a:pPr>
+                      <a:r>
+                        <a:rPr lang="zh-CN" altLang="en-US" sz="3600" dirty="0"/>
+                        <a:t>已完成工作</a:t>
+                      </a:r>
+                    </a:p>
+                  </a:txBody>
+                  <a:tcPr/>
+                </a:tc>
+                <a:tc>
+                  <a:txBody>
+                    <a:bodyPr/>
+                    <a:lstStyle/>
+                    <a:p>
+                      <a:pPr algn="ctr" fontAlgn="auto">
+                        <a:lnSpc>
+                          <a:spcPct val="125000"/>
+                        </a:lnSpc>
+                        <a:buNone/>
+                      </a:pPr>
+                      <a:r>
+                        <a:rPr lang="zh-CN" altLang="en-US" sz="3600" dirty="0"/>
+                        <a:t>百分比</a:t>
+                      </a:r>
+                    </a:p>
+                  </a:txBody>
+                  <a:tcPr/>
+                </a:tc>
+                <a:extLst>
+                  <a:ext uri="{0D108BD9-81ED-4DB2-BD59-A6C34878D82A}">
+                    <a16:rowId xmlns:a16="http://schemas.microsoft.com/office/drawing/2014/main" val="10000"/>
+                  </a:ext>
+                </a:extLst>
+              </a:tr>
+              <a:tr h="1486269">
+                <a:tc>
+                  <a:txBody>
+                    <a:bodyPr/>
+                    <a:lstStyle/>
+                    <a:p>
+                      <a:pPr marL="0" marR="0" lvl="0" indent="0" algn="l" defTabSz="914400" rtl="0" eaLnBrk="1" fontAlgn="auto" latinLnBrk="0" hangingPunct="1">
+                        <a:lnSpc>
+                          <a:spcPct val="150000"/>
+                        </a:lnSpc>
+                        <a:spcBef>
+                          <a:spcPts val="0"/>
+                        </a:spcBef>
+                        <a:spcAft>
+                          <a:spcPts val="0"/>
+                        </a:spcAft>
+                        <a:buClrTx/>
+                        <a:buSzTx/>
+                        <a:buFontTx/>
+                        <a:buNone/>
+                        <a:tabLst/>
+                        <a:defRPr/>
+                      </a:pPr>
+                      <a:r>
+                        <a:rPr lang="zh-CN" altLang="en-US" sz="2000" b="1" dirty="0">
+                          <a:sym typeface="+mn-ea"/>
+                        </a:rPr>
+                        <a:t>任务一</a:t>
+                      </a:r>
+                      <a:r>
+                        <a:rPr lang="zh-CN" altLang="en-US" sz="2000" dirty="0">
+                          <a:sym typeface="+mn-ea"/>
+                        </a:rPr>
+                        <a:t>：</a:t>
+                      </a:r>
+                      <a:endParaRPr lang="en-US" altLang="zh-CN" sz="2000" dirty="0">
+                        <a:sym typeface="+mn-ea"/>
+                      </a:endParaRPr>
+                    </a:p>
+                    <a:p>
+                      <a:pPr marL="0" marR="0" lvl="0" indent="0" algn="l" defTabSz="914400" rtl="0" eaLnBrk="1" fontAlgn="auto" latinLnBrk="0" hangingPunct="1">
+                        <a:lnSpc>
+                          <a:spcPct val="150000"/>
+                        </a:lnSpc>
+                        <a:spcBef>
+                          <a:spcPts val="0"/>
+                        </a:spcBef>
+                        <a:spcAft>
+                          <a:spcPts val="0"/>
+                        </a:spcAft>
+                        <a:buClrTx/>
+                        <a:buSzTx/>
+                        <a:buFontTx/>
+                        <a:buNone/>
+                        <a:tabLst/>
+                        <a:defRPr/>
+                      </a:pPr>
+                      <a:r>
+                        <a:rPr lang="zh-CN" altLang="en-US" sz="2000" dirty="0"/>
+                        <a:t>前期对毕设课题的学习和调研。</a:t>
+                      </a:r>
+                    </a:p>
+                    <a:p>
+                      <a:pPr>
+                        <a:lnSpc>
+                          <a:spcPct val="200000"/>
+                        </a:lnSpc>
+                        <a:buNone/>
+                      </a:pPr>
+                      <a:endParaRPr lang="zh-CN" altLang="en-US" dirty="0"/>
+                    </a:p>
+                  </a:txBody>
+                  <a:tcPr/>
+                </a:tc>
+                <a:tc>
+                  <a:txBody>
+                    <a:bodyPr/>
+                    <a:lstStyle/>
+                    <a:p>
+                      <a:pPr>
+                        <a:lnSpc>
+                          <a:spcPct val="150000"/>
+                        </a:lnSpc>
+                        <a:buNone/>
+                      </a:pPr>
+                      <a:r>
+                        <a:rPr lang="en-US" altLang="zh-CN" dirty="0"/>
+                        <a:t>1.</a:t>
+                      </a:r>
+                      <a:r>
+                        <a:rPr lang="zh-CN" altLang="en-US" dirty="0"/>
+                        <a:t>完成了对布尔函数和</a:t>
+                      </a:r>
+                      <a:r>
+                        <a:rPr lang="en-US" altLang="zh-CN" dirty="0"/>
+                        <a:t>S</a:t>
+                      </a:r>
+                      <a:r>
+                        <a:rPr lang="zh-CN" altLang="en-US" dirty="0"/>
+                        <a:t>盒初步学习；</a:t>
+                      </a:r>
+                    </a:p>
+                    <a:p>
+                      <a:pPr marL="0" marR="0" lvl="0" indent="0" algn="l" defTabSz="914400" rtl="0" eaLnBrk="1" fontAlgn="auto" latinLnBrk="0" hangingPunct="1">
+                        <a:lnSpc>
+                          <a:spcPct val="150000"/>
+                        </a:lnSpc>
+                        <a:spcBef>
+                          <a:spcPts val="0"/>
+                        </a:spcBef>
+                        <a:spcAft>
+                          <a:spcPts val="0"/>
+                        </a:spcAft>
+                        <a:buClrTx/>
+                        <a:buSzTx/>
+                        <a:buFontTx/>
+                        <a:buNone/>
+                        <a:tabLst/>
+                        <a:defRPr/>
+                      </a:pPr>
+                      <a:r>
+                        <a:rPr lang="en-US" altLang="zh-CN" dirty="0"/>
+                        <a:t>2.</a:t>
+                      </a:r>
+                      <a:r>
+                        <a:rPr lang="zh-CN" altLang="en-US" dirty="0"/>
+                        <a:t>仔细阅读了例如</a:t>
+                      </a:r>
+                      <a:r>
+                        <a:rPr lang="en-US" altLang="zh-CN" sz="1800" b="0" kern="1200" dirty="0">
+                          <a:solidFill>
+                            <a:schemeClr val="dk1"/>
+                          </a:solidFill>
+                          <a:effectLst/>
+                          <a:latin typeface="+mn-lt"/>
+                          <a:ea typeface="+mn-ea"/>
+                          <a:cs typeface="+mn-cs"/>
+                        </a:rPr>
+                        <a:t>PEIGEN</a:t>
+                      </a:r>
+                      <a:r>
+                        <a:rPr lang="zh-CN" altLang="en-US" sz="1800" b="0" kern="1200" dirty="0">
+                          <a:solidFill>
+                            <a:schemeClr val="dk1"/>
+                          </a:solidFill>
+                          <a:effectLst/>
+                          <a:latin typeface="+mn-lt"/>
+                          <a:ea typeface="+mn-ea"/>
+                          <a:cs typeface="+mn-cs"/>
+                        </a:rPr>
+                        <a:t>等最新论文。</a:t>
+                      </a:r>
+                      <a:endParaRPr lang="en-US" altLang="zh-CN" b="0" dirty="0"/>
+                    </a:p>
+                    <a:p>
+                      <a:pPr marL="0" marR="0" lvl="0" indent="0" algn="l" defTabSz="914400" rtl="0" eaLnBrk="1" fontAlgn="auto" latinLnBrk="0" hangingPunct="1">
+                        <a:lnSpc>
+                          <a:spcPct val="150000"/>
+                        </a:lnSpc>
+                        <a:spcBef>
+                          <a:spcPts val="0"/>
+                        </a:spcBef>
+                        <a:spcAft>
+                          <a:spcPts val="0"/>
+                        </a:spcAft>
+                        <a:buClrTx/>
+                        <a:buSzTx/>
+                        <a:buFontTx/>
+                        <a:buNone/>
+                        <a:tabLst/>
+                        <a:defRPr/>
+                      </a:pPr>
+                      <a:r>
+                        <a:rPr lang="en-US" altLang="zh-CN" sz="1800" b="0" kern="1200" dirty="0">
+                          <a:solidFill>
+                            <a:schemeClr val="dk1"/>
+                          </a:solidFill>
+                          <a:effectLst/>
+                          <a:latin typeface="+mn-lt"/>
+                          <a:ea typeface="+mn-ea"/>
+                          <a:cs typeface="+mn-cs"/>
+                        </a:rPr>
+                        <a:t>3.</a:t>
+                      </a:r>
+                      <a:r>
+                        <a:rPr lang="zh-CN" altLang="en-US" sz="1800" b="0" kern="1200" dirty="0">
+                          <a:solidFill>
+                            <a:schemeClr val="dk1"/>
+                          </a:solidFill>
+                          <a:effectLst/>
+                          <a:latin typeface="+mn-lt"/>
+                          <a:ea typeface="+mn-ea"/>
+                          <a:cs typeface="+mn-cs"/>
+                        </a:rPr>
+                        <a:t>借鉴现有工具和方法，确定思路。</a:t>
+                      </a:r>
+                      <a:endParaRPr lang="en-US" altLang="zh-CN" b="0" dirty="0"/>
+                    </a:p>
+                  </a:txBody>
+                  <a:tcPr/>
+                </a:tc>
+                <a:tc>
+                  <a:txBody>
+                    <a:bodyPr/>
+                    <a:lstStyle/>
+                    <a:p>
+                      <a:pPr algn="ctr">
+                        <a:lnSpc>
+                          <a:spcPct val="270000"/>
+                        </a:lnSpc>
+                        <a:buNone/>
+                      </a:pPr>
+                      <a:r>
+                        <a:rPr lang="en-US" altLang="zh-CN" dirty="0"/>
+                        <a:t>100</a:t>
+                      </a:r>
+                      <a:r>
+                        <a:rPr lang="zh-CN" altLang="en-US" dirty="0"/>
+                        <a:t>%</a:t>
+                      </a:r>
+                    </a:p>
+                  </a:txBody>
+                  <a:tcPr/>
+                </a:tc>
+                <a:extLst>
+                  <a:ext uri="{0D108BD9-81ED-4DB2-BD59-A6C34878D82A}">
+                    <a16:rowId xmlns:a16="http://schemas.microsoft.com/office/drawing/2014/main" val="10001"/>
+                  </a:ext>
+                </a:extLst>
+              </a:tr>
+              <a:tr h="1775742">
+                <a:tc>
+                  <a:txBody>
+                    <a:bodyPr/>
+                    <a:lstStyle/>
+                    <a:p>
+                      <a:pPr marL="0" marR="0" lvl="0" indent="0" algn="l" defTabSz="914400" rtl="0" eaLnBrk="1" fontAlgn="auto" latinLnBrk="0" hangingPunct="1">
+                        <a:lnSpc>
+                          <a:spcPct val="150000"/>
+                        </a:lnSpc>
+                        <a:spcBef>
+                          <a:spcPts val="0"/>
+                        </a:spcBef>
+                        <a:spcAft>
+                          <a:spcPts val="0"/>
+                        </a:spcAft>
+                        <a:buClrTx/>
+                        <a:buSzTx/>
+                        <a:buFontTx/>
+                        <a:buNone/>
+                        <a:tabLst/>
+                        <a:defRPr/>
+                      </a:pPr>
+                      <a:endParaRPr lang="zh-CN" altLang="en-US" sz="2000" dirty="0"/>
+                    </a:p>
+                  </a:txBody>
+                  <a:tcPr/>
+                </a:tc>
+                <a:tc>
+                  <a:txBody>
+                    <a:bodyPr/>
+                    <a:lstStyle/>
+                    <a:p>
+                      <a:pPr>
+                        <a:buNone/>
+                      </a:pPr>
+                      <a:endParaRPr lang="zh-CN" altLang="en-US" dirty="0"/>
+                    </a:p>
+                  </a:txBody>
+                  <a:tcPr/>
+                </a:tc>
+                <a:tc>
+                  <a:txBody>
+                    <a:bodyPr/>
+                    <a:lstStyle/>
+                    <a:p>
+                      <a:pPr algn="ctr">
+                        <a:lnSpc>
+                          <a:spcPct val="270000"/>
+                        </a:lnSpc>
+                        <a:buClrTx/>
+                        <a:buSzTx/>
+                        <a:buFontTx/>
+                        <a:buNone/>
+                      </a:pPr>
+                      <a:endParaRPr lang="zh-CN" altLang="en-US" dirty="0"/>
+                    </a:p>
+                  </a:txBody>
+                  <a:tcPr/>
+                </a:tc>
+                <a:extLst>
+                  <a:ext uri="{0D108BD9-81ED-4DB2-BD59-A6C34878D82A}">
+                    <a16:rowId xmlns:a16="http://schemas.microsoft.com/office/drawing/2014/main" val="10002"/>
+                  </a:ext>
+                </a:extLst>
+              </a:tr>
+              <a:tr h="449005">
+                <a:tc>
+                  <a:txBody>
+                    <a:bodyPr/>
+                    <a:lstStyle/>
+                    <a:p>
+                      <a:pPr marL="0" marR="0" lvl="0" indent="0" algn="l" defTabSz="914400" rtl="0" eaLnBrk="1" fontAlgn="auto" latinLnBrk="0" hangingPunct="1">
+                        <a:lnSpc>
+                          <a:spcPct val="150000"/>
+                        </a:lnSpc>
+                        <a:spcBef>
+                          <a:spcPts val="0"/>
+                        </a:spcBef>
+                        <a:spcAft>
+                          <a:spcPts val="0"/>
+                        </a:spcAft>
+                        <a:buClrTx/>
+                        <a:buSzTx/>
+                        <a:buFontTx/>
+                        <a:buNone/>
+                        <a:tabLst/>
+                        <a:defRPr/>
+                      </a:pPr>
+                      <a:endParaRPr lang="zh-CN" altLang="en-US" sz="2000" b="0" kern="1200" dirty="0">
+                        <a:solidFill>
+                          <a:schemeClr val="dk1"/>
+                        </a:solidFill>
+                        <a:latin typeface="+mn-lt"/>
+                        <a:ea typeface="+mn-ea"/>
+                        <a:cs typeface="+mn-cs"/>
+                      </a:endParaRPr>
+                    </a:p>
+                  </a:txBody>
+                  <a:tcPr/>
+                </a:tc>
+                <a:tc>
+                  <a:txBody>
+                    <a:bodyPr/>
+                    <a:lstStyle/>
+                    <a:p>
+                      <a:pPr>
+                        <a:lnSpc>
+                          <a:spcPct val="200000"/>
+                        </a:lnSpc>
+                        <a:buNone/>
+                      </a:pPr>
+                      <a:endParaRPr lang="en-US" altLang="zh-CN" sz="1800" dirty="0">
+                        <a:sym typeface="+mn-ea"/>
+                      </a:endParaRPr>
+                    </a:p>
+                  </a:txBody>
+                  <a:tcPr/>
+                </a:tc>
+                <a:tc>
+                  <a:txBody>
+                    <a:bodyPr/>
+                    <a:lstStyle/>
+                    <a:p>
+                      <a:pPr algn="ctr">
+                        <a:lnSpc>
+                          <a:spcPct val="270000"/>
+                        </a:lnSpc>
+                        <a:buClrTx/>
+                        <a:buSzTx/>
+                        <a:buFontTx/>
+                        <a:buNone/>
+                      </a:pPr>
+                      <a:endParaRPr lang="zh-CN" altLang="en-US" dirty="0"/>
+                    </a:p>
+                  </a:txBody>
+                  <a:tcPr/>
+                </a:tc>
+                <a:extLst>
+                  <a:ext uri="{0D108BD9-81ED-4DB2-BD59-A6C34878D82A}">
+                    <a16:rowId xmlns:a16="http://schemas.microsoft.com/office/drawing/2014/main" val="10003"/>
+                  </a:ext>
+                </a:extLst>
+              </a:tr>
+            </a:tbl>
+          </a:graphicData>
+        </a:graphic>
+      </p:graphicFrame>
+    </p:spTree>
+  </p:cSld>
+  <p:clrMapOvr>
+    <a:masterClrMapping/>
+  </p:clrMapOvr>
+</p:sld>
+</file>
+
+<file path=ppt/slides/slide6.xml><?xml version="1.0" encoding="utf-8"?>
+<p:sld xmlns:a="http://schemas.openxmlformats.org/drawingml/2006/main" xmlns:r="http://schemas.openxmlformats.org/officeDocument/2006/relationships" xmlns:p="http://schemas.openxmlformats.org/presentationml/2006/main">
+  <p:cSld>
+    <p:spTree>
+      <p:nvGrpSpPr>
+        <p:cNvPr id="1" name=""/>
+        <p:cNvGrpSpPr/>
+        <p:nvPr/>
+      </p:nvGrpSpPr>
+      <p:grpSpPr>
+        <a:xfrm>
+          <a:off x="0" y="0"/>
+          <a:ext cx="0" cy="0"/>
+          <a:chOff x="0" y="0"/>
+          <a:chExt cx="0" cy="0"/>
+        </a:xfrm>
+      </p:grpSpPr>
+      <p:pic>
+        <p:nvPicPr>
+          <p:cNvPr id="3" name="图片 2">
+            <a:extLst>
+              <a:ext uri="{FF2B5EF4-FFF2-40B4-BE49-F238E27FC236}">
+                <a16:creationId xmlns:a16="http://schemas.microsoft.com/office/drawing/2014/main" id="{0CF4287C-23CB-1A43-B558-B00C3E046C5A}"/>
+              </a:ext>
+            </a:extLst>
+          </p:cNvPr>
+          <p:cNvPicPr>
+            <a:picLocks noChangeAspect="1"/>
+          </p:cNvPicPr>
+          <p:nvPr/>
+        </p:nvPicPr>
+        <p:blipFill>
+          <a:blip r:embed="rId4">
+            <a:extLst>
+              <a:ext uri="{28A0092B-C50C-407E-A947-70E740481C1C}">
+                <a14:useLocalDpi xmlns:a14="http://schemas.microsoft.com/office/drawing/2010/main" val="0"/>
+              </a:ext>
+            </a:extLst>
+          </a:blip>
+          <a:stretch>
+            <a:fillRect/>
+          </a:stretch>
+        </p:blipFill>
+        <p:spPr>
+          <a:xfrm>
+            <a:off x="0" y="0"/>
+            <a:ext cx="9144000" cy="6858000"/>
+          </a:xfrm>
+          <a:prstGeom prst="rect">
+            <a:avLst/>
+          </a:prstGeom>
+        </p:spPr>
+      </p:pic>
+      <p:sp>
+        <p:nvSpPr>
+          <p:cNvPr id="1048610" name="文本框 10"/>
+          <p:cNvSpPr txBox="1"/>
+          <p:nvPr/>
+        </p:nvSpPr>
+        <p:spPr>
+          <a:xfrm>
+            <a:off x="9269506" y="87437"/>
+            <a:ext cx="2922494" cy="523220"/>
+          </a:xfrm>
+          <a:prstGeom prst="rect">
+            <a:avLst/>
+          </a:prstGeom>
+          <a:noFill/>
+        </p:spPr>
+        <p:txBody>
+          <a:bodyPr wrap="square" rtlCol="0">
+            <a:spAutoFit/>
+          </a:bodyPr>
+          <a:lstStyle/>
+          <a:p>
+            <a:r>
+              <a:rPr lang="zh-CN" altLang="en-US" sz="2800" b="1" dirty="0">
+                <a:latin typeface="微软雅黑" panose="020B0503020204020204" pitchFamily="34" charset="-122"/>
+              </a:rPr>
+              <a:t>研究任务及进展</a:t>
+            </a:r>
+          </a:p>
+        </p:txBody>
+      </p:sp>
+      <p:sp>
+        <p:nvSpPr>
+          <p:cNvPr id="1048611" name="灯片编号占位符 3"/>
+          <p:cNvSpPr>
+            <a:spLocks noGrp="1"/>
+          </p:cNvSpPr>
+          <p:nvPr>
+            <p:ph type="sldNum" sz="quarter" idx="12"/>
+          </p:nvPr>
+        </p:nvSpPr>
+        <p:spPr/>
+        <p:txBody>
+          <a:bodyPr/>
+          <a:lstStyle/>
+          <a:p>
+            <a:fld id="{51D91E7F-84B6-4064-9D4E-CC7D244BCA04}" type="slidenum">
+              <a:rPr lang="zh-CN" altLang="en-US" smtClean="0"/>
+              <a:t>6</a:t>
+            </a:fld>
+            <a:endParaRPr lang="zh-CN" altLang="en-US" dirty="0"/>
+          </a:p>
+        </p:txBody>
+      </p:sp>
+      <p:graphicFrame>
+        <p:nvGraphicFramePr>
+          <p:cNvPr id="4194304" name="表格 22"/>
+          <p:cNvGraphicFramePr>
+            <a:graphicFrameLocks/>
+          </p:cNvGraphicFramePr>
+          <p:nvPr>
+            <p:custDataLst>
+              <p:tags r:id="rId1"/>
+            </p:custDataLst>
+            <p:extLst>
+              <p:ext uri="{D42A27DB-BD31-4B8C-83A1-F6EECF244321}">
+                <p14:modId xmlns:p14="http://schemas.microsoft.com/office/powerpoint/2010/main" val="219629301"/>
+              </p:ext>
+            </p:extLst>
+          </p:nvPr>
+        </p:nvGraphicFramePr>
+        <p:xfrm>
+          <a:off x="441007" y="968188"/>
+          <a:ext cx="11309985" cy="5187567"/>
         </p:xfrm>
         <a:graphic>
           <a:graphicData uri="http://schemas.openxmlformats.org/drawingml/2006/table">
@@ -9568,7 +11633,7 @@
                       </a:r>
                       <a:r>
                         <a:rPr lang="zh-CN" altLang="en-US" dirty="0"/>
-                        <a:t>完成了布尔函数和</a:t>
+                        <a:t>完成了对布尔函数和</a:t>
                       </a:r>
                       <a:r>
                         <a:rPr lang="en-US" altLang="zh-CN" dirty="0"/>
@@ -9603,7 +11668,7 @@
                       </a:r>
                       <a:r>
                         <a:rPr lang="zh-CN" altLang="en-US" dirty="0"/>
-                        <a:t>仔细阅读了</a:t>
+                        <a:t>仔细阅读了例如</a:t>
                       </a:r>
                       <a:r>
                         <a:rPr lang="en-US" altLang="zh-CN" sz="1800" b="0" kern="1200" dirty="0">
@@ -9615,7 +11680,7 @@
                           <a:ea typeface="+mn-ea"/>
                           <a:cs typeface="+mn-cs"/>
                         </a:rPr>
-                        <a:t>a Platform for Evaluation, Implementation, and Generation of S-boxes </a:t>
+                        <a:t>PEIGEN</a:t>
                       </a:r>
                       <a:r>
                         <a:rPr lang="zh-CN" altLang="en-US" sz="1800" b="0" kern="1200" dirty="0">
@@ -9627,18 +11692,53 @@
                           <a:ea typeface="+mn-ea"/>
                           <a:cs typeface="+mn-cs"/>
                         </a:rPr>
-                        <a:t>等最新论文。</a:t>
+                        <a:t>等最新论文；</a:t>
                       </a:r>
                       <a:endParaRPr lang="en-US" altLang="zh-CN" b="0" dirty="0"/>
                     </a:p>
                     <a:p>
-                      <a:pPr>
+                      <a:pPr marL="0" marR="0" lvl="0" indent="0" algn="l" defTabSz="914400" rtl="0" eaLnBrk="1" fontAlgn="auto" latinLnBrk="0" hangingPunct="1">
                         <a:lnSpc>
                           <a:spcPct val="170000"/>
                         </a:lnSpc>
+                        <a:spcBef>
+                          <a:spcPts val="0"/>
+                        </a:spcBef>
+                        <a:spcAft>
+                          <a:spcPts val="0"/>
+                        </a:spcAft>
+                        <a:buClrTx/>
+                        <a:buSzTx/>
+                        <a:buFontTx/>
                         <a:buNone/>
+                        <a:tabLst/>
+                        <a:defRPr/>
                       </a:pPr>
-                      <a:endParaRPr lang="zh-CN" altLang="en-US" dirty="0"/>
+                      <a:r>
+                        <a:rPr lang="en-US" altLang="zh-CN" sz="1800" b="0" kern="1200" dirty="0">
+                          <a:solidFill>
+                            <a:schemeClr val="dk1"/>
+                          </a:solidFill>
+                          <a:effectLst/>
+                          <a:latin typeface="+mn-lt"/>
+                          <a:ea typeface="+mn-ea"/>
+                          <a:cs typeface="+mn-cs"/>
+                        </a:rPr>
+                        <a:t>3.</a:t>
+                      </a:r>
+                      <a:r>
+                        <a:rPr lang="zh-CN" altLang="en-US" sz="1800" b="0" kern="1200" dirty="0">
+                          <a:solidFill>
+                            <a:schemeClr val="dk1"/>
+                          </a:solidFill>
+                          <a:effectLst/>
+                          <a:latin typeface="+mn-lt"/>
+                          <a:ea typeface="+mn-ea"/>
+                          <a:cs typeface="+mn-cs"/>
+                        </a:rPr>
+                        <a:t>借鉴现有工具，确定思路。</a:t>
+                      </a:r>
+                      <a:endParaRPr lang="en-US" altLang="zh-CN" b="0" dirty="0"/>
                     </a:p>
                   </a:txBody>
                   <a:tcPr/>
@@ -9731,7 +11831,7 @@
                       </a:pPr>
                       <a:r>
                         <a:rPr lang="zh-CN" altLang="en-US" sz="2000" dirty="0"/>
-                        <a:t>对现有的密码学性质检测方法进行收集，进行代码实现。</a:t>
+                        <a:t>收集现有的密码学性质检测方法，进行代码实现，最终完成软件。</a:t>
                       </a:r>
                     </a:p>
                   </a:txBody>
@@ -9752,13 +11852,36 @@
                         <a:rPr lang="en-US" altLang="zh-CN" sz="1800" dirty="0">
                           <a:sym typeface="+mn-ea"/>
                         </a:rPr>
+                        <a:t>0.</a:t>
+                      </a:r>
+                      <a:r>
+                        <a:rPr lang="zh-CN" altLang="en-US" sz="1800" dirty="0">
+                          <a:sym typeface="+mn-ea"/>
+                        </a:rPr>
+                        <a:t>阅读相关论文；</a:t>
+                      </a:r>
+                      <a:endParaRPr lang="en-US" altLang="zh-CN" sz="1800" dirty="0">
+                        <a:sym typeface="+mn-ea"/>
+                      </a:endParaRPr>
+                    </a:p>
+                    <a:p>
+                      <a:pPr algn="l">
+                        <a:lnSpc>
+                          <a:spcPct val="210000"/>
+                        </a:lnSpc>
+                        <a:buNone/>
+                      </a:pPr>
+                      <a:r>
+                        <a:rPr lang="en-US" altLang="zh-CN" sz="1800" dirty="0">
+                          <a:sym typeface="+mn-ea"/>
+                        </a:rPr>
                         <a:t>1.</a:t>
                       </a:r>
                       <a:r>
                         <a:rPr lang="zh-CN" altLang="en-US" sz="1800" dirty="0">
                           <a:sym typeface="+mn-ea"/>
                         </a:rPr>
-                        <a:t>搜集到最新检测方法；</a:t>
+                        <a:t>完成大部分主流密码学性质的最新检测方法搜集；</a:t>
                       </a:r>
                       <a:endParaRPr lang="en-US" altLang="zh-CN" sz="1800" dirty="0">
                         <a:sym typeface="+mn-ea"/>
@@ -9798,11 +11921,756 @@
                         <a:sym typeface="+mn-ea"/>
                       </a:endParaRPr>
                     </a:p>
+                  </a:txBody>
+                  <a:tcPr/>
+                </a:tc>
+                <a:tc>
+                  <a:txBody>
+                    <a:bodyPr/>
+                    <a:lstStyle/>
+                    <a:p>
+                      <a:pPr algn="ctr">
+                        <a:lnSpc>
+                          <a:spcPct val="270000"/>
+                        </a:lnSpc>
+                        <a:buClrTx/>
+                        <a:buSzTx/>
+                        <a:buFontTx/>
+                        <a:buNone/>
+                      </a:pPr>
+                      <a:r>
+                        <a:rPr lang="en-US" altLang="zh-CN" dirty="0"/>
+                        <a:t>70</a:t>
+                      </a:r>
+                      <a:r>
+                        <a:rPr lang="zh-CN" altLang="en-US" dirty="0"/>
+                        <a:t>%</a:t>
+                      </a:r>
+                    </a:p>
+                  </a:txBody>
+                  <a:tcPr/>
+                </a:tc>
+                <a:extLst>
+                  <a:ext uri="{0D108BD9-81ED-4DB2-BD59-A6C34878D82A}">
+                    <a16:rowId xmlns:a16="http://schemas.microsoft.com/office/drawing/2014/main" val="10002"/>
+                  </a:ext>
+                </a:extLst>
+              </a:tr>
+              <a:tr h="449005">
+                <a:tc>
+                  <a:txBody>
+                    <a:bodyPr/>
+                    <a:lstStyle/>
+                    <a:p>
+                      <a:pPr marL="0" marR="0" lvl="0" indent="0" algn="l" defTabSz="914400" rtl="0" eaLnBrk="1" fontAlgn="auto" latinLnBrk="0" hangingPunct="1">
+                        <a:lnSpc>
+                          <a:spcPct val="150000"/>
+                        </a:lnSpc>
+                        <a:spcBef>
+                          <a:spcPts val="0"/>
+                        </a:spcBef>
+                        <a:spcAft>
+                          <a:spcPts val="0"/>
+                        </a:spcAft>
+                        <a:buClrTx/>
+                        <a:buSzTx/>
+                        <a:buFontTx/>
+                        <a:buNone/>
+                        <a:tabLst/>
+                        <a:defRPr/>
+                      </a:pPr>
+                      <a:endParaRPr lang="zh-CN" altLang="en-US" sz="2000" b="0" kern="1200" dirty="0">
+                        <a:solidFill>
+                          <a:schemeClr val="dk1"/>
+                        </a:solidFill>
+                        <a:latin typeface="+mn-lt"/>
+                        <a:ea typeface="+mn-ea"/>
+                        <a:cs typeface="+mn-cs"/>
+                      </a:endParaRPr>
+                    </a:p>
+                  </a:txBody>
+                  <a:tcPr/>
+                </a:tc>
+                <a:tc>
+                  <a:txBody>
+                    <a:bodyPr/>
+                    <a:lstStyle/>
                     <a:p>
                       <a:pPr>
+                        <a:lnSpc>
+                          <a:spcPct val="200000"/>
+                        </a:lnSpc>
+                        <a:buNone/>
+                      </a:pPr>
+                      <a:endParaRPr lang="en-US" altLang="zh-CN" sz="1800" dirty="0">
+                        <a:sym typeface="+mn-ea"/>
+                      </a:endParaRPr>
+                    </a:p>
+                    <a:p>
+                      <a:pPr>
+                        <a:lnSpc>
+                          <a:spcPct val="200000"/>
+                        </a:lnSpc>
+                        <a:buNone/>
+                      </a:pPr>
+                      <a:endParaRPr lang="en-US" altLang="zh-CN" sz="1800" dirty="0">
+                        <a:sym typeface="+mn-ea"/>
+                      </a:endParaRPr>
+                    </a:p>
+                  </a:txBody>
+                  <a:tcPr/>
+                </a:tc>
+                <a:tc>
+                  <a:txBody>
+                    <a:bodyPr/>
+                    <a:lstStyle/>
+                    <a:p>
+                      <a:pPr algn="ctr">
+                        <a:lnSpc>
+                          <a:spcPct val="270000"/>
+                        </a:lnSpc>
+                        <a:buClrTx/>
+                        <a:buSzTx/>
+                        <a:buFontTx/>
                         <a:buNone/>
                       </a:pPr>
                       <a:endParaRPr lang="zh-CN" altLang="en-US" dirty="0"/>
+                    </a:p>
+                  </a:txBody>
+                  <a:tcPr/>
+                </a:tc>
+                <a:extLst>
+                  <a:ext uri="{0D108BD9-81ED-4DB2-BD59-A6C34878D82A}">
+                    <a16:rowId xmlns:a16="http://schemas.microsoft.com/office/drawing/2014/main" val="10003"/>
+                  </a:ext>
+                </a:extLst>
+              </a:tr>
+            </a:tbl>
+          </a:graphicData>
+        </a:graphic>
+      </p:graphicFrame>
+    </p:spTree>
+    <p:extLst>
+      <p:ext uri="{BB962C8B-B14F-4D97-AF65-F5344CB8AC3E}">
+        <p14:creationId xmlns:p14="http://schemas.microsoft.com/office/powerpoint/2010/main" val="2311387413"/>
+      </p:ext>
+    </p:extLst>
+  </p:cSld>
+  <p:clrMapOvr>
+    <a:masterClrMapping/>
+  </p:clrMapOvr>
+</p:sld>
+</file>
+
+<file path=ppt/slides/slide7.xml><?xml version="1.0" encoding="utf-8"?>
+<p:sld xmlns:a="http://schemas.openxmlformats.org/drawingml/2006/main" xmlns:r="http://schemas.openxmlformats.org/officeDocument/2006/relationships" xmlns:p="http://schemas.openxmlformats.org/presentationml/2006/main">
+  <p:cSld>
+    <p:spTree>
+      <p:nvGrpSpPr>
+        <p:cNvPr id="1" name=""/>
+        <p:cNvGrpSpPr/>
+        <p:nvPr/>
+      </p:nvGrpSpPr>
+      <p:grpSpPr>
+        <a:xfrm>
+          <a:off x="0" y="0"/>
+          <a:ext cx="0" cy="0"/>
+          <a:chOff x="0" y="0"/>
+          <a:chExt cx="0" cy="0"/>
+        </a:xfrm>
+      </p:grpSpPr>
+      <p:pic>
+        <p:nvPicPr>
+          <p:cNvPr id="3" name="图片 2">
+            <a:extLst>
+              <a:ext uri="{FF2B5EF4-FFF2-40B4-BE49-F238E27FC236}">
+                <a16:creationId xmlns:a16="http://schemas.microsoft.com/office/drawing/2014/main" id="{0CF4287C-23CB-1A43-B558-B00C3E046C5A}"/>
+              </a:ext>
+            </a:extLst>
+          </p:cNvPr>
+          <p:cNvPicPr>
+            <a:picLocks noChangeAspect="1"/>
+          </p:cNvPicPr>
+          <p:nvPr/>
+        </p:nvPicPr>
+        <p:blipFill>
+          <a:blip r:embed="rId4">
+            <a:extLst>
+              <a:ext uri="{28A0092B-C50C-407E-A947-70E740481C1C}">
+                <a14:useLocalDpi xmlns:a14="http://schemas.microsoft.com/office/drawing/2010/main" val="0"/>
+              </a:ext>
+            </a:extLst>
+          </a:blip>
+          <a:stretch>
+            <a:fillRect/>
+          </a:stretch>
+        </p:blipFill>
+        <p:spPr>
+          <a:xfrm>
+            <a:off x="0" y="0"/>
+            <a:ext cx="9144000" cy="6858000"/>
+          </a:xfrm>
+          <a:prstGeom prst="rect">
+            <a:avLst/>
+          </a:prstGeom>
+        </p:spPr>
+      </p:pic>
+      <p:sp>
+        <p:nvSpPr>
+          <p:cNvPr id="1048610" name="文本框 10"/>
+          <p:cNvSpPr txBox="1"/>
+          <p:nvPr/>
+        </p:nvSpPr>
+        <p:spPr>
+          <a:xfrm>
+            <a:off x="9269506" y="87437"/>
+            <a:ext cx="2922494" cy="523220"/>
+          </a:xfrm>
+          <a:prstGeom prst="rect">
+            <a:avLst/>
+          </a:prstGeom>
+          <a:noFill/>
+        </p:spPr>
+        <p:txBody>
+          <a:bodyPr wrap="square" rtlCol="0">
+            <a:spAutoFit/>
+          </a:bodyPr>
+          <a:lstStyle/>
+          <a:p>
+            <a:r>
+              <a:rPr lang="zh-CN" altLang="en-US" sz="2800" b="1" dirty="0">
+                <a:latin typeface="微软雅黑" panose="020B0503020204020204" pitchFamily="34" charset="-122"/>
+              </a:rPr>
+              <a:t>研究任务及进展</a:t>
+            </a:r>
+          </a:p>
+        </p:txBody>
+      </p:sp>
+      <p:sp>
+        <p:nvSpPr>
+          <p:cNvPr id="1048611" name="灯片编号占位符 3"/>
+          <p:cNvSpPr>
+            <a:spLocks noGrp="1"/>
+          </p:cNvSpPr>
+          <p:nvPr>
+            <p:ph type="sldNum" sz="quarter" idx="12"/>
+          </p:nvPr>
+        </p:nvSpPr>
+        <p:spPr/>
+        <p:txBody>
+          <a:bodyPr/>
+          <a:lstStyle/>
+          <a:p>
+            <a:fld id="{51D91E7F-84B6-4064-9D4E-CC7D244BCA04}" type="slidenum">
+              <a:rPr lang="zh-CN" altLang="en-US" smtClean="0"/>
+              <a:t>7</a:t>
+            </a:fld>
+            <a:endParaRPr lang="zh-CN" altLang="en-US" dirty="0"/>
+          </a:p>
+        </p:txBody>
+      </p:sp>
+      <p:graphicFrame>
+        <p:nvGraphicFramePr>
+          <p:cNvPr id="4194304" name="表格 22"/>
+          <p:cNvGraphicFramePr>
+            <a:graphicFrameLocks/>
+          </p:cNvGraphicFramePr>
+          <p:nvPr>
+            <p:custDataLst>
+              <p:tags r:id="rId1"/>
+            </p:custDataLst>
+            <p:extLst>
+              <p:ext uri="{D42A27DB-BD31-4B8C-83A1-F6EECF244321}">
+                <p14:modId xmlns:p14="http://schemas.microsoft.com/office/powerpoint/2010/main" val="3264612477"/>
+              </p:ext>
+            </p:extLst>
+          </p:nvPr>
+        </p:nvGraphicFramePr>
+        <p:xfrm>
+          <a:off x="441007" y="968188"/>
+          <a:ext cx="11309985" cy="5187567"/>
+        </p:xfrm>
+        <a:graphic>
+          <a:graphicData uri="http://schemas.openxmlformats.org/drawingml/2006/table">
+            <a:tbl>
+              <a:tblPr firstRow="1" bandRow="1">
+                <a:tableStyleId>{5C22544A-7EE6-4342-B048-85BDC9FD1C3A}</a:tableStyleId>
+              </a:tblPr>
+              <a:tblGrid>
+                <a:gridCol w="4157980">
+                  <a:extLst>
+                    <a:ext uri="{9D8B030D-6E8A-4147-A177-3AD203B41FA5}">
+                      <a16:colId xmlns:a16="http://schemas.microsoft.com/office/drawing/2014/main" val="20000"/>
+                    </a:ext>
+                  </a:extLst>
+                </a:gridCol>
+                <a:gridCol w="5291773">
+                  <a:extLst>
+                    <a:ext uri="{9D8B030D-6E8A-4147-A177-3AD203B41FA5}">
+                      <a16:colId xmlns:a16="http://schemas.microsoft.com/office/drawing/2014/main" val="20001"/>
+                    </a:ext>
+                  </a:extLst>
+                </a:gridCol>
+                <a:gridCol w="1860232">
+                  <a:extLst>
+                    <a:ext uri="{9D8B030D-6E8A-4147-A177-3AD203B41FA5}">
+                      <a16:colId xmlns:a16="http://schemas.microsoft.com/office/drawing/2014/main" val="20002"/>
+                    </a:ext>
+                  </a:extLst>
+                </a:gridCol>
+              </a:tblGrid>
+              <a:tr h="826625">
+                <a:tc>
+                  <a:txBody>
+                    <a:bodyPr/>
+                    <a:lstStyle/>
+                    <a:p>
+                      <a:pPr algn="ctr" fontAlgn="auto">
+                        <a:lnSpc>
+                          <a:spcPct val="125000"/>
+                        </a:lnSpc>
+                        <a:buClrTx/>
+                        <a:buSzTx/>
+                        <a:buFontTx/>
+                        <a:buNone/>
+                      </a:pPr>
+                      <a:r>
+                        <a:rPr lang="en-US" altLang="zh-CN" sz="3600" dirty="0"/>
+                        <a:t> </a:t>
+                      </a:r>
+                      <a:r>
+                        <a:rPr lang="zh-CN" altLang="en-US" sz="3600" dirty="0"/>
+                        <a:t>毕设任务</a:t>
+                      </a:r>
+                    </a:p>
+                  </a:txBody>
+                  <a:tcPr/>
+                </a:tc>
+                <a:tc>
+                  <a:txBody>
+                    <a:bodyPr/>
+                    <a:lstStyle/>
+                    <a:p>
+                      <a:pPr algn="ctr">
+                        <a:lnSpc>
+                          <a:spcPct val="125000"/>
+                        </a:lnSpc>
+                        <a:buClrTx/>
+                        <a:buSzTx/>
+                        <a:buFontTx/>
+                        <a:buNone/>
+                      </a:pPr>
+                      <a:r>
+                        <a:rPr lang="zh-CN" altLang="en-US" sz="3600" dirty="0"/>
+                        <a:t>已完成工作</a:t>
+                      </a:r>
+                    </a:p>
+                  </a:txBody>
+                  <a:tcPr/>
+                </a:tc>
+                <a:tc>
+                  <a:txBody>
+                    <a:bodyPr/>
+                    <a:lstStyle/>
+                    <a:p>
+                      <a:pPr algn="ctr" fontAlgn="auto">
+                        <a:lnSpc>
+                          <a:spcPct val="125000"/>
+                        </a:lnSpc>
+                        <a:buNone/>
+                      </a:pPr>
+                      <a:r>
+                        <a:rPr lang="zh-CN" altLang="en-US" sz="3600" dirty="0"/>
+                        <a:t>百分比</a:t>
+                      </a:r>
+                    </a:p>
+                  </a:txBody>
+                  <a:tcPr/>
+                </a:tc>
+                <a:extLst>
+                  <a:ext uri="{0D108BD9-81ED-4DB2-BD59-A6C34878D82A}">
+                    <a16:rowId xmlns:a16="http://schemas.microsoft.com/office/drawing/2014/main" val="10000"/>
+                  </a:ext>
+                </a:extLst>
+              </a:tr>
+              <a:tr h="1486269">
+                <a:tc>
+                  <a:txBody>
+                    <a:bodyPr/>
+                    <a:lstStyle/>
+                    <a:p>
+                      <a:pPr marL="0" marR="0" lvl="0" indent="0" algn="l" defTabSz="914400" rtl="0" eaLnBrk="1" fontAlgn="auto" latinLnBrk="0" hangingPunct="1">
+                        <a:lnSpc>
+                          <a:spcPct val="150000"/>
+                        </a:lnSpc>
+                        <a:spcBef>
+                          <a:spcPts val="0"/>
+                        </a:spcBef>
+                        <a:spcAft>
+                          <a:spcPts val="0"/>
+                        </a:spcAft>
+                        <a:buClrTx/>
+                        <a:buSzTx/>
+                        <a:buFontTx/>
+                        <a:buNone/>
+                        <a:tabLst/>
+                        <a:defRPr/>
+                      </a:pPr>
+                      <a:r>
+                        <a:rPr lang="zh-CN" altLang="en-US" sz="2000" b="1" dirty="0">
+                          <a:sym typeface="+mn-ea"/>
+                        </a:rPr>
+                        <a:t>任务一</a:t>
+                      </a:r>
+                      <a:r>
+                        <a:rPr lang="zh-CN" altLang="en-US" sz="2000" dirty="0">
+                          <a:sym typeface="+mn-ea"/>
+                        </a:rPr>
+                        <a:t>：</a:t>
+                      </a:r>
+                      <a:endParaRPr lang="en-US" altLang="zh-CN" sz="2000" dirty="0">
+                        <a:sym typeface="+mn-ea"/>
+                      </a:endParaRPr>
+                    </a:p>
+                    <a:p>
+                      <a:pPr marL="0" marR="0" lvl="0" indent="0" algn="l" defTabSz="914400" rtl="0" eaLnBrk="1" fontAlgn="auto" latinLnBrk="0" hangingPunct="1">
+                        <a:lnSpc>
+                          <a:spcPct val="150000"/>
+                        </a:lnSpc>
+                        <a:spcBef>
+                          <a:spcPts val="0"/>
+                        </a:spcBef>
+                        <a:spcAft>
+                          <a:spcPts val="0"/>
+                        </a:spcAft>
+                        <a:buClrTx/>
+                        <a:buSzTx/>
+                        <a:buFontTx/>
+                        <a:buNone/>
+                        <a:tabLst/>
+                        <a:defRPr/>
+                      </a:pPr>
+                      <a:r>
+                        <a:rPr lang="zh-CN" altLang="en-US" sz="2000" dirty="0"/>
+                        <a:t>前期对毕设课题的学习和调研。</a:t>
+                      </a:r>
+                    </a:p>
+                    <a:p>
+                      <a:pPr>
+                        <a:lnSpc>
+                          <a:spcPct val="200000"/>
+                        </a:lnSpc>
+                        <a:buNone/>
+                      </a:pPr>
+                      <a:endParaRPr lang="zh-CN" altLang="en-US" dirty="0"/>
+                    </a:p>
+                  </a:txBody>
+                  <a:tcPr/>
+                </a:tc>
+                <a:tc>
+                  <a:txBody>
+                    <a:bodyPr/>
+                    <a:lstStyle/>
+                    <a:p>
+                      <a:pPr>
+                        <a:lnSpc>
+                          <a:spcPct val="170000"/>
+                        </a:lnSpc>
+                        <a:buNone/>
+                      </a:pPr>
+                      <a:r>
+                        <a:rPr lang="en-US" altLang="zh-CN" dirty="0"/>
+                        <a:t>1.</a:t>
+                      </a:r>
+                      <a:r>
+                        <a:rPr lang="zh-CN" altLang="en-US" dirty="0"/>
+                        <a:t>完成了对布尔函数和</a:t>
+                      </a:r>
+                      <a:r>
+                        <a:rPr lang="en-US" altLang="zh-CN" dirty="0"/>
+                        <a:t>S</a:t>
+                      </a:r>
+                      <a:r>
+                        <a:rPr lang="zh-CN" altLang="en-US" dirty="0"/>
+                        <a:t>盒初步学习；</a:t>
+                      </a:r>
+                    </a:p>
+                    <a:p>
+                      <a:pPr marL="0" marR="0" lvl="0" indent="0" algn="l" defTabSz="914400" rtl="0" eaLnBrk="1" fontAlgn="auto" latinLnBrk="0" hangingPunct="1">
+                        <a:lnSpc>
+                          <a:spcPct val="100000"/>
+                        </a:lnSpc>
+                        <a:spcBef>
+                          <a:spcPts val="0"/>
+                        </a:spcBef>
+                        <a:spcAft>
+                          <a:spcPts val="0"/>
+                        </a:spcAft>
+                        <a:buClrTx/>
+                        <a:buSzTx/>
+                        <a:buFontTx/>
+                        <a:buNone/>
+                        <a:tabLst/>
+                        <a:defRPr/>
+                      </a:pPr>
+                      <a:r>
+                        <a:rPr lang="en-US" altLang="zh-CN" dirty="0"/>
+                        <a:t>2.</a:t>
+                      </a:r>
+                      <a:r>
+                        <a:rPr lang="zh-CN" altLang="en-US" dirty="0"/>
+                        <a:t>仔细阅读了例如</a:t>
+                      </a:r>
+                      <a:r>
+                        <a:rPr lang="en-US" altLang="zh-CN" sz="1800" b="0" kern="1200" dirty="0">
+                          <a:solidFill>
+                            <a:schemeClr val="dk1"/>
+                          </a:solidFill>
+                          <a:effectLst/>
+                          <a:latin typeface="+mn-lt"/>
+                          <a:ea typeface="+mn-ea"/>
+                          <a:cs typeface="+mn-cs"/>
+                        </a:rPr>
+                        <a:t>PEIGEN</a:t>
+                      </a:r>
+                      <a:r>
+                        <a:rPr lang="zh-CN" altLang="en-US" sz="1800" b="0" kern="1200" dirty="0">
+                          <a:solidFill>
+                            <a:schemeClr val="dk1"/>
+                          </a:solidFill>
+                          <a:effectLst/>
+                          <a:latin typeface="+mn-lt"/>
+                          <a:ea typeface="+mn-ea"/>
+                          <a:cs typeface="+mn-cs"/>
+                        </a:rPr>
+                        <a:t>等最新论文。</a:t>
+                      </a:r>
+                      <a:endParaRPr lang="en-US" altLang="zh-CN" b="0" dirty="0"/>
+                    </a:p>
+                    <a:p>
+                      <a:pPr marL="0" marR="0" lvl="0" indent="0" algn="l" defTabSz="914400" rtl="0" eaLnBrk="1" fontAlgn="auto" latinLnBrk="0" hangingPunct="1">
+                        <a:lnSpc>
+                          <a:spcPct val="170000"/>
+                        </a:lnSpc>
+                        <a:spcBef>
+                          <a:spcPts val="0"/>
+                        </a:spcBef>
+                        <a:spcAft>
+                          <a:spcPts val="0"/>
+                        </a:spcAft>
+                        <a:buClrTx/>
+                        <a:buSzTx/>
+                        <a:buFontTx/>
+                        <a:buNone/>
+                        <a:tabLst/>
+                        <a:defRPr/>
+                      </a:pPr>
+                      <a:r>
+                        <a:rPr lang="en-US" altLang="zh-CN" sz="1800" b="0" kern="1200" dirty="0">
+                          <a:solidFill>
+                            <a:schemeClr val="dk1"/>
+                          </a:solidFill>
+                          <a:effectLst/>
+                          <a:latin typeface="+mn-lt"/>
+                          <a:ea typeface="+mn-ea"/>
+                          <a:cs typeface="+mn-cs"/>
+                        </a:rPr>
+                        <a:t>3.</a:t>
+                      </a:r>
+                      <a:r>
+                        <a:rPr lang="zh-CN" altLang="en-US" sz="1800" b="0" kern="1200" dirty="0">
+                          <a:solidFill>
+                            <a:schemeClr val="dk1"/>
+                          </a:solidFill>
+                          <a:effectLst/>
+                          <a:latin typeface="+mn-lt"/>
+                          <a:ea typeface="+mn-ea"/>
+                          <a:cs typeface="+mn-cs"/>
+                        </a:rPr>
+                        <a:t>借鉴现有工具，确定思路。</a:t>
+                      </a:r>
+                      <a:endParaRPr lang="en-US" altLang="zh-CN" b="0" dirty="0"/>
+                    </a:p>
+                  </a:txBody>
+                  <a:tcPr/>
+                </a:tc>
+                <a:tc>
+                  <a:txBody>
+                    <a:bodyPr/>
+                    <a:lstStyle/>
+                    <a:p>
+                      <a:pPr algn="ctr">
+                        <a:lnSpc>
+                          <a:spcPct val="270000"/>
+                        </a:lnSpc>
+                        <a:buNone/>
+                      </a:pPr>
+                      <a:r>
+                        <a:rPr lang="en-US" altLang="zh-CN" dirty="0"/>
+                        <a:t>100</a:t>
+                      </a:r>
+                      <a:r>
+                        <a:rPr lang="zh-CN" altLang="en-US" dirty="0"/>
+                        <a:t>%</a:t>
+                      </a:r>
+                    </a:p>
+                  </a:txBody>
+                  <a:tcPr/>
+                </a:tc>
+                <a:extLst>
+                  <a:ext uri="{0D108BD9-81ED-4DB2-BD59-A6C34878D82A}">
+                    <a16:rowId xmlns:a16="http://schemas.microsoft.com/office/drawing/2014/main" val="10001"/>
+                  </a:ext>
+                </a:extLst>
+              </a:tr>
+              <a:tr h="1775742">
+                <a:tc>
+                  <a:txBody>
+                    <a:bodyPr/>
+                    <a:lstStyle/>
+                    <a:p>
+                      <a:pPr marL="0" marR="0" lvl="0" indent="0" algn="l" defTabSz="914400" rtl="0" eaLnBrk="1" fontAlgn="auto" latinLnBrk="0" hangingPunct="1">
+                        <a:lnSpc>
+                          <a:spcPct val="150000"/>
+                        </a:lnSpc>
+                        <a:spcBef>
+                          <a:spcPts val="0"/>
+                        </a:spcBef>
+                        <a:spcAft>
+                          <a:spcPts val="0"/>
+                        </a:spcAft>
+                        <a:buClrTx/>
+                        <a:buSzTx/>
+                        <a:buFontTx/>
+                        <a:buNone/>
+                        <a:tabLst/>
+                        <a:defRPr/>
+                      </a:pPr>
+                      <a:r>
+                        <a:rPr lang="zh-CN" altLang="en-US" sz="2000" b="1" dirty="0">
+                          <a:sym typeface="+mn-ea"/>
+                        </a:rPr>
+                        <a:t>任务二</a:t>
+                      </a:r>
+                      <a:r>
+                        <a:rPr lang="zh-CN" altLang="en-US" sz="2000" dirty="0">
+                          <a:sym typeface="+mn-ea"/>
+                        </a:rPr>
+                        <a:t>：</a:t>
+                      </a:r>
+                      <a:endParaRPr lang="en-US" altLang="zh-CN" sz="2000" dirty="0">
+                        <a:sym typeface="+mn-ea"/>
+                      </a:endParaRPr>
+                    </a:p>
+                    <a:p>
+                      <a:pPr marL="0" marR="0" lvl="0" indent="0" algn="l" defTabSz="914400" rtl="0" eaLnBrk="1" fontAlgn="auto" latinLnBrk="0" hangingPunct="1">
+                        <a:lnSpc>
+                          <a:spcPct val="150000"/>
+                        </a:lnSpc>
+                        <a:spcBef>
+                          <a:spcPts val="0"/>
+                        </a:spcBef>
+                        <a:spcAft>
+                          <a:spcPts val="0"/>
+                        </a:spcAft>
+                        <a:buClrTx/>
+                        <a:buSzTx/>
+                        <a:buFontTx/>
+                        <a:buNone/>
+                        <a:tabLst/>
+                        <a:defRPr/>
+                      </a:pPr>
+                      <a:r>
+                        <a:rPr lang="zh-CN" altLang="en-US" sz="2000" dirty="0"/>
+                        <a:t>收集现有的密码学性质检测方法，进行代码实现，最终完成软件。</a:t>
+                      </a:r>
+                    </a:p>
+                  </a:txBody>
+                  <a:tcPr/>
+                </a:tc>
+                <a:tc>
+                  <a:txBody>
+                    <a:bodyPr/>
+                    <a:lstStyle/>
+                    <a:p>
+                      <a:pPr algn="l">
+                        <a:lnSpc>
+                          <a:spcPct val="210000"/>
+                        </a:lnSpc>
+                        <a:buNone/>
+                      </a:pPr>
+                      <a:r>
+                        <a:rPr lang="en-US" altLang="zh-CN" sz="1800" dirty="0">
+                          <a:sym typeface="+mn-ea"/>
+                        </a:rPr>
+                        <a:t>0.</a:t>
+                      </a:r>
+                      <a:r>
+                        <a:rPr lang="zh-CN" altLang="en-US" sz="1800" dirty="0">
+                          <a:sym typeface="+mn-ea"/>
+                        </a:rPr>
+                        <a:t>阅读论文</a:t>
+                      </a:r>
+                      <a:endParaRPr lang="en-US" altLang="zh-CN" sz="1800" dirty="0">
+                        <a:sym typeface="+mn-ea"/>
+                      </a:endParaRPr>
+                    </a:p>
+                    <a:p>
+                      <a:pPr algn="l">
+                        <a:lnSpc>
+                          <a:spcPct val="210000"/>
+                        </a:lnSpc>
+                        <a:buNone/>
+                      </a:pPr>
+                      <a:r>
+                        <a:rPr lang="en-US" altLang="zh-CN" sz="1800" dirty="0">
+                          <a:sym typeface="+mn-ea"/>
+                        </a:rPr>
+                        <a:t>1.</a:t>
+                      </a:r>
+                      <a:r>
+                        <a:rPr lang="zh-CN" altLang="en-US" sz="1800" dirty="0">
+                          <a:sym typeface="+mn-ea"/>
+                        </a:rPr>
+                        <a:t>完成大部分主流密码学性质的最新检测方法搜集；</a:t>
+                      </a:r>
+                      <a:endParaRPr lang="en-US" altLang="zh-CN" sz="1800" dirty="0">
+                        <a:sym typeface="+mn-ea"/>
+                      </a:endParaRPr>
+                    </a:p>
+                    <a:p>
+                      <a:pPr marL="0" marR="0" lvl="0" indent="0" algn="l" defTabSz="914400" rtl="0" eaLnBrk="1" fontAlgn="auto" latinLnBrk="0" hangingPunct="1">
+                        <a:lnSpc>
+                          <a:spcPct val="210000"/>
+                        </a:lnSpc>
+                        <a:spcBef>
+                          <a:spcPts val="0"/>
+                        </a:spcBef>
+                        <a:spcAft>
+                          <a:spcPts val="0"/>
+                        </a:spcAft>
+                        <a:buClrTx/>
+                        <a:buSzTx/>
+                        <a:buFontTx/>
+                        <a:buNone/>
+                        <a:tabLst/>
+                        <a:defRPr/>
+                      </a:pPr>
+                      <a:r>
+                        <a:rPr lang="en-US" altLang="zh-CN" sz="1800" dirty="0">
+                          <a:sym typeface="+mn-ea"/>
+                        </a:rPr>
+                        <a:t>2.</a:t>
+                      </a:r>
+                      <a:r>
+                        <a:rPr lang="zh-CN" altLang="en-US" sz="1800" dirty="0">
+                          <a:sym typeface="+mn-ea"/>
+                        </a:rPr>
+                        <a:t>完成部分主要的密码学性质检测的代码编写；</a:t>
+                      </a:r>
+                      <a:endParaRPr lang="en-US" altLang="zh-CN" sz="1800" dirty="0">
+                        <a:sym typeface="+mn-ea"/>
+                      </a:endParaRPr>
                     </a:p>
                   </a:txBody>
                   <a:tcPr/>
@@ -9998,6 +12866,11 @@
         </a:graphic>
       </p:graphicFrame>
     </p:spTree>
+    <p:extLst>
+      <p:ext uri="{BB962C8B-B14F-4D97-AF65-F5344CB8AC3E}">
+        <p14:creationId xmlns:p14="http://schemas.microsoft.com/office/powerpoint/2010/main" val="1841155954"/>
+      </p:ext>
+    </p:extLst>
   </p:cSld>
   <p:clrMapOvr>
     <a:masterClrMapping/>
@@ -10005,7 +12878,7 @@
 </p:sld>
 </file>
 
-<file path=ppt/slides/slide6.xml><?xml version="1.0" encoding="utf-8"?>
+<file path=ppt/slides/slide8.xml><?xml version="1.0" encoding="utf-8"?>
 <p:sld xmlns:a="http://schemas.openxmlformats.org/drawingml/2006/main" xmlns:r="http://schemas.openxmlformats.org/officeDocument/2006/relationships" xmlns:p="http://schemas.openxmlformats.org/presentationml/2006/main">
   <p:cSld>
     <p:spTree>
@@ -10585,7 +13458,7 @@
 </p:sld>
 </file>
 
-<file path=ppt/slides/slide7.xml><?xml version="1.0" encoding="utf-8"?>
+<file path=ppt/slides/slide9.xml><?xml version="1.0" encoding="utf-8"?>
 <p:sld xmlns:a="http://schemas.openxmlformats.org/drawingml/2006/main" xmlns:r="http://schemas.openxmlformats.org/officeDocument/2006/relationships" xmlns:p="http://schemas.openxmlformats.org/presentationml/2006/main">
   <p:cSld>
     <p:spTree>
@@ -10629,21 +13502,11 @@
                 <a:latin typeface="微软雅黑" panose="020B0503020204020204" pitchFamily="34" charset="-122"/>
                 <a:sym typeface="+mn-ea"/>
               </a:rPr>
-              <a:t>关于已有的</a:t>
-            </a:r>
-            <a:r>
-              <a:rPr lang="en-US" altLang="zh-CN" sz="2800" b="1" dirty="0">
-                <a:latin typeface="微软雅黑" panose="020B0503020204020204" pitchFamily="34" charset="-122"/>
-                <a:sym typeface="+mn-ea"/>
-              </a:rPr>
-              <a:t>S</a:t>
-            </a:r>
-            <a:r>
-              <a:rPr lang="zh-CN" altLang="en-US" sz="2800" b="1" dirty="0">
-                <a:latin typeface="微软雅黑" panose="020B0503020204020204" pitchFamily="34" charset="-122"/>
-                <a:sym typeface="+mn-ea"/>
-              </a:rPr>
-              <a:t>盒性质检测技术的调研</a:t>
+              <a:t>任务一：</a:t>
+            </a:r>
+            <a:r>
+              <a:rPr lang="zh-CN" altLang="en-US" sz="2800" dirty="0"/>
+              <a:t>前期学习和调研</a:t>
             </a:r>
             <a:endParaRPr lang="zh-CN" altLang="en-US" sz="2800" b="1" dirty="0">
               <a:latin typeface="微软雅黑" panose="020B0503020204020204" pitchFamily="34" charset="-122"/>
@@ -10668,7 +13531,7 @@
           <a:p>
             <a:fld id="{51D91E7F-84B6-4064-9D4E-CC7D244BCA04}" type="slidenum">
               <a:rPr lang="zh-CN" altLang="en-US" smtClean="0"/>
-              <a:t>7</a:t>
+              <a:t>9</a:t>
             </a:fld>
             <a:endParaRPr lang="zh-CN" altLang="en-US" dirty="0"/>
           </a:p>
@@ -10676,218 +13539,20 @@
       </p:sp>
       <p:sp>
         <p:nvSpPr>
-          <p:cNvPr id="1048619" name="矩形 17"/>
-          <p:cNvSpPr/>
-          <p:nvPr/>
-        </p:nvSpPr>
-        <p:spPr>
-          <a:xfrm>
-            <a:off x="504190" y="994410"/>
-            <a:ext cx="11282045" cy="461665"/>
-          </a:xfrm>
-          <a:prstGeom prst="rect">
-            <a:avLst/>
-          </a:prstGeom>
-        </p:spPr>
-        <p:txBody>
-          <a:bodyPr wrap="square">
-            <a:spAutoFit/>
-          </a:bodyPr>
-          <a:lstStyle/>
-          <a:p>
-            <a:pPr algn="l">
-              <a:buClrTx/>
-              <a:buSzTx/>
-              <a:buFontTx/>
-            </a:pPr>
-            <a:r>
-              <a:rPr lang="zh-CN" sz="2400" dirty="0">
-                <a:latin typeface="+mn-ea"/>
-                <a:sym typeface="+mn-ea"/>
-              </a:rPr>
-              <a:t>通过调研</a:t>
-            </a:r>
-            <a:r>
-              <a:rPr lang="zh-CN" altLang="en-US" sz="2400" dirty="0">
-                <a:latin typeface="+mn-ea"/>
-                <a:sym typeface="+mn-ea"/>
-              </a:rPr>
-              <a:t>国内外的</a:t>
-            </a:r>
-            <a:r>
-              <a:rPr lang="en-US" altLang="zh-CN" sz="2400" dirty="0">
-                <a:latin typeface="+mn-ea"/>
-                <a:sym typeface="+mn-ea"/>
-              </a:rPr>
-              <a:t>S</a:t>
-            </a:r>
-            <a:r>
-              <a:rPr lang="zh-CN" altLang="en-US" sz="2400" dirty="0">
-                <a:latin typeface="+mn-ea"/>
-                <a:sym typeface="+mn-ea"/>
-              </a:rPr>
-              <a:t>盒密码学性质检测的技术</a:t>
-            </a:r>
-            <a:r>
-              <a:rPr lang="zh-CN" sz="2400" dirty="0">
-                <a:solidFill>
-                  <a:schemeClr val="tx1"/>
-                </a:solidFill>
-                <a:latin typeface="+mn-ea"/>
-              </a:rPr>
-              <a:t>。</a:t>
-            </a:r>
-            <a:endParaRPr lang="zh-CN" altLang="en-US" dirty="0"/>
-          </a:p>
-        </p:txBody>
-      </p:sp>
-    </p:spTree>
-  </p:cSld>
-  <p:clrMapOvr>
-    <a:masterClrMapping/>
-  </p:clrMapOvr>
-  <p:timing>
-    <p:tnLst>
-      <p:par>
-        <p:cTn id="1" dur="indefinite" restart="never" nodeType="tmRoot">
-          <p:childTnLst>
-            <p:seq concurrent="1" nextAc="seek">
-              <p:cTn id="2" dur="indefinite" nodeType="mainSeq">
-                <p:childTnLst>
-                  <p:par>
-                    <p:cTn id="3" fill="hold">
-                      <p:stCondLst>
-                        <p:cond delay="indefinite"/>
-                        <p:cond evt="onBegin" delay="0">
-                          <p:tn val="2"/>
-                        </p:cond>
-                      </p:stCondLst>
-                      <p:childTnLst>
-                        <p:par>
-                          <p:cTn id="4" fill="hold">
-                            <p:stCondLst>
-                              <p:cond delay="0"/>
-                            </p:stCondLst>
-                            <p:childTnLst>
-                              <p:par>
-                                <p:cTn id="5" presetID="12" presetClass="entr" presetSubtype="4" fill="hold" grpId="0" nodeType="withEffect">
-                                  <p:stCondLst>
-                                    <p:cond delay="1200"/>
-                                  </p:stCondLst>
-                                  <p:childTnLst>
-                                    <p:set>
-                                      <p:cBhvr>
-                                        <p:cTn id="6" dur="1" fill="hold">
-                                          <p:stCondLst>
-                                            <p:cond delay="0"/>
-                                          </p:stCondLst>
-                                        </p:cTn>
-                                        <p:tgtEl>
-                                          <p:spTgt spid="1048619"/>
-                                        </p:tgtEl>
-                                        <p:attrNameLst>
-                                          <p:attrName>style.visibility</p:attrName>
-                                        </p:attrNameLst>
-                                      </p:cBhvr>
-                                      <p:to>
-                                        <p:strVal val="visible"/>
-                                      </p:to>
-                                    </p:set>
-                                    <p:anim calcmode="lin" valueType="num">
-                                      <p:cBhvr additive="base">
-                                        <p:cTn id="7" dur="500"/>
-                                        <p:tgtEl>
-                                          <p:spTgt spid="1048619"/>
-                                        </p:tgtEl>
-                                        <p:attrNameLst>
-                                          <p:attrName>ppt_y</p:attrName>
-                                        </p:attrNameLst>
-                                      </p:cBhvr>
-                                      <p:tavLst>
-                                        <p:tav tm="0">
-                                          <p:val>
-                                            <p:strVal val="#ppt_y+#ppt_h*1.125000"/>
-                                          </p:val>
-                                        </p:tav>
-                                        <p:tav tm="100000">
-                                          <p:val>
-                                            <p:strVal val="#ppt_y"/>
-                                          </p:val>
-                                        </p:tav>
-                                      </p:tavLst>
-                                    </p:anim>
-                                    <p:animEffect transition="in" filter="wipe(up)">
-                                      <p:cBhvr>
-                                        <p:cTn id="8" dur="500"/>
-                                        <p:tgtEl>
-                                          <p:spTgt spid="1048619"/>
-                                        </p:tgtEl>
-                                      </p:cBhvr>
-                                    </p:animEffect>
-                                  </p:childTnLst>
-                                </p:cTn>
-                              </p:par>
-                            </p:childTnLst>
-                          </p:cTn>
-                        </p:par>
-                      </p:childTnLst>
-                    </p:cTn>
-                  </p:par>
-                </p:childTnLst>
-              </p:cTn>
-              <p:prevCondLst>
-                <p:cond evt="onPrev" delay="0">
-                  <p:tgtEl>
-                    <p:sldTgt/>
-                  </p:tgtEl>
-                </p:cond>
-              </p:prevCondLst>
-              <p:nextCondLst>
-                <p:cond evt="onNext" delay="0">
-                  <p:tgtEl>
-                    <p:sldTgt/>
-                  </p:tgtEl>
-                </p:cond>
-              </p:nextCondLst>
-            </p:seq>
-          </p:childTnLst>
-        </p:cTn>
-      </p:par>
-    </p:tnLst>
-    <p:bldLst>
-      <p:bldP spid="1048619" grpId="0"/>
-    </p:bldLst>
-  </p:timing>
-</p:sld>
-</file>
-
-<file path=ppt/slides/slide8.xml><?xml version="1.0" encoding="utf-8"?>
-<p:sld xmlns:a="http://schemas.openxmlformats.org/drawingml/2006/main" xmlns:r="http://schemas.openxmlformats.org/officeDocument/2006/relationships" xmlns:p="http://schemas.openxmlformats.org/presentationml/2006/main">
-  <p:cSld>
-    <p:spTree>
-      <p:nvGrpSpPr>
-        <p:cNvPr id="1" name=""/>
-        <p:cNvGrpSpPr/>
-        <p:nvPr/>
-      </p:nvGrpSpPr>
-      <p:grpSpPr>
-        <a:xfrm>
-          <a:off x="0" y="0"/>
-          <a:ext cx="0" cy="0"/>
-          <a:chOff x="0" y="0"/>
-          <a:chExt cx="0" cy="0"/>
-        </a:xfrm>
-      </p:grpSpPr>
-      <p:sp>
-        <p:nvSpPr>
-          <p:cNvPr id="1048620" name="文本框 10"/>
+          <p:cNvPr id="7" name="文本框 6">
+            <a:extLst>
+              <a:ext uri="{FF2B5EF4-FFF2-40B4-BE49-F238E27FC236}">
+                <a16:creationId xmlns:a16="http://schemas.microsoft.com/office/drawing/2014/main" id="{48A5B42D-0A92-444F-8B3C-3EC26B26594F}"/>
+              </a:ext>
+            </a:extLst>
+          </p:cNvPr>
           <p:cNvSpPr txBox="1"/>
           <p:nvPr/>
         </p:nvSpPr>
         <p:spPr>
           <a:xfrm>
-            <a:off x="695324" y="287665"/>
-            <a:ext cx="10801351" cy="521970"/>
+            <a:off x="793749" y="1179443"/>
+            <a:ext cx="9662216" cy="3600986"/>
           </a:xfrm>
           <a:prstGeom prst="rect">
             <a:avLst/>
@@ -10901,460 +13566,99 @@
           <a:lstStyle/>
           <a:p>
             <a:r>
-              <a:rPr lang="zh-CN" altLang="en-US" sz="2800" b="1" dirty="0">
-                <a:solidFill>
-                  <a:schemeClr val="tx1"/>
-                </a:solidFill>
-                <a:latin typeface="微软雅黑" panose="020B0503020204020204" pitchFamily="34" charset="-122"/>
-                <a:sym typeface="+mn-ea"/>
-              </a:rPr>
-              <a:t>任务一完成情况</a:t>
-            </a:r>
-          </a:p>
-        </p:txBody>
-      </p:sp>
-      <p:sp>
-        <p:nvSpPr>
-          <p:cNvPr id="1048621" name="灯片编号占位符 3"/>
-          <p:cNvSpPr>
-            <a:spLocks noGrp="1"/>
-          </p:cNvSpPr>
-          <p:nvPr>
-            <p:ph type="sldNum" sz="quarter" idx="12"/>
-          </p:nvPr>
-        </p:nvSpPr>
-        <p:spPr/>
-        <p:txBody>
-          <a:bodyPr/>
-          <a:lstStyle/>
-          <a:p>
-            <a:fld id="{51D91E7F-84B6-4064-9D4E-CC7D244BCA04}" type="slidenum">
-              <a:rPr lang="zh-CN" altLang="en-US" smtClean="0"/>
-              <a:t>8</a:t>
-            </a:fld>
-            <a:endParaRPr lang="zh-CN" altLang="en-US" dirty="0"/>
-          </a:p>
-        </p:txBody>
-      </p:sp>
-      <p:sp>
-        <p:nvSpPr>
-          <p:cNvPr id="1048622" name="矩形 17"/>
-          <p:cNvSpPr/>
-          <p:nvPr/>
-        </p:nvSpPr>
-        <p:spPr>
-          <a:xfrm>
-            <a:off x="436245" y="989330"/>
-            <a:ext cx="11572875" cy="1158239"/>
-          </a:xfrm>
-          <a:prstGeom prst="rect">
-            <a:avLst/>
-          </a:prstGeom>
-        </p:spPr>
-        <p:txBody>
-          <a:bodyPr wrap="square">
-            <a:spAutoFit/>
-          </a:bodyPr>
-          <a:lstStyle/>
-          <a:p>
-            <a:pPr algn="l"/>
-            <a:r>
-              <a:rPr lang="zh-CN" sz="2400" dirty="0">
-                <a:latin typeface="+mn-ea"/>
-                <a:sym typeface="+mn-ea"/>
-              </a:rPr>
-              <a:t>对于</a:t>
-            </a:r>
-            <a:r>
-              <a:rPr lang="zh-CN" altLang="en-US" sz="2400" dirty="0">
-                <a:latin typeface="+mn-ea"/>
-                <a:sym typeface="+mn-ea"/>
-              </a:rPr>
-              <a:t>任务一，我完成了哪些工作：</a:t>
-            </a:r>
-            <a:endParaRPr lang="zh-CN" sz="2400" dirty="0">
-              <a:solidFill>
-                <a:schemeClr val="tx1"/>
-              </a:solidFill>
-              <a:latin typeface="+mn-ea"/>
-              <a:sym typeface="+mn-ea"/>
-            </a:endParaRPr>
-          </a:p>
-          <a:p>
-            <a:pPr algn="l"/>
-            <a:r>
-              <a:rPr lang="en-US" altLang="zh-CN" sz="2400" dirty="0">
-                <a:solidFill>
-                  <a:schemeClr val="tx1"/>
-                </a:solidFill>
-                <a:latin typeface="+mn-ea"/>
-                <a:sym typeface="+mn-ea"/>
-              </a:rPr>
-              <a:t>(</a:t>
-            </a:r>
-            <a:r>
-              <a:rPr lang="zh-CN" altLang="zh-CN" sz="2400" dirty="0">
-                <a:solidFill>
-                  <a:schemeClr val="tx1"/>
-                </a:solidFill>
-                <a:latin typeface="+mn-ea"/>
-                <a:sym typeface="+mn-ea"/>
-              </a:rPr>
-              <a:t>附加图片</a:t>
-            </a:r>
-            <a:r>
-              <a:rPr lang="en-US" altLang="zh-CN" sz="2400" dirty="0">
-                <a:solidFill>
-                  <a:schemeClr val="tx1"/>
-                </a:solidFill>
-                <a:latin typeface="+mn-ea"/>
-                <a:sym typeface="+mn-ea"/>
-              </a:rPr>
-              <a:t>)</a:t>
-            </a:r>
-            <a:endParaRPr lang="zh-CN" sz="2400" dirty="0">
-              <a:solidFill>
-                <a:schemeClr val="tx1"/>
-              </a:solidFill>
-              <a:latin typeface="+mn-ea"/>
-              <a:sym typeface="+mn-ea"/>
-            </a:endParaRPr>
-          </a:p>
-          <a:p>
-            <a:pPr algn="l"/>
-            <a:r>
-              <a:rPr lang="zh-CN" altLang="zh-CN" sz="2400" dirty="0">
-                <a:solidFill>
-                  <a:schemeClr val="tx1"/>
-                </a:solidFill>
-                <a:latin typeface="+mn-ea"/>
-                <a:sym typeface="+mn-ea"/>
-              </a:rPr>
-              <a:t>文字部分写关键词即可</a:t>
-            </a:r>
-            <a:endParaRPr lang="zh-CN" sz="2400" dirty="0">
-              <a:solidFill>
-                <a:schemeClr val="tx1"/>
-              </a:solidFill>
-              <a:latin typeface="+mn-ea"/>
-              <a:sym typeface="+mn-ea"/>
-            </a:endParaRPr>
-          </a:p>
-        </p:txBody>
-      </p:sp>
-    </p:spTree>
-  </p:cSld>
-  <p:clrMapOvr>
-    <a:masterClrMapping/>
-  </p:clrMapOvr>
-  <p:timing>
-    <p:tnLst>
-      <p:par>
-        <p:cTn id="1" dur="indefinite" restart="never" nodeType="tmRoot">
-          <p:childTnLst>
-            <p:seq concurrent="1" nextAc="seek">
-              <p:cTn id="2" dur="indefinite" nodeType="mainSeq">
-                <p:childTnLst>
-                  <p:par>
-                    <p:cTn id="3" fill="hold">
-                      <p:stCondLst>
-                        <p:cond delay="indefinite"/>
-                        <p:cond evt="onBegin" delay="0">
-                          <p:tn val="2"/>
-                        </p:cond>
-                      </p:stCondLst>
-                      <p:childTnLst>
-                        <p:par>
-                          <p:cTn id="4" fill="hold">
-                            <p:stCondLst>
-                              <p:cond delay="0"/>
-                            </p:stCondLst>
-                            <p:childTnLst>
-                              <p:par>
-                                <p:cTn id="5" presetID="12" presetClass="entr" presetSubtype="4" fill="hold" grpId="0" nodeType="withEffect">
-                                  <p:stCondLst>
-                                    <p:cond delay="1200"/>
-                                  </p:stCondLst>
-                                  <p:childTnLst>
-                                    <p:set>
-                                      <p:cBhvr>
-                                        <p:cTn id="6" dur="1" fill="hold">
-                                          <p:stCondLst>
-                                            <p:cond delay="0"/>
-                                          </p:stCondLst>
-                                        </p:cTn>
-                                        <p:tgtEl>
-                                          <p:spTgt spid="1048622"/>
-                                        </p:tgtEl>
-                                        <p:attrNameLst>
-                                          <p:attrName>style.visibility</p:attrName>
-                                        </p:attrNameLst>
-                                      </p:cBhvr>
-                                      <p:to>
-                                        <p:strVal val="visible"/>
-                                      </p:to>
-                                    </p:set>
-                                    <p:anim calcmode="lin" valueType="num">
-                                      <p:cBhvr additive="base">
-                                        <p:cTn id="7" dur="500"/>
-                                        <p:tgtEl>
-                                          <p:spTgt spid="1048622"/>
-                                        </p:tgtEl>
-                                        <p:attrNameLst>
-                                          <p:attrName>ppt_y</p:attrName>
-                                        </p:attrNameLst>
-                                      </p:cBhvr>
-                                      <p:tavLst>
-                                        <p:tav tm="0">
-                                          <p:val>
-                                            <p:strVal val="#ppt_y+#ppt_h*1.125000"/>
-                                          </p:val>
-                                        </p:tav>
-                                        <p:tav tm="100000">
-                                          <p:val>
-                                            <p:strVal val="#ppt_y"/>
-                                          </p:val>
-                                        </p:tav>
-                                      </p:tavLst>
-                                    </p:anim>
-                                    <p:animEffect transition="in" filter="wipe(up)">
-                                      <p:cBhvr>
-                                        <p:cTn id="8" dur="500"/>
-                                        <p:tgtEl>
-                                          <p:spTgt spid="1048622"/>
-                                        </p:tgtEl>
-                                      </p:cBhvr>
-                                    </p:animEffect>
-                                  </p:childTnLst>
-                                </p:cTn>
-                              </p:par>
-                            </p:childTnLst>
-                          </p:cTn>
-                        </p:par>
-                      </p:childTnLst>
-                    </p:cTn>
-                  </p:par>
-                </p:childTnLst>
-              </p:cTn>
-              <p:prevCondLst>
-                <p:cond evt="onPrev" delay="0">
-                  <p:tgtEl>
-                    <p:sldTgt/>
-                  </p:tgtEl>
-                </p:cond>
-              </p:prevCondLst>
-              <p:nextCondLst>
-                <p:cond evt="onNext" delay="0">
-                  <p:tgtEl>
-                    <p:sldTgt/>
-                  </p:tgtEl>
-                </p:cond>
-              </p:nextCondLst>
-            </p:seq>
-          </p:childTnLst>
-        </p:cTn>
-      </p:par>
-    </p:tnLst>
-    <p:bldLst>
-      <p:bldP spid="1048622" grpId="0"/>
-    </p:bldLst>
-  </p:timing>
-</p:sld>
-</file>
-
-<file path=ppt/slides/slide9.xml><?xml version="1.0" encoding="utf-8"?>
-<p:sld xmlns:a="http://schemas.openxmlformats.org/drawingml/2006/main" xmlns:r="http://schemas.openxmlformats.org/officeDocument/2006/relationships" xmlns:p="http://schemas.openxmlformats.org/presentationml/2006/main">
-  <p:cSld>
-    <p:spTree>
-      <p:nvGrpSpPr>
-        <p:cNvPr id="1" name=""/>
-        <p:cNvGrpSpPr/>
-        <p:nvPr/>
-      </p:nvGrpSpPr>
-      <p:grpSpPr>
-        <a:xfrm>
-          <a:off x="0" y="0"/>
-          <a:ext cx="0" cy="0"/>
-          <a:chOff x="0" y="0"/>
-          <a:chExt cx="0" cy="0"/>
-        </a:xfrm>
-      </p:grpSpPr>
-      <p:pic>
-        <p:nvPicPr>
-          <p:cNvPr id="7" name="图片 6">
-            <a:extLst>
-              <a:ext uri="{FF2B5EF4-FFF2-40B4-BE49-F238E27FC236}">
-                <a16:creationId xmlns:a16="http://schemas.microsoft.com/office/drawing/2014/main" id="{661CB78D-28EB-C648-9ADF-B3A5C6D55B05}"/>
-              </a:ext>
-            </a:extLst>
-          </p:cNvPr>
-          <p:cNvPicPr>
-            <a:picLocks noChangeAspect="1"/>
-          </p:cNvPicPr>
-          <p:nvPr/>
-        </p:nvPicPr>
-        <p:blipFill rotWithShape="1">
-          <a:blip r:embed="rId3">
-            <a:extLst>
-              <a:ext uri="{28A0092B-C50C-407E-A947-70E740481C1C}">
-                <a14:useLocalDpi xmlns:a14="http://schemas.microsoft.com/office/drawing/2010/main" val="0"/>
-              </a:ext>
-            </a:extLst>
-          </a:blip>
-          <a:srcRect t="-1" b="-9756"/>
-          <a:stretch/>
-        </p:blipFill>
-        <p:spPr>
-          <a:xfrm>
-            <a:off x="3048000" y="0"/>
-            <a:ext cx="9144000" cy="6858000"/>
-          </a:xfrm>
-          <a:prstGeom prst="rect">
-            <a:avLst/>
-          </a:prstGeom>
-        </p:spPr>
-      </p:pic>
-      <p:pic>
-        <p:nvPicPr>
-          <p:cNvPr id="5" name="图片 4">
-            <a:extLst>
-              <a:ext uri="{FF2B5EF4-FFF2-40B4-BE49-F238E27FC236}">
-                <a16:creationId xmlns:a16="http://schemas.microsoft.com/office/drawing/2014/main" id="{4BDFDCEF-5EDD-794D-A5F9-9A21B04F7A46}"/>
-              </a:ext>
-            </a:extLst>
-          </p:cNvPr>
-          <p:cNvPicPr>
-            <a:picLocks noChangeAspect="1"/>
-          </p:cNvPicPr>
-          <p:nvPr/>
-        </p:nvPicPr>
-        <p:blipFill>
-          <a:blip r:embed="rId3">
-            <a:extLst>
-              <a:ext uri="{28A0092B-C50C-407E-A947-70E740481C1C}">
-                <a14:useLocalDpi xmlns:a14="http://schemas.microsoft.com/office/drawing/2010/main" val="0"/>
-              </a:ext>
-            </a:extLst>
-          </a:blip>
-          <a:stretch>
-            <a:fillRect/>
-          </a:stretch>
-        </p:blipFill>
-        <p:spPr>
-          <a:xfrm>
-            <a:off x="0" y="0"/>
-            <a:ext cx="9144000" cy="6858000"/>
-          </a:xfrm>
-          <a:prstGeom prst="rect">
-            <a:avLst/>
-          </a:prstGeom>
-        </p:spPr>
-      </p:pic>
-      <p:sp>
-        <p:nvSpPr>
-          <p:cNvPr id="1048624" name="文本框 10"/>
-          <p:cNvSpPr txBox="1"/>
-          <p:nvPr/>
-        </p:nvSpPr>
-        <p:spPr>
-          <a:xfrm>
-            <a:off x="314324" y="1019185"/>
-            <a:ext cx="10801351" cy="521970"/>
-          </a:xfrm>
-          <a:prstGeom prst="rect">
-            <a:avLst/>
-          </a:prstGeom>
-          <a:noFill/>
-        </p:spPr>
-        <p:txBody>
-          <a:bodyPr wrap="square" rtlCol="0">
-            <a:spAutoFit/>
-          </a:bodyPr>
-          <a:lstStyle/>
-          <a:p>
-            <a:r>
-              <a:rPr lang="zh-CN" sz="2800" b="1" dirty="0">
-                <a:latin typeface="微软雅黑" panose="020B0503020204020204" pitchFamily="34" charset="-122"/>
-                <a:sym typeface="+mn-ea"/>
-              </a:rPr>
-              <a:t>任务</a:t>
-            </a:r>
-            <a:r>
-              <a:rPr lang="zh-CN" altLang="en-US" sz="2800" b="1" dirty="0">
-                <a:latin typeface="微软雅黑" panose="020B0503020204020204" pitchFamily="34" charset="-122"/>
-                <a:sym typeface="+mn-ea"/>
-              </a:rPr>
-              <a:t>二</a:t>
-            </a:r>
-            <a:r>
-              <a:rPr lang="zh-CN" sz="2800" b="1" dirty="0">
-                <a:latin typeface="微软雅黑" panose="020B0503020204020204" pitchFamily="34" charset="-122"/>
-                <a:sym typeface="+mn-ea"/>
-              </a:rPr>
-              <a:t>完成情况</a:t>
-            </a:r>
-            <a:endParaRPr lang="zh-CN" altLang="en-US" sz="2800" b="1" dirty="0">
-              <a:latin typeface="微软雅黑" panose="020B0503020204020204" pitchFamily="34" charset="-122"/>
-            </a:endParaRPr>
-          </a:p>
-        </p:txBody>
-      </p:sp>
-      <p:sp>
-        <p:nvSpPr>
-          <p:cNvPr id="1048625" name="灯片编号占位符 3"/>
-          <p:cNvSpPr>
-            <a:spLocks noGrp="1"/>
-          </p:cNvSpPr>
-          <p:nvPr>
-            <p:ph type="sldNum" sz="quarter" idx="12"/>
-          </p:nvPr>
-        </p:nvSpPr>
-        <p:spPr/>
-        <p:txBody>
-          <a:bodyPr/>
-          <a:lstStyle/>
-          <a:p>
-            <a:fld id="{51D91E7F-84B6-4064-9D4E-CC7D244BCA04}" type="slidenum">
-              <a:rPr lang="zh-CN" altLang="en-US" smtClean="0"/>
-              <a:t>9</a:t>
-            </a:fld>
-            <a:endParaRPr lang="zh-CN" altLang="en-US" dirty="0"/>
-          </a:p>
-        </p:txBody>
-      </p:sp>
-      <p:sp>
-        <p:nvSpPr>
-          <p:cNvPr id="1048626" name="文本框 2"/>
-          <p:cNvSpPr txBox="1"/>
-          <p:nvPr/>
-        </p:nvSpPr>
-        <p:spPr>
-          <a:xfrm>
-            <a:off x="314324" y="1712595"/>
-            <a:ext cx="11563350" cy="461665"/>
-          </a:xfrm>
-          <a:prstGeom prst="rect">
-            <a:avLst/>
-          </a:prstGeom>
-          <a:noFill/>
-        </p:spPr>
-        <p:txBody>
-          <a:bodyPr wrap="square" rtlCol="0" anchor="t">
-            <a:spAutoFit/>
-          </a:bodyPr>
-          <a:lstStyle/>
-          <a:p>
-            <a:pPr algn="l"/>
-            <a:r>
-              <a:rPr lang="zh-CN" altLang="en-US" sz="2400" dirty="0">
-                <a:latin typeface="+mn-ea"/>
-                <a:sym typeface="+mn-ea"/>
-              </a:rPr>
-              <a:t>跟任务一一样的套路</a:t>
-            </a:r>
-            <a:endParaRPr lang="zh-CN" sz="2400" dirty="0">
-              <a:latin typeface="+mn-ea"/>
-            </a:endParaRPr>
+              <a:rPr kumimoji="1" lang="en-US" altLang="zh-CN" sz="2400" b="1" dirty="0"/>
+              <a:t>1</a:t>
+            </a:r>
+            <a:r>
+              <a:rPr kumimoji="1" lang="zh-CN" altLang="en-US" sz="2400" b="1" dirty="0"/>
+              <a:t>、</a:t>
+            </a:r>
+            <a:r>
+              <a:rPr kumimoji="1" lang="zh-CN" altLang="en-US" sz="2000" b="1" dirty="0"/>
+              <a:t> </a:t>
+            </a:r>
+            <a:r>
+              <a:rPr kumimoji="1" lang="zh-CN" altLang="en-US" sz="2400" b="1" dirty="0"/>
+              <a:t>阅读相关教材和一些论文</a:t>
+            </a:r>
+            <a:endParaRPr kumimoji="1" lang="en-US" altLang="zh-CN" sz="2400" b="1" dirty="0"/>
+          </a:p>
+          <a:p>
+            <a:r>
+              <a:rPr kumimoji="1" lang="zh-CN" altLang="en-US" sz="2000" dirty="0"/>
+              <a:t>    </a:t>
+            </a:r>
+            <a:endParaRPr kumimoji="1" lang="en-US" altLang="zh-CN" sz="2000" dirty="0"/>
+          </a:p>
+          <a:p>
+            <a:r>
+              <a:rPr kumimoji="1" lang="zh-CN" altLang="en-US" sz="2000" dirty="0"/>
+              <a:t>   </a:t>
+            </a:r>
+            <a:r>
+              <a:rPr lang="zh-CN" altLang="en-US" sz="2000" dirty="0"/>
+              <a:t>了解了</a:t>
+            </a:r>
+            <a:r>
+              <a:rPr lang="en-US" altLang="zh-CN" sz="2000" dirty="0"/>
+              <a:t>S</a:t>
+            </a:r>
+            <a:r>
+              <a:rPr lang="zh-CN" altLang="en-US" sz="2000" dirty="0"/>
+              <a:t>盒的设计原理和性质检测方式。</a:t>
+            </a:r>
+            <a:endParaRPr lang="en-US" altLang="zh-CN" sz="2000" dirty="0"/>
+          </a:p>
+          <a:p>
+            <a:endParaRPr lang="en-US" altLang="zh-CN" sz="2000" dirty="0"/>
+          </a:p>
+          <a:p>
+            <a:r>
+              <a:rPr kumimoji="1" lang="en-US" altLang="zh-CN" sz="2400" b="1" dirty="0"/>
+              <a:t>2</a:t>
+            </a:r>
+            <a:r>
+              <a:rPr kumimoji="1" lang="zh-CN" altLang="en-US" sz="2400" b="1" dirty="0"/>
+              <a:t>、对现有的</a:t>
+            </a:r>
+            <a:r>
+              <a:rPr kumimoji="1" lang="en-US" altLang="zh-CN" sz="2400" b="1" dirty="0"/>
+              <a:t>S</a:t>
+            </a:r>
+            <a:r>
+              <a:rPr kumimoji="1" lang="zh-CN" altLang="en-US" sz="2400" b="1" dirty="0"/>
+              <a:t>盒检测平台进行分析</a:t>
+            </a:r>
+          </a:p>
+          <a:p>
+            <a:r>
+              <a:rPr lang="zh-CN" altLang="en-US" dirty="0"/>
+              <a:t>   </a:t>
+            </a:r>
+            <a:endParaRPr lang="en-US" altLang="zh-CN" dirty="0"/>
+          </a:p>
+          <a:p>
+            <a:r>
+              <a:rPr lang="zh-CN" altLang="en-US" sz="2000" dirty="0"/>
+              <a:t>    总结为下表所示。</a:t>
+            </a:r>
+            <a:endParaRPr lang="en-US" altLang="zh-CN" sz="2000" dirty="0"/>
+          </a:p>
+          <a:p>
+            <a:endParaRPr kumimoji="1" lang="en-US" altLang="zh-CN" sz="2400" b="1" dirty="0"/>
+          </a:p>
+          <a:p>
+            <a:endParaRPr kumimoji="1" lang="en-US" altLang="zh-CN" sz="2400" b="1" dirty="0"/>
+          </a:p>
+          <a:p>
+            <a:endParaRPr lang="en-US" altLang="zh-CN" dirty="0"/>
+          </a:p>
+          <a:p>
+            <a:r>
+              <a:rPr kumimoji="1" lang="zh-CN" altLang="en-US" dirty="0"/>
+              <a:t>     </a:t>
+            </a:r>
+            <a:endParaRPr kumimoji="1" lang="en-US" altLang="zh-CN" dirty="0"/>
           </a:p>
         </p:txBody>
       </p:sp>
@@ -11367,6 +13671,18 @@
 </file>
 
 <file path=ppt/tags/tag1.xml><?xml version="1.0" encoding="utf-8"?>
+<p:tagLst xmlns:a="http://schemas.openxmlformats.org/drawingml/2006/main" xmlns:r="http://schemas.openxmlformats.org/officeDocument/2006/relationships" xmlns:p="http://schemas.openxmlformats.org/presentationml/2006/main">
+  <p:tag name="KSO_WM_UNIT_TABLE_BEAUTIFY" val="smartTable{038d2962-a4de-4a52-b4aa-8d20038e3cfe}"/>
+</p:tagLst>
+</file>
+
+<file path=ppt/tags/tag2.xml><?xml version="1.0" encoding="utf-8"?>
+<p:tagLst xmlns:a="http://schemas.openxmlformats.org/drawingml/2006/main" xmlns:r="http://schemas.openxmlformats.org/officeDocument/2006/relationships" xmlns:p="http://schemas.openxmlformats.org/presentationml/2006/main">
+  <p:tag name="KSO_WM_UNIT_TABLE_BEAUTIFY" val="smartTable{038d2962-a4de-4a52-b4aa-8d20038e3cfe}"/>
+</p:tagLst>
+</file>
+
+<file path=ppt/tags/tag3.xml><?xml version="1.0" encoding="utf-8"?>
 <p:tagLst xmlns:a="http://schemas.openxmlformats.org/drawingml/2006/main" xmlns:r="http://schemas.openxmlformats.org/officeDocument/2006/relationships" xmlns:p="http://schemas.openxmlformats.org/presentationml/2006/main">
   <p:tag name="KSO_WM_UNIT_TABLE_BEAUTIFY" val="smartTable{038d2962-a4de-4a52-b4aa-8d20038e3cfe}"/>
 </p:tagLst>
